--- a/Performance_Tuning_2021/JD_Query_Optimze_2021.pptx
+++ b/Performance_Tuning_2021/JD_Query_Optimze_2021.pptx
@@ -5,15 +5,17 @@
     <p:sldMasterId id="2147483715" r:id="rId1"/>
   </p:sldMasterIdLst>
   <p:notesMasterIdLst>
-    <p:notesMasterId r:id="rId5"/>
+    <p:notesMasterId r:id="rId7"/>
   </p:notesMasterIdLst>
   <p:handoutMasterIdLst>
-    <p:handoutMasterId r:id="rId6"/>
+    <p:handoutMasterId r:id="rId8"/>
   </p:handoutMasterIdLst>
   <p:sldIdLst>
     <p:sldId id="329" r:id="rId2"/>
     <p:sldId id="481" r:id="rId3"/>
-    <p:sldId id="603" r:id="rId4"/>
+    <p:sldId id="606" r:id="rId4"/>
+    <p:sldId id="603" r:id="rId5"/>
+    <p:sldId id="604" r:id="rId6"/>
   </p:sldIdLst>
   <p:sldSz cx="12192000" cy="6858000"/>
   <p:notesSz cx="6858000" cy="9144000"/>
@@ -139,6 +141,5931 @@
 </p:presentation>
 </file>
 
+<file path=ppt/diagrams/colors1.xml><?xml version="1.0" encoding="utf-8"?>
+<dgm:colorsDef xmlns:dgm="http://schemas.openxmlformats.org/drawingml/2006/diagram" xmlns:a="http://schemas.openxmlformats.org/drawingml/2006/main" uniqueId="urn:microsoft.com/office/officeart/2005/8/colors/accent5_1">
+  <dgm:title val=""/>
+  <dgm:desc val=""/>
+  <dgm:catLst>
+    <dgm:cat type="accent5" pri="11100"/>
+  </dgm:catLst>
+  <dgm:styleLbl name="node0">
+    <dgm:fillClrLst meth="repeat">
+      <a:schemeClr val="lt1"/>
+    </dgm:fillClrLst>
+    <dgm:linClrLst meth="repeat">
+      <a:schemeClr val="accent5">
+        <a:shade val="80000"/>
+      </a:schemeClr>
+    </dgm:linClrLst>
+    <dgm:effectClrLst/>
+    <dgm:txLinClrLst/>
+    <dgm:txFillClrLst meth="repeat">
+      <a:schemeClr val="dk1"/>
+    </dgm:txFillClrLst>
+    <dgm:txEffectClrLst/>
+  </dgm:styleLbl>
+  <dgm:styleLbl name="node1">
+    <dgm:fillClrLst meth="repeat">
+      <a:schemeClr val="lt1"/>
+    </dgm:fillClrLst>
+    <dgm:linClrLst meth="repeat">
+      <a:schemeClr val="accent5">
+        <a:shade val="80000"/>
+      </a:schemeClr>
+    </dgm:linClrLst>
+    <dgm:effectClrLst/>
+    <dgm:txLinClrLst/>
+    <dgm:txFillClrLst meth="repeat">
+      <a:schemeClr val="dk1"/>
+    </dgm:txFillClrLst>
+    <dgm:txEffectClrLst/>
+  </dgm:styleLbl>
+  <dgm:styleLbl name="alignNode1">
+    <dgm:fillClrLst meth="repeat">
+      <a:schemeClr val="lt1"/>
+    </dgm:fillClrLst>
+    <dgm:linClrLst meth="repeat">
+      <a:schemeClr val="accent5">
+        <a:shade val="80000"/>
+      </a:schemeClr>
+    </dgm:linClrLst>
+    <dgm:effectClrLst/>
+    <dgm:txLinClrLst/>
+    <dgm:txFillClrLst meth="repeat">
+      <a:schemeClr val="dk1"/>
+    </dgm:txFillClrLst>
+    <dgm:txEffectClrLst/>
+  </dgm:styleLbl>
+  <dgm:styleLbl name="lnNode1">
+    <dgm:fillClrLst meth="repeat">
+      <a:schemeClr val="lt1"/>
+    </dgm:fillClrLst>
+    <dgm:linClrLst meth="repeat">
+      <a:schemeClr val="accent5">
+        <a:shade val="80000"/>
+      </a:schemeClr>
+    </dgm:linClrLst>
+    <dgm:effectClrLst/>
+    <dgm:txLinClrLst/>
+    <dgm:txFillClrLst meth="repeat">
+      <a:schemeClr val="dk1"/>
+    </dgm:txFillClrLst>
+    <dgm:txEffectClrLst/>
+  </dgm:styleLbl>
+  <dgm:styleLbl name="vennNode1">
+    <dgm:fillClrLst meth="repeat">
+      <a:schemeClr val="lt1">
+        <a:alpha val="50000"/>
+      </a:schemeClr>
+    </dgm:fillClrLst>
+    <dgm:linClrLst meth="repeat">
+      <a:schemeClr val="accent5">
+        <a:shade val="80000"/>
+      </a:schemeClr>
+    </dgm:linClrLst>
+    <dgm:effectClrLst/>
+    <dgm:txLinClrLst/>
+    <dgm:txFillClrLst/>
+    <dgm:txEffectClrLst/>
+  </dgm:styleLbl>
+  <dgm:styleLbl name="node2">
+    <dgm:fillClrLst meth="repeat">
+      <a:schemeClr val="lt1"/>
+    </dgm:fillClrLst>
+    <dgm:linClrLst meth="repeat">
+      <a:schemeClr val="accent5">
+        <a:shade val="80000"/>
+      </a:schemeClr>
+    </dgm:linClrLst>
+    <dgm:effectClrLst/>
+    <dgm:txLinClrLst/>
+    <dgm:txFillClrLst meth="repeat">
+      <a:schemeClr val="dk1"/>
+    </dgm:txFillClrLst>
+    <dgm:txEffectClrLst/>
+  </dgm:styleLbl>
+  <dgm:styleLbl name="node3">
+    <dgm:fillClrLst meth="repeat">
+      <a:schemeClr val="lt1"/>
+    </dgm:fillClrLst>
+    <dgm:linClrLst meth="repeat">
+      <a:schemeClr val="accent5">
+        <a:shade val="80000"/>
+      </a:schemeClr>
+    </dgm:linClrLst>
+    <dgm:effectClrLst/>
+    <dgm:txLinClrLst/>
+    <dgm:txFillClrLst meth="repeat">
+      <a:schemeClr val="dk1"/>
+    </dgm:txFillClrLst>
+    <dgm:txEffectClrLst/>
+  </dgm:styleLbl>
+  <dgm:styleLbl name="node4">
+    <dgm:fillClrLst meth="repeat">
+      <a:schemeClr val="lt1"/>
+    </dgm:fillClrLst>
+    <dgm:linClrLst meth="repeat">
+      <a:schemeClr val="accent5">
+        <a:shade val="80000"/>
+      </a:schemeClr>
+    </dgm:linClrLst>
+    <dgm:effectClrLst/>
+    <dgm:txLinClrLst/>
+    <dgm:txFillClrLst meth="repeat">
+      <a:schemeClr val="dk1"/>
+    </dgm:txFillClrLst>
+    <dgm:txEffectClrLst/>
+  </dgm:styleLbl>
+  <dgm:styleLbl name="fgImgPlace1">
+    <dgm:fillClrLst meth="repeat">
+      <a:schemeClr val="accent5">
+        <a:tint val="40000"/>
+      </a:schemeClr>
+    </dgm:fillClrLst>
+    <dgm:linClrLst meth="repeat">
+      <a:schemeClr val="accent5">
+        <a:shade val="80000"/>
+      </a:schemeClr>
+    </dgm:linClrLst>
+    <dgm:effectClrLst/>
+    <dgm:txLinClrLst/>
+    <dgm:txFillClrLst meth="repeat">
+      <a:schemeClr val="lt1"/>
+    </dgm:txFillClrLst>
+    <dgm:txEffectClrLst/>
+  </dgm:styleLbl>
+  <dgm:styleLbl name="alignImgPlace1">
+    <dgm:fillClrLst meth="repeat">
+      <a:schemeClr val="accent5">
+        <a:tint val="40000"/>
+      </a:schemeClr>
+    </dgm:fillClrLst>
+    <dgm:linClrLst meth="repeat">
+      <a:schemeClr val="accent5">
+        <a:shade val="80000"/>
+      </a:schemeClr>
+    </dgm:linClrLst>
+    <dgm:effectClrLst/>
+    <dgm:txLinClrLst/>
+    <dgm:txFillClrLst meth="repeat">
+      <a:schemeClr val="lt1"/>
+    </dgm:txFillClrLst>
+    <dgm:txEffectClrLst/>
+  </dgm:styleLbl>
+  <dgm:styleLbl name="bgImgPlace1">
+    <dgm:fillClrLst meth="repeat">
+      <a:schemeClr val="accent5">
+        <a:tint val="40000"/>
+      </a:schemeClr>
+    </dgm:fillClrLst>
+    <dgm:linClrLst meth="repeat">
+      <a:schemeClr val="accent5">
+        <a:shade val="80000"/>
+      </a:schemeClr>
+    </dgm:linClrLst>
+    <dgm:effectClrLst/>
+    <dgm:txLinClrLst/>
+    <dgm:txFillClrLst meth="repeat">
+      <a:schemeClr val="lt1"/>
+    </dgm:txFillClrLst>
+    <dgm:txEffectClrLst/>
+  </dgm:styleLbl>
+  <dgm:styleLbl name="sibTrans2D1">
+    <dgm:fillClrLst meth="repeat">
+      <a:schemeClr val="accent5">
+        <a:tint val="60000"/>
+      </a:schemeClr>
+    </dgm:fillClrLst>
+    <dgm:linClrLst meth="repeat">
+      <a:schemeClr val="accent5">
+        <a:tint val="60000"/>
+      </a:schemeClr>
+    </dgm:linClrLst>
+    <dgm:effectClrLst/>
+    <dgm:txLinClrLst/>
+    <dgm:txFillClrLst meth="repeat">
+      <a:schemeClr val="dk1"/>
+    </dgm:txFillClrLst>
+    <dgm:txEffectClrLst/>
+  </dgm:styleLbl>
+  <dgm:styleLbl name="fgSibTrans2D1">
+    <dgm:fillClrLst meth="repeat">
+      <a:schemeClr val="accent5">
+        <a:tint val="60000"/>
+      </a:schemeClr>
+    </dgm:fillClrLst>
+    <dgm:linClrLst meth="repeat">
+      <a:schemeClr val="accent5">
+        <a:tint val="60000"/>
+      </a:schemeClr>
+    </dgm:linClrLst>
+    <dgm:effectClrLst/>
+    <dgm:txLinClrLst/>
+    <dgm:txFillClrLst meth="repeat">
+      <a:schemeClr val="dk1"/>
+    </dgm:txFillClrLst>
+    <dgm:txEffectClrLst/>
+  </dgm:styleLbl>
+  <dgm:styleLbl name="bgSibTrans2D1">
+    <dgm:fillClrLst meth="repeat">
+      <a:schemeClr val="accent5">
+        <a:tint val="60000"/>
+      </a:schemeClr>
+    </dgm:fillClrLst>
+    <dgm:linClrLst meth="repeat">
+      <a:schemeClr val="accent5">
+        <a:tint val="60000"/>
+      </a:schemeClr>
+    </dgm:linClrLst>
+    <dgm:effectClrLst/>
+    <dgm:txLinClrLst/>
+    <dgm:txFillClrLst meth="repeat">
+      <a:schemeClr val="dk1"/>
+    </dgm:txFillClrLst>
+    <dgm:txEffectClrLst/>
+  </dgm:styleLbl>
+  <dgm:styleLbl name="sibTrans1D1">
+    <dgm:fillClrLst meth="repeat">
+      <a:schemeClr val="accent5"/>
+    </dgm:fillClrLst>
+    <dgm:linClrLst meth="repeat">
+      <a:schemeClr val="accent5"/>
+    </dgm:linClrLst>
+    <dgm:effectClrLst/>
+    <dgm:txLinClrLst/>
+    <dgm:txFillClrLst meth="repeat">
+      <a:schemeClr val="tx1"/>
+    </dgm:txFillClrLst>
+    <dgm:txEffectClrLst/>
+  </dgm:styleLbl>
+  <dgm:styleLbl name="callout">
+    <dgm:fillClrLst meth="repeat">
+      <a:schemeClr val="accent5"/>
+    </dgm:fillClrLst>
+    <dgm:linClrLst meth="repeat">
+      <a:schemeClr val="accent5"/>
+    </dgm:linClrLst>
+    <dgm:effectClrLst/>
+    <dgm:txLinClrLst/>
+    <dgm:txFillClrLst meth="repeat">
+      <a:schemeClr val="tx1"/>
+    </dgm:txFillClrLst>
+    <dgm:txEffectClrLst/>
+  </dgm:styleLbl>
+  <dgm:styleLbl name="asst0">
+    <dgm:fillClrLst meth="repeat">
+      <a:schemeClr val="lt1"/>
+    </dgm:fillClrLst>
+    <dgm:linClrLst meth="repeat">
+      <a:schemeClr val="accent5">
+        <a:shade val="80000"/>
+      </a:schemeClr>
+    </dgm:linClrLst>
+    <dgm:effectClrLst/>
+    <dgm:txLinClrLst/>
+    <dgm:txFillClrLst meth="repeat">
+      <a:schemeClr val="dk1"/>
+    </dgm:txFillClrLst>
+    <dgm:txEffectClrLst/>
+  </dgm:styleLbl>
+  <dgm:styleLbl name="asst1">
+    <dgm:fillClrLst meth="repeat">
+      <a:schemeClr val="lt1"/>
+    </dgm:fillClrLst>
+    <dgm:linClrLst meth="repeat">
+      <a:schemeClr val="accent5">
+        <a:shade val="80000"/>
+      </a:schemeClr>
+    </dgm:linClrLst>
+    <dgm:effectClrLst/>
+    <dgm:txLinClrLst/>
+    <dgm:txFillClrLst meth="repeat">
+      <a:schemeClr val="dk1"/>
+    </dgm:txFillClrLst>
+    <dgm:txEffectClrLst/>
+  </dgm:styleLbl>
+  <dgm:styleLbl name="asst2">
+    <dgm:fillClrLst meth="repeat">
+      <a:schemeClr val="lt1"/>
+    </dgm:fillClrLst>
+    <dgm:linClrLst meth="repeat">
+      <a:schemeClr val="accent5">
+        <a:shade val="80000"/>
+      </a:schemeClr>
+    </dgm:linClrLst>
+    <dgm:effectClrLst/>
+    <dgm:txLinClrLst/>
+    <dgm:txFillClrLst meth="repeat">
+      <a:schemeClr val="dk1"/>
+    </dgm:txFillClrLst>
+    <dgm:txEffectClrLst/>
+  </dgm:styleLbl>
+  <dgm:styleLbl name="asst3">
+    <dgm:fillClrLst meth="repeat">
+      <a:schemeClr val="lt1"/>
+    </dgm:fillClrLst>
+    <dgm:linClrLst meth="repeat">
+      <a:schemeClr val="accent5">
+        <a:shade val="80000"/>
+      </a:schemeClr>
+    </dgm:linClrLst>
+    <dgm:effectClrLst/>
+    <dgm:txLinClrLst/>
+    <dgm:txFillClrLst meth="repeat">
+      <a:schemeClr val="dk1"/>
+    </dgm:txFillClrLst>
+    <dgm:txEffectClrLst/>
+  </dgm:styleLbl>
+  <dgm:styleLbl name="asst4">
+    <dgm:fillClrLst meth="repeat">
+      <a:schemeClr val="lt1"/>
+    </dgm:fillClrLst>
+    <dgm:linClrLst meth="repeat">
+      <a:schemeClr val="accent5">
+        <a:shade val="80000"/>
+      </a:schemeClr>
+    </dgm:linClrLst>
+    <dgm:effectClrLst/>
+    <dgm:txLinClrLst/>
+    <dgm:txFillClrLst meth="repeat">
+      <a:schemeClr val="dk1"/>
+    </dgm:txFillClrLst>
+    <dgm:txEffectClrLst/>
+  </dgm:styleLbl>
+  <dgm:styleLbl name="parChTrans2D1">
+    <dgm:fillClrLst meth="repeat">
+      <a:schemeClr val="accent5">
+        <a:tint val="60000"/>
+      </a:schemeClr>
+    </dgm:fillClrLst>
+    <dgm:linClrLst meth="repeat">
+      <a:schemeClr val="accent5">
+        <a:tint val="60000"/>
+      </a:schemeClr>
+    </dgm:linClrLst>
+    <dgm:effectClrLst/>
+    <dgm:txLinClrLst/>
+    <dgm:txFillClrLst/>
+    <dgm:txEffectClrLst/>
+  </dgm:styleLbl>
+  <dgm:styleLbl name="parChTrans2D2">
+    <dgm:fillClrLst meth="repeat">
+      <a:schemeClr val="accent5"/>
+    </dgm:fillClrLst>
+    <dgm:linClrLst meth="repeat">
+      <a:schemeClr val="accent5"/>
+    </dgm:linClrLst>
+    <dgm:effectClrLst/>
+    <dgm:txLinClrLst/>
+    <dgm:txFillClrLst/>
+    <dgm:txEffectClrLst/>
+  </dgm:styleLbl>
+  <dgm:styleLbl name="parChTrans2D3">
+    <dgm:fillClrLst meth="repeat">
+      <a:schemeClr val="accent5"/>
+    </dgm:fillClrLst>
+    <dgm:linClrLst meth="repeat">
+      <a:schemeClr val="accent5"/>
+    </dgm:linClrLst>
+    <dgm:effectClrLst/>
+    <dgm:txLinClrLst/>
+    <dgm:txFillClrLst/>
+    <dgm:txEffectClrLst/>
+  </dgm:styleLbl>
+  <dgm:styleLbl name="parChTrans2D4">
+    <dgm:fillClrLst meth="repeat">
+      <a:schemeClr val="accent5"/>
+    </dgm:fillClrLst>
+    <dgm:linClrLst meth="repeat">
+      <a:schemeClr val="accent5"/>
+    </dgm:linClrLst>
+    <dgm:effectClrLst/>
+    <dgm:txLinClrLst/>
+    <dgm:txFillClrLst meth="repeat">
+      <a:schemeClr val="lt1"/>
+    </dgm:txFillClrLst>
+    <dgm:txEffectClrLst/>
+  </dgm:styleLbl>
+  <dgm:styleLbl name="parChTrans1D1">
+    <dgm:fillClrLst meth="repeat">
+      <a:schemeClr val="accent5"/>
+    </dgm:fillClrLst>
+    <dgm:linClrLst meth="repeat">
+      <a:schemeClr val="accent5">
+        <a:shade val="60000"/>
+      </a:schemeClr>
+    </dgm:linClrLst>
+    <dgm:effectClrLst/>
+    <dgm:txLinClrLst/>
+    <dgm:txFillClrLst meth="repeat">
+      <a:schemeClr val="tx1"/>
+    </dgm:txFillClrLst>
+    <dgm:txEffectClrLst/>
+  </dgm:styleLbl>
+  <dgm:styleLbl name="parChTrans1D2">
+    <dgm:fillClrLst meth="repeat">
+      <a:schemeClr val="accent5"/>
+    </dgm:fillClrLst>
+    <dgm:linClrLst meth="repeat">
+      <a:schemeClr val="accent5">
+        <a:shade val="60000"/>
+      </a:schemeClr>
+    </dgm:linClrLst>
+    <dgm:effectClrLst/>
+    <dgm:txLinClrLst/>
+    <dgm:txFillClrLst meth="repeat">
+      <a:schemeClr val="tx1"/>
+    </dgm:txFillClrLst>
+    <dgm:txEffectClrLst/>
+  </dgm:styleLbl>
+  <dgm:styleLbl name="parChTrans1D3">
+    <dgm:fillClrLst meth="repeat">
+      <a:schemeClr val="accent5"/>
+    </dgm:fillClrLst>
+    <dgm:linClrLst meth="repeat">
+      <a:schemeClr val="accent5">
+        <a:shade val="80000"/>
+      </a:schemeClr>
+    </dgm:linClrLst>
+    <dgm:effectClrLst/>
+    <dgm:txLinClrLst/>
+    <dgm:txFillClrLst meth="repeat">
+      <a:schemeClr val="tx1"/>
+    </dgm:txFillClrLst>
+    <dgm:txEffectClrLst/>
+  </dgm:styleLbl>
+  <dgm:styleLbl name="parChTrans1D4">
+    <dgm:fillClrLst meth="repeat">
+      <a:schemeClr val="accent5"/>
+    </dgm:fillClrLst>
+    <dgm:linClrLst meth="repeat">
+      <a:schemeClr val="accent5">
+        <a:shade val="80000"/>
+      </a:schemeClr>
+    </dgm:linClrLst>
+    <dgm:effectClrLst/>
+    <dgm:txLinClrLst/>
+    <dgm:txFillClrLst meth="repeat">
+      <a:schemeClr val="tx1"/>
+    </dgm:txFillClrLst>
+    <dgm:txEffectClrLst/>
+  </dgm:styleLbl>
+  <dgm:styleLbl name="fgAcc1">
+    <dgm:fillClrLst meth="repeat">
+      <a:schemeClr val="accent5">
+        <a:alpha val="90000"/>
+        <a:tint val="40000"/>
+      </a:schemeClr>
+    </dgm:fillClrLst>
+    <dgm:linClrLst meth="repeat">
+      <a:schemeClr val="accent5"/>
+    </dgm:linClrLst>
+    <dgm:effectClrLst/>
+    <dgm:txLinClrLst/>
+    <dgm:txFillClrLst meth="repeat">
+      <a:schemeClr val="dk1"/>
+    </dgm:txFillClrLst>
+    <dgm:txEffectClrLst/>
+  </dgm:styleLbl>
+  <dgm:styleLbl name="conFgAcc1">
+    <dgm:fillClrLst meth="repeat">
+      <a:schemeClr val="accent5">
+        <a:alpha val="90000"/>
+        <a:tint val="40000"/>
+      </a:schemeClr>
+    </dgm:fillClrLst>
+    <dgm:linClrLst meth="repeat">
+      <a:schemeClr val="accent5"/>
+    </dgm:linClrLst>
+    <dgm:effectClrLst/>
+    <dgm:txLinClrLst/>
+    <dgm:txFillClrLst meth="repeat">
+      <a:schemeClr val="dk1"/>
+    </dgm:txFillClrLst>
+    <dgm:txEffectClrLst/>
+  </dgm:styleLbl>
+  <dgm:styleLbl name="alignAcc1">
+    <dgm:fillClrLst meth="repeat">
+      <a:schemeClr val="accent5">
+        <a:alpha val="90000"/>
+        <a:tint val="40000"/>
+      </a:schemeClr>
+    </dgm:fillClrLst>
+    <dgm:linClrLst meth="repeat">
+      <a:schemeClr val="accent5"/>
+    </dgm:linClrLst>
+    <dgm:effectClrLst/>
+    <dgm:txLinClrLst/>
+    <dgm:txFillClrLst meth="repeat">
+      <a:schemeClr val="dk1"/>
+    </dgm:txFillClrLst>
+    <dgm:txEffectClrLst/>
+  </dgm:styleLbl>
+  <dgm:styleLbl name="trAlignAcc1">
+    <dgm:fillClrLst meth="repeat">
+      <a:schemeClr val="accent5">
+        <a:alpha val="40000"/>
+        <a:tint val="40000"/>
+      </a:schemeClr>
+    </dgm:fillClrLst>
+    <dgm:linClrLst meth="repeat">
+      <a:schemeClr val="accent5"/>
+    </dgm:linClrLst>
+    <dgm:effectClrLst/>
+    <dgm:txLinClrLst/>
+    <dgm:txFillClrLst meth="repeat">
+      <a:schemeClr val="dk1"/>
+    </dgm:txFillClrLst>
+    <dgm:txEffectClrLst/>
+  </dgm:styleLbl>
+  <dgm:styleLbl name="bgAcc1">
+    <dgm:fillClrLst meth="repeat">
+      <a:schemeClr val="accent5">
+        <a:alpha val="90000"/>
+        <a:tint val="40000"/>
+      </a:schemeClr>
+    </dgm:fillClrLst>
+    <dgm:linClrLst meth="repeat">
+      <a:schemeClr val="accent5"/>
+    </dgm:linClrLst>
+    <dgm:effectClrLst/>
+    <dgm:txLinClrLst/>
+    <dgm:txFillClrLst meth="repeat">
+      <a:schemeClr val="dk1"/>
+    </dgm:txFillClrLst>
+    <dgm:txEffectClrLst/>
+  </dgm:styleLbl>
+  <dgm:styleLbl name="solidFgAcc1">
+    <dgm:fillClrLst meth="repeat">
+      <a:schemeClr val="lt1"/>
+    </dgm:fillClrLst>
+    <dgm:linClrLst meth="repeat">
+      <a:schemeClr val="accent5"/>
+    </dgm:linClrLst>
+    <dgm:effectClrLst/>
+    <dgm:txLinClrLst/>
+    <dgm:txFillClrLst meth="repeat">
+      <a:schemeClr val="dk1"/>
+    </dgm:txFillClrLst>
+    <dgm:txEffectClrLst/>
+  </dgm:styleLbl>
+  <dgm:styleLbl name="solidAlignAcc1">
+    <dgm:fillClrLst meth="repeat">
+      <a:schemeClr val="lt1"/>
+    </dgm:fillClrLst>
+    <dgm:linClrLst meth="repeat">
+      <a:schemeClr val="accent5"/>
+    </dgm:linClrLst>
+    <dgm:effectClrLst/>
+    <dgm:txLinClrLst/>
+    <dgm:txFillClrLst meth="repeat">
+      <a:schemeClr val="dk1"/>
+    </dgm:txFillClrLst>
+    <dgm:txEffectClrLst/>
+  </dgm:styleLbl>
+  <dgm:styleLbl name="solidBgAcc1">
+    <dgm:fillClrLst meth="repeat">
+      <a:schemeClr val="lt1"/>
+    </dgm:fillClrLst>
+    <dgm:linClrLst meth="repeat">
+      <a:schemeClr val="accent5"/>
+    </dgm:linClrLst>
+    <dgm:effectClrLst/>
+    <dgm:txLinClrLst/>
+    <dgm:txFillClrLst meth="repeat">
+      <a:schemeClr val="dk1"/>
+    </dgm:txFillClrLst>
+    <dgm:txEffectClrLst/>
+  </dgm:styleLbl>
+  <dgm:styleLbl name="fgAccFollowNode1">
+    <dgm:fillClrLst meth="repeat">
+      <a:schemeClr val="lt1">
+        <a:alpha val="90000"/>
+        <a:tint val="40000"/>
+      </a:schemeClr>
+    </dgm:fillClrLst>
+    <dgm:linClrLst meth="repeat">
+      <a:schemeClr val="accent5">
+        <a:alpha val="90000"/>
+      </a:schemeClr>
+    </dgm:linClrLst>
+    <dgm:effectClrLst/>
+    <dgm:txLinClrLst/>
+    <dgm:txFillClrLst meth="repeat">
+      <a:schemeClr val="dk1"/>
+    </dgm:txFillClrLst>
+    <dgm:txEffectClrLst/>
+  </dgm:styleLbl>
+  <dgm:styleLbl name="alignAccFollowNode1">
+    <dgm:fillClrLst meth="repeat">
+      <a:schemeClr val="lt1">
+        <a:alpha val="90000"/>
+        <a:tint val="40000"/>
+      </a:schemeClr>
+    </dgm:fillClrLst>
+    <dgm:linClrLst meth="repeat">
+      <a:schemeClr val="accent5">
+        <a:alpha val="90000"/>
+      </a:schemeClr>
+    </dgm:linClrLst>
+    <dgm:effectClrLst/>
+    <dgm:txLinClrLst/>
+    <dgm:txFillClrLst meth="repeat">
+      <a:schemeClr val="dk1"/>
+    </dgm:txFillClrLst>
+    <dgm:txEffectClrLst/>
+  </dgm:styleLbl>
+  <dgm:styleLbl name="bgAccFollowNode1">
+    <dgm:fillClrLst meth="repeat">
+      <a:schemeClr val="lt1">
+        <a:alpha val="90000"/>
+        <a:tint val="40000"/>
+      </a:schemeClr>
+    </dgm:fillClrLst>
+    <dgm:linClrLst meth="repeat">
+      <a:schemeClr val="accent5">
+        <a:alpha val="90000"/>
+      </a:schemeClr>
+    </dgm:linClrLst>
+    <dgm:effectClrLst/>
+    <dgm:txLinClrLst/>
+    <dgm:txFillClrLst meth="repeat">
+      <a:schemeClr val="dk1"/>
+    </dgm:txFillClrLst>
+    <dgm:txEffectClrLst/>
+  </dgm:styleLbl>
+  <dgm:styleLbl name="fgAcc0">
+    <dgm:fillClrLst meth="repeat">
+      <a:schemeClr val="accent5">
+        <a:alpha val="90000"/>
+        <a:tint val="40000"/>
+      </a:schemeClr>
+    </dgm:fillClrLst>
+    <dgm:linClrLst meth="repeat">
+      <a:schemeClr val="accent5"/>
+    </dgm:linClrLst>
+    <dgm:effectClrLst/>
+    <dgm:txLinClrLst/>
+    <dgm:txFillClrLst meth="repeat">
+      <a:schemeClr val="dk1"/>
+    </dgm:txFillClrLst>
+    <dgm:txEffectClrLst/>
+  </dgm:styleLbl>
+  <dgm:styleLbl name="fgAcc2">
+    <dgm:fillClrLst meth="repeat">
+      <a:schemeClr val="accent5">
+        <a:alpha val="90000"/>
+        <a:tint val="40000"/>
+      </a:schemeClr>
+    </dgm:fillClrLst>
+    <dgm:linClrLst meth="repeat">
+      <a:schemeClr val="accent5"/>
+    </dgm:linClrLst>
+    <dgm:effectClrLst/>
+    <dgm:txLinClrLst/>
+    <dgm:txFillClrLst meth="repeat">
+      <a:schemeClr val="dk1"/>
+    </dgm:txFillClrLst>
+    <dgm:txEffectClrLst/>
+  </dgm:styleLbl>
+  <dgm:styleLbl name="fgAcc3">
+    <dgm:fillClrLst meth="repeat">
+      <a:schemeClr val="accent5">
+        <a:alpha val="90000"/>
+        <a:tint val="40000"/>
+      </a:schemeClr>
+    </dgm:fillClrLst>
+    <dgm:linClrLst meth="repeat">
+      <a:schemeClr val="accent5"/>
+    </dgm:linClrLst>
+    <dgm:effectClrLst/>
+    <dgm:txLinClrLst/>
+    <dgm:txFillClrLst meth="repeat">
+      <a:schemeClr val="dk1"/>
+    </dgm:txFillClrLst>
+    <dgm:txEffectClrLst/>
+  </dgm:styleLbl>
+  <dgm:styleLbl name="fgAcc4">
+    <dgm:fillClrLst meth="repeat">
+      <a:schemeClr val="accent5">
+        <a:alpha val="90000"/>
+        <a:tint val="40000"/>
+      </a:schemeClr>
+    </dgm:fillClrLst>
+    <dgm:linClrLst meth="repeat">
+      <a:schemeClr val="accent5"/>
+    </dgm:linClrLst>
+    <dgm:effectClrLst/>
+    <dgm:txLinClrLst/>
+    <dgm:txFillClrLst meth="repeat">
+      <a:schemeClr val="dk1"/>
+    </dgm:txFillClrLst>
+    <dgm:txEffectClrLst/>
+  </dgm:styleLbl>
+  <dgm:styleLbl name="bgShp">
+    <dgm:fillClrLst meth="repeat">
+      <a:schemeClr val="accent5">
+        <a:tint val="40000"/>
+      </a:schemeClr>
+    </dgm:fillClrLst>
+    <dgm:linClrLst meth="repeat">
+      <a:schemeClr val="accent5"/>
+    </dgm:linClrLst>
+    <dgm:effectClrLst/>
+    <dgm:txLinClrLst/>
+    <dgm:txFillClrLst meth="repeat">
+      <a:schemeClr val="dk1"/>
+    </dgm:txFillClrLst>
+    <dgm:txEffectClrLst/>
+  </dgm:styleLbl>
+  <dgm:styleLbl name="dkBgShp">
+    <dgm:fillClrLst meth="repeat">
+      <a:schemeClr val="accent5">
+        <a:shade val="80000"/>
+      </a:schemeClr>
+    </dgm:fillClrLst>
+    <dgm:linClrLst meth="repeat">
+      <a:schemeClr val="accent5"/>
+    </dgm:linClrLst>
+    <dgm:effectClrLst/>
+    <dgm:txLinClrLst/>
+    <dgm:txFillClrLst meth="repeat">
+      <a:schemeClr val="lt1"/>
+    </dgm:txFillClrLst>
+    <dgm:txEffectClrLst/>
+  </dgm:styleLbl>
+  <dgm:styleLbl name="trBgShp">
+    <dgm:fillClrLst meth="repeat">
+      <a:schemeClr val="accent5">
+        <a:tint val="50000"/>
+        <a:alpha val="40000"/>
+      </a:schemeClr>
+    </dgm:fillClrLst>
+    <dgm:linClrLst meth="repeat">
+      <a:schemeClr val="accent5"/>
+    </dgm:linClrLst>
+    <dgm:effectClrLst/>
+    <dgm:txLinClrLst/>
+    <dgm:txFillClrLst meth="repeat">
+      <a:schemeClr val="lt1"/>
+    </dgm:txFillClrLst>
+    <dgm:txEffectClrLst/>
+  </dgm:styleLbl>
+  <dgm:styleLbl name="fgShp">
+    <dgm:fillClrLst meth="repeat">
+      <a:schemeClr val="accent5">
+        <a:tint val="60000"/>
+      </a:schemeClr>
+    </dgm:fillClrLst>
+    <dgm:linClrLst meth="repeat">
+      <a:schemeClr val="lt1"/>
+    </dgm:linClrLst>
+    <dgm:effectClrLst/>
+    <dgm:txLinClrLst/>
+    <dgm:txFillClrLst meth="repeat">
+      <a:schemeClr val="dk1"/>
+    </dgm:txFillClrLst>
+    <dgm:txEffectClrLst/>
+  </dgm:styleLbl>
+  <dgm:styleLbl name="revTx">
+    <dgm:fillClrLst meth="repeat">
+      <a:schemeClr val="lt1">
+        <a:alpha val="0"/>
+      </a:schemeClr>
+    </dgm:fillClrLst>
+    <dgm:linClrLst meth="repeat">
+      <a:schemeClr val="dk1">
+        <a:alpha val="0"/>
+      </a:schemeClr>
+    </dgm:linClrLst>
+    <dgm:effectClrLst/>
+    <dgm:txLinClrLst/>
+    <dgm:txFillClrLst meth="repeat">
+      <a:schemeClr val="tx1"/>
+    </dgm:txFillClrLst>
+    <dgm:txEffectClrLst/>
+  </dgm:styleLbl>
+</dgm:colorsDef>
+</file>
+
+<file path=ppt/diagrams/colors2.xml><?xml version="1.0" encoding="utf-8"?>
+<dgm:colorsDef xmlns:dgm="http://schemas.openxmlformats.org/drawingml/2006/diagram" xmlns:a="http://schemas.openxmlformats.org/drawingml/2006/main" uniqueId="urn:microsoft.com/office/officeart/2005/8/colors/accent5_2">
+  <dgm:title val=""/>
+  <dgm:desc val=""/>
+  <dgm:catLst>
+    <dgm:cat type="accent5" pri="11200"/>
+  </dgm:catLst>
+  <dgm:styleLbl name="node0">
+    <dgm:fillClrLst meth="repeat">
+      <a:schemeClr val="accent5"/>
+    </dgm:fillClrLst>
+    <dgm:linClrLst meth="repeat">
+      <a:schemeClr val="lt1"/>
+    </dgm:linClrLst>
+    <dgm:effectClrLst/>
+    <dgm:txLinClrLst/>
+    <dgm:txFillClrLst/>
+    <dgm:txEffectClrLst/>
+  </dgm:styleLbl>
+  <dgm:styleLbl name="node1">
+    <dgm:fillClrLst meth="repeat">
+      <a:schemeClr val="accent5"/>
+    </dgm:fillClrLst>
+    <dgm:linClrLst meth="repeat">
+      <a:schemeClr val="lt1"/>
+    </dgm:linClrLst>
+    <dgm:effectClrLst/>
+    <dgm:txLinClrLst/>
+    <dgm:txFillClrLst/>
+    <dgm:txEffectClrLst/>
+  </dgm:styleLbl>
+  <dgm:styleLbl name="alignNode1">
+    <dgm:fillClrLst meth="repeat">
+      <a:schemeClr val="accent5"/>
+    </dgm:fillClrLst>
+    <dgm:linClrLst meth="repeat">
+      <a:schemeClr val="accent5"/>
+    </dgm:linClrLst>
+    <dgm:effectClrLst/>
+    <dgm:txLinClrLst/>
+    <dgm:txFillClrLst/>
+    <dgm:txEffectClrLst/>
+  </dgm:styleLbl>
+  <dgm:styleLbl name="lnNode1">
+    <dgm:fillClrLst meth="repeat">
+      <a:schemeClr val="accent5"/>
+    </dgm:fillClrLst>
+    <dgm:linClrLst meth="repeat">
+      <a:schemeClr val="lt1"/>
+    </dgm:linClrLst>
+    <dgm:effectClrLst/>
+    <dgm:txLinClrLst/>
+    <dgm:txFillClrLst/>
+    <dgm:txEffectClrLst/>
+  </dgm:styleLbl>
+  <dgm:styleLbl name="vennNode1">
+    <dgm:fillClrLst meth="repeat">
+      <a:schemeClr val="accent5">
+        <a:alpha val="50000"/>
+      </a:schemeClr>
+    </dgm:fillClrLst>
+    <dgm:linClrLst meth="repeat">
+      <a:schemeClr val="lt1"/>
+    </dgm:linClrLst>
+    <dgm:effectClrLst/>
+    <dgm:txLinClrLst/>
+    <dgm:txFillClrLst/>
+    <dgm:txEffectClrLst/>
+  </dgm:styleLbl>
+  <dgm:styleLbl name="node2">
+    <dgm:fillClrLst meth="repeat">
+      <a:schemeClr val="accent5"/>
+    </dgm:fillClrLst>
+    <dgm:linClrLst meth="repeat">
+      <a:schemeClr val="lt1"/>
+    </dgm:linClrLst>
+    <dgm:effectClrLst/>
+    <dgm:txLinClrLst/>
+    <dgm:txFillClrLst/>
+    <dgm:txEffectClrLst/>
+  </dgm:styleLbl>
+  <dgm:styleLbl name="node3">
+    <dgm:fillClrLst meth="repeat">
+      <a:schemeClr val="accent5"/>
+    </dgm:fillClrLst>
+    <dgm:linClrLst meth="repeat">
+      <a:schemeClr val="lt1"/>
+    </dgm:linClrLst>
+    <dgm:effectClrLst/>
+    <dgm:txLinClrLst/>
+    <dgm:txFillClrLst/>
+    <dgm:txEffectClrLst/>
+  </dgm:styleLbl>
+  <dgm:styleLbl name="node4">
+    <dgm:fillClrLst meth="repeat">
+      <a:schemeClr val="accent5"/>
+    </dgm:fillClrLst>
+    <dgm:linClrLst meth="repeat">
+      <a:schemeClr val="lt1"/>
+    </dgm:linClrLst>
+    <dgm:effectClrLst/>
+    <dgm:txLinClrLst/>
+    <dgm:txFillClrLst/>
+    <dgm:txEffectClrLst/>
+  </dgm:styleLbl>
+  <dgm:styleLbl name="fgImgPlace1">
+    <dgm:fillClrLst meth="repeat">
+      <a:schemeClr val="accent5">
+        <a:tint val="50000"/>
+      </a:schemeClr>
+    </dgm:fillClrLst>
+    <dgm:linClrLst meth="repeat">
+      <a:schemeClr val="lt1"/>
+    </dgm:linClrLst>
+    <dgm:effectClrLst/>
+    <dgm:txLinClrLst/>
+    <dgm:txFillClrLst meth="repeat">
+      <a:schemeClr val="lt1"/>
+    </dgm:txFillClrLst>
+    <dgm:txEffectClrLst/>
+  </dgm:styleLbl>
+  <dgm:styleLbl name="alignImgPlace1">
+    <dgm:fillClrLst meth="repeat">
+      <a:schemeClr val="accent5">
+        <a:tint val="50000"/>
+      </a:schemeClr>
+    </dgm:fillClrLst>
+    <dgm:linClrLst meth="repeat">
+      <a:schemeClr val="lt1"/>
+    </dgm:linClrLst>
+    <dgm:effectClrLst/>
+    <dgm:txLinClrLst/>
+    <dgm:txFillClrLst meth="repeat">
+      <a:schemeClr val="lt1"/>
+    </dgm:txFillClrLst>
+    <dgm:txEffectClrLst/>
+  </dgm:styleLbl>
+  <dgm:styleLbl name="bgImgPlace1">
+    <dgm:fillClrLst meth="repeat">
+      <a:schemeClr val="accent5">
+        <a:tint val="50000"/>
+      </a:schemeClr>
+    </dgm:fillClrLst>
+    <dgm:linClrLst meth="repeat">
+      <a:schemeClr val="lt1"/>
+    </dgm:linClrLst>
+    <dgm:effectClrLst/>
+    <dgm:txLinClrLst/>
+    <dgm:txFillClrLst meth="repeat">
+      <a:schemeClr val="lt1"/>
+    </dgm:txFillClrLst>
+    <dgm:txEffectClrLst/>
+  </dgm:styleLbl>
+  <dgm:styleLbl name="sibTrans2D1">
+    <dgm:fillClrLst meth="repeat">
+      <a:schemeClr val="accent5">
+        <a:tint val="60000"/>
+      </a:schemeClr>
+    </dgm:fillClrLst>
+    <dgm:linClrLst meth="repeat">
+      <a:schemeClr val="accent5">
+        <a:tint val="60000"/>
+      </a:schemeClr>
+    </dgm:linClrLst>
+    <dgm:effectClrLst/>
+    <dgm:txLinClrLst/>
+    <dgm:txFillClrLst/>
+    <dgm:txEffectClrLst/>
+  </dgm:styleLbl>
+  <dgm:styleLbl name="fgSibTrans2D1">
+    <dgm:fillClrLst meth="repeat">
+      <a:schemeClr val="accent5">
+        <a:tint val="60000"/>
+      </a:schemeClr>
+    </dgm:fillClrLst>
+    <dgm:linClrLst meth="repeat">
+      <a:schemeClr val="accent5">
+        <a:tint val="60000"/>
+      </a:schemeClr>
+    </dgm:linClrLst>
+    <dgm:effectClrLst/>
+    <dgm:txLinClrLst/>
+    <dgm:txFillClrLst/>
+    <dgm:txEffectClrLst/>
+  </dgm:styleLbl>
+  <dgm:styleLbl name="bgSibTrans2D1">
+    <dgm:fillClrLst meth="repeat">
+      <a:schemeClr val="accent5">
+        <a:tint val="60000"/>
+      </a:schemeClr>
+    </dgm:fillClrLst>
+    <dgm:linClrLst meth="repeat">
+      <a:schemeClr val="accent5">
+        <a:tint val="60000"/>
+      </a:schemeClr>
+    </dgm:linClrLst>
+    <dgm:effectClrLst/>
+    <dgm:txLinClrLst/>
+    <dgm:txFillClrLst/>
+    <dgm:txEffectClrLst/>
+  </dgm:styleLbl>
+  <dgm:styleLbl name="sibTrans1D1">
+    <dgm:fillClrLst meth="repeat">
+      <a:schemeClr val="accent5"/>
+    </dgm:fillClrLst>
+    <dgm:linClrLst meth="repeat">
+      <a:schemeClr val="accent5"/>
+    </dgm:linClrLst>
+    <dgm:effectClrLst/>
+    <dgm:txLinClrLst/>
+    <dgm:txFillClrLst meth="repeat">
+      <a:schemeClr val="tx1"/>
+    </dgm:txFillClrLst>
+    <dgm:txEffectClrLst/>
+  </dgm:styleLbl>
+  <dgm:styleLbl name="callout">
+    <dgm:fillClrLst meth="repeat">
+      <a:schemeClr val="accent5"/>
+    </dgm:fillClrLst>
+    <dgm:linClrLst meth="repeat">
+      <a:schemeClr val="accent5">
+        <a:tint val="50000"/>
+      </a:schemeClr>
+    </dgm:linClrLst>
+    <dgm:effectClrLst/>
+    <dgm:txLinClrLst/>
+    <dgm:txFillClrLst meth="repeat">
+      <a:schemeClr val="tx1"/>
+    </dgm:txFillClrLst>
+    <dgm:txEffectClrLst/>
+  </dgm:styleLbl>
+  <dgm:styleLbl name="asst0">
+    <dgm:fillClrLst meth="repeat">
+      <a:schemeClr val="accent5"/>
+    </dgm:fillClrLst>
+    <dgm:linClrLst meth="repeat">
+      <a:schemeClr val="lt1"/>
+    </dgm:linClrLst>
+    <dgm:effectClrLst/>
+    <dgm:txLinClrLst/>
+    <dgm:txFillClrLst/>
+    <dgm:txEffectClrLst/>
+  </dgm:styleLbl>
+  <dgm:styleLbl name="asst1">
+    <dgm:fillClrLst meth="repeat">
+      <a:schemeClr val="accent5"/>
+    </dgm:fillClrLst>
+    <dgm:linClrLst meth="repeat">
+      <a:schemeClr val="lt1"/>
+    </dgm:linClrLst>
+    <dgm:effectClrLst/>
+    <dgm:txLinClrLst/>
+    <dgm:txFillClrLst/>
+    <dgm:txEffectClrLst/>
+  </dgm:styleLbl>
+  <dgm:styleLbl name="asst2">
+    <dgm:fillClrLst meth="repeat">
+      <a:schemeClr val="accent5"/>
+    </dgm:fillClrLst>
+    <dgm:linClrLst meth="repeat">
+      <a:schemeClr val="lt1"/>
+    </dgm:linClrLst>
+    <dgm:effectClrLst/>
+    <dgm:txLinClrLst/>
+    <dgm:txFillClrLst/>
+    <dgm:txEffectClrLst/>
+  </dgm:styleLbl>
+  <dgm:styleLbl name="asst3">
+    <dgm:fillClrLst meth="repeat">
+      <a:schemeClr val="accent5"/>
+    </dgm:fillClrLst>
+    <dgm:linClrLst meth="repeat">
+      <a:schemeClr val="lt1"/>
+    </dgm:linClrLst>
+    <dgm:effectClrLst/>
+    <dgm:txLinClrLst/>
+    <dgm:txFillClrLst/>
+    <dgm:txEffectClrLst/>
+  </dgm:styleLbl>
+  <dgm:styleLbl name="asst4">
+    <dgm:fillClrLst meth="repeat">
+      <a:schemeClr val="accent5"/>
+    </dgm:fillClrLst>
+    <dgm:linClrLst meth="repeat">
+      <a:schemeClr val="lt1"/>
+    </dgm:linClrLst>
+    <dgm:effectClrLst/>
+    <dgm:txLinClrLst/>
+    <dgm:txFillClrLst/>
+    <dgm:txEffectClrLst/>
+  </dgm:styleLbl>
+  <dgm:styleLbl name="parChTrans2D1">
+    <dgm:fillClrLst meth="repeat">
+      <a:schemeClr val="accent5">
+        <a:tint val="60000"/>
+      </a:schemeClr>
+    </dgm:fillClrLst>
+    <dgm:linClrLst meth="repeat">
+      <a:schemeClr val="accent5">
+        <a:tint val="60000"/>
+      </a:schemeClr>
+    </dgm:linClrLst>
+    <dgm:effectClrLst/>
+    <dgm:txLinClrLst/>
+    <dgm:txFillClrLst meth="repeat">
+      <a:schemeClr val="lt1"/>
+    </dgm:txFillClrLst>
+    <dgm:txEffectClrLst/>
+  </dgm:styleLbl>
+  <dgm:styleLbl name="parChTrans2D2">
+    <dgm:fillClrLst meth="repeat">
+      <a:schemeClr val="accent5"/>
+    </dgm:fillClrLst>
+    <dgm:linClrLst meth="repeat">
+      <a:schemeClr val="accent5"/>
+    </dgm:linClrLst>
+    <dgm:effectClrLst/>
+    <dgm:txLinClrLst/>
+    <dgm:txFillClrLst meth="repeat">
+      <a:schemeClr val="lt1"/>
+    </dgm:txFillClrLst>
+    <dgm:txEffectClrLst/>
+  </dgm:styleLbl>
+  <dgm:styleLbl name="parChTrans2D3">
+    <dgm:fillClrLst meth="repeat">
+      <a:schemeClr val="accent5"/>
+    </dgm:fillClrLst>
+    <dgm:linClrLst meth="repeat">
+      <a:schemeClr val="accent5"/>
+    </dgm:linClrLst>
+    <dgm:effectClrLst/>
+    <dgm:txLinClrLst/>
+    <dgm:txFillClrLst meth="repeat">
+      <a:schemeClr val="lt1"/>
+    </dgm:txFillClrLst>
+    <dgm:txEffectClrLst/>
+  </dgm:styleLbl>
+  <dgm:styleLbl name="parChTrans2D4">
+    <dgm:fillClrLst meth="repeat">
+      <a:schemeClr val="accent5"/>
+    </dgm:fillClrLst>
+    <dgm:linClrLst meth="repeat">
+      <a:schemeClr val="accent5"/>
+    </dgm:linClrLst>
+    <dgm:effectClrLst/>
+    <dgm:txLinClrLst/>
+    <dgm:txFillClrLst meth="repeat">
+      <a:schemeClr val="lt1"/>
+    </dgm:txFillClrLst>
+    <dgm:txEffectClrLst/>
+  </dgm:styleLbl>
+  <dgm:styleLbl name="parChTrans1D1">
+    <dgm:fillClrLst meth="repeat">
+      <a:schemeClr val="accent5"/>
+    </dgm:fillClrLst>
+    <dgm:linClrLst meth="repeat">
+      <a:schemeClr val="accent5">
+        <a:shade val="60000"/>
+      </a:schemeClr>
+    </dgm:linClrLst>
+    <dgm:effectClrLst/>
+    <dgm:txLinClrLst/>
+    <dgm:txFillClrLst meth="repeat">
+      <a:schemeClr val="tx1"/>
+    </dgm:txFillClrLst>
+    <dgm:txEffectClrLst/>
+  </dgm:styleLbl>
+  <dgm:styleLbl name="parChTrans1D2">
+    <dgm:fillClrLst meth="repeat">
+      <a:schemeClr val="accent5"/>
+    </dgm:fillClrLst>
+    <dgm:linClrLst meth="repeat">
+      <a:schemeClr val="accent5">
+        <a:shade val="60000"/>
+      </a:schemeClr>
+    </dgm:linClrLst>
+    <dgm:effectClrLst/>
+    <dgm:txLinClrLst/>
+    <dgm:txFillClrLst meth="repeat">
+      <a:schemeClr val="tx1"/>
+    </dgm:txFillClrLst>
+    <dgm:txEffectClrLst/>
+  </dgm:styleLbl>
+  <dgm:styleLbl name="parChTrans1D3">
+    <dgm:fillClrLst meth="repeat">
+      <a:schemeClr val="accent5"/>
+    </dgm:fillClrLst>
+    <dgm:linClrLst meth="repeat">
+      <a:schemeClr val="accent5">
+        <a:shade val="80000"/>
+      </a:schemeClr>
+    </dgm:linClrLst>
+    <dgm:effectClrLst/>
+    <dgm:txLinClrLst/>
+    <dgm:txFillClrLst meth="repeat">
+      <a:schemeClr val="tx1"/>
+    </dgm:txFillClrLst>
+    <dgm:txEffectClrLst/>
+  </dgm:styleLbl>
+  <dgm:styleLbl name="parChTrans1D4">
+    <dgm:fillClrLst meth="repeat">
+      <a:schemeClr val="accent5"/>
+    </dgm:fillClrLst>
+    <dgm:linClrLst meth="repeat">
+      <a:schemeClr val="accent5">
+        <a:shade val="80000"/>
+      </a:schemeClr>
+    </dgm:linClrLst>
+    <dgm:effectClrLst/>
+    <dgm:txLinClrLst/>
+    <dgm:txFillClrLst meth="repeat">
+      <a:schemeClr val="tx1"/>
+    </dgm:txFillClrLst>
+    <dgm:txEffectClrLst/>
+  </dgm:styleLbl>
+  <dgm:styleLbl name="fgAcc1">
+    <dgm:fillClrLst meth="repeat">
+      <a:schemeClr val="lt1">
+        <a:alpha val="90000"/>
+      </a:schemeClr>
+    </dgm:fillClrLst>
+    <dgm:linClrLst meth="repeat">
+      <a:schemeClr val="accent5"/>
+    </dgm:linClrLst>
+    <dgm:effectClrLst/>
+    <dgm:txLinClrLst/>
+    <dgm:txFillClrLst meth="repeat">
+      <a:schemeClr val="dk1"/>
+    </dgm:txFillClrLst>
+    <dgm:txEffectClrLst/>
+  </dgm:styleLbl>
+  <dgm:styleLbl name="conFgAcc1">
+    <dgm:fillClrLst meth="repeat">
+      <a:schemeClr val="lt1">
+        <a:alpha val="90000"/>
+      </a:schemeClr>
+    </dgm:fillClrLst>
+    <dgm:linClrLst meth="repeat">
+      <a:schemeClr val="accent5"/>
+    </dgm:linClrLst>
+    <dgm:effectClrLst/>
+    <dgm:txLinClrLst/>
+    <dgm:txFillClrLst meth="repeat">
+      <a:schemeClr val="dk1"/>
+    </dgm:txFillClrLst>
+    <dgm:txEffectClrLst/>
+  </dgm:styleLbl>
+  <dgm:styleLbl name="alignAcc1">
+    <dgm:fillClrLst meth="repeat">
+      <a:schemeClr val="lt1">
+        <a:alpha val="90000"/>
+      </a:schemeClr>
+    </dgm:fillClrLst>
+    <dgm:linClrLst meth="repeat">
+      <a:schemeClr val="accent5"/>
+    </dgm:linClrLst>
+    <dgm:effectClrLst/>
+    <dgm:txLinClrLst/>
+    <dgm:txFillClrLst meth="repeat">
+      <a:schemeClr val="dk1"/>
+    </dgm:txFillClrLst>
+    <dgm:txEffectClrLst/>
+  </dgm:styleLbl>
+  <dgm:styleLbl name="trAlignAcc1">
+    <dgm:fillClrLst meth="repeat">
+      <a:schemeClr val="lt1">
+        <a:alpha val="40000"/>
+      </a:schemeClr>
+    </dgm:fillClrLst>
+    <dgm:linClrLst meth="repeat">
+      <a:schemeClr val="accent5"/>
+    </dgm:linClrLst>
+    <dgm:effectClrLst/>
+    <dgm:txLinClrLst/>
+    <dgm:txFillClrLst meth="repeat">
+      <a:schemeClr val="dk1"/>
+    </dgm:txFillClrLst>
+    <dgm:txEffectClrLst/>
+  </dgm:styleLbl>
+  <dgm:styleLbl name="bgAcc1">
+    <dgm:fillClrLst meth="repeat">
+      <a:schemeClr val="lt1">
+        <a:alpha val="90000"/>
+      </a:schemeClr>
+    </dgm:fillClrLst>
+    <dgm:linClrLst meth="repeat">
+      <a:schemeClr val="accent5"/>
+    </dgm:linClrLst>
+    <dgm:effectClrLst/>
+    <dgm:txLinClrLst/>
+    <dgm:txFillClrLst meth="repeat">
+      <a:schemeClr val="dk1"/>
+    </dgm:txFillClrLst>
+    <dgm:txEffectClrLst/>
+  </dgm:styleLbl>
+  <dgm:styleLbl name="solidFgAcc1">
+    <dgm:fillClrLst meth="repeat">
+      <a:schemeClr val="lt1"/>
+    </dgm:fillClrLst>
+    <dgm:linClrLst meth="repeat">
+      <a:schemeClr val="accent5"/>
+    </dgm:linClrLst>
+    <dgm:effectClrLst/>
+    <dgm:txLinClrLst/>
+    <dgm:txFillClrLst meth="repeat">
+      <a:schemeClr val="dk1"/>
+    </dgm:txFillClrLst>
+    <dgm:txEffectClrLst/>
+  </dgm:styleLbl>
+  <dgm:styleLbl name="solidAlignAcc1">
+    <dgm:fillClrLst meth="repeat">
+      <a:schemeClr val="lt1"/>
+    </dgm:fillClrLst>
+    <dgm:linClrLst meth="repeat">
+      <a:schemeClr val="accent5"/>
+    </dgm:linClrLst>
+    <dgm:effectClrLst/>
+    <dgm:txLinClrLst/>
+    <dgm:txFillClrLst meth="repeat">
+      <a:schemeClr val="dk1"/>
+    </dgm:txFillClrLst>
+    <dgm:txEffectClrLst/>
+  </dgm:styleLbl>
+  <dgm:styleLbl name="solidBgAcc1">
+    <dgm:fillClrLst meth="repeat">
+      <a:schemeClr val="lt1"/>
+    </dgm:fillClrLst>
+    <dgm:linClrLst meth="repeat">
+      <a:schemeClr val="accent5"/>
+    </dgm:linClrLst>
+    <dgm:effectClrLst/>
+    <dgm:txLinClrLst/>
+    <dgm:txFillClrLst meth="repeat">
+      <a:schemeClr val="dk1"/>
+    </dgm:txFillClrLst>
+    <dgm:txEffectClrLst/>
+  </dgm:styleLbl>
+  <dgm:styleLbl name="fgAccFollowNode1">
+    <dgm:fillClrLst meth="repeat">
+      <a:schemeClr val="accent5">
+        <a:alpha val="90000"/>
+        <a:tint val="40000"/>
+      </a:schemeClr>
+    </dgm:fillClrLst>
+    <dgm:linClrLst meth="repeat">
+      <a:schemeClr val="accent5">
+        <a:alpha val="90000"/>
+        <a:tint val="40000"/>
+      </a:schemeClr>
+    </dgm:linClrLst>
+    <dgm:effectClrLst/>
+    <dgm:txLinClrLst/>
+    <dgm:txFillClrLst meth="repeat">
+      <a:schemeClr val="dk1"/>
+    </dgm:txFillClrLst>
+    <dgm:txEffectClrLst/>
+  </dgm:styleLbl>
+  <dgm:styleLbl name="alignAccFollowNode1">
+    <dgm:fillClrLst meth="repeat">
+      <a:schemeClr val="accent5">
+        <a:alpha val="90000"/>
+        <a:tint val="40000"/>
+      </a:schemeClr>
+    </dgm:fillClrLst>
+    <dgm:linClrLst meth="repeat">
+      <a:schemeClr val="accent5">
+        <a:alpha val="90000"/>
+        <a:tint val="40000"/>
+      </a:schemeClr>
+    </dgm:linClrLst>
+    <dgm:effectClrLst/>
+    <dgm:txLinClrLst/>
+    <dgm:txFillClrLst meth="repeat">
+      <a:schemeClr val="dk1"/>
+    </dgm:txFillClrLst>
+    <dgm:txEffectClrLst/>
+  </dgm:styleLbl>
+  <dgm:styleLbl name="bgAccFollowNode1">
+    <dgm:fillClrLst meth="repeat">
+      <a:schemeClr val="accent5">
+        <a:alpha val="90000"/>
+        <a:tint val="40000"/>
+      </a:schemeClr>
+    </dgm:fillClrLst>
+    <dgm:linClrLst meth="repeat">
+      <a:schemeClr val="accent5">
+        <a:alpha val="90000"/>
+        <a:tint val="40000"/>
+      </a:schemeClr>
+    </dgm:linClrLst>
+    <dgm:effectClrLst/>
+    <dgm:txLinClrLst/>
+    <dgm:txFillClrLst meth="repeat">
+      <a:schemeClr val="dk1"/>
+    </dgm:txFillClrLst>
+    <dgm:txEffectClrLst/>
+  </dgm:styleLbl>
+  <dgm:styleLbl name="fgAcc0">
+    <dgm:fillClrLst meth="repeat">
+      <a:schemeClr val="lt1">
+        <a:alpha val="90000"/>
+      </a:schemeClr>
+    </dgm:fillClrLst>
+    <dgm:linClrLst meth="repeat">
+      <a:schemeClr val="accent5"/>
+    </dgm:linClrLst>
+    <dgm:effectClrLst/>
+    <dgm:txLinClrLst/>
+    <dgm:txFillClrLst meth="repeat">
+      <a:schemeClr val="dk1"/>
+    </dgm:txFillClrLst>
+    <dgm:txEffectClrLst/>
+  </dgm:styleLbl>
+  <dgm:styleLbl name="fgAcc2">
+    <dgm:fillClrLst meth="repeat">
+      <a:schemeClr val="lt1">
+        <a:alpha val="90000"/>
+      </a:schemeClr>
+    </dgm:fillClrLst>
+    <dgm:linClrLst meth="repeat">
+      <a:schemeClr val="accent5"/>
+    </dgm:linClrLst>
+    <dgm:effectClrLst/>
+    <dgm:txLinClrLst/>
+    <dgm:txFillClrLst meth="repeat">
+      <a:schemeClr val="dk1"/>
+    </dgm:txFillClrLst>
+    <dgm:txEffectClrLst/>
+  </dgm:styleLbl>
+  <dgm:styleLbl name="fgAcc3">
+    <dgm:fillClrLst meth="repeat">
+      <a:schemeClr val="lt1">
+        <a:alpha val="90000"/>
+      </a:schemeClr>
+    </dgm:fillClrLst>
+    <dgm:linClrLst meth="repeat">
+      <a:schemeClr val="accent5"/>
+    </dgm:linClrLst>
+    <dgm:effectClrLst/>
+    <dgm:txLinClrLst/>
+    <dgm:txFillClrLst meth="repeat">
+      <a:schemeClr val="dk1"/>
+    </dgm:txFillClrLst>
+    <dgm:txEffectClrLst/>
+  </dgm:styleLbl>
+  <dgm:styleLbl name="fgAcc4">
+    <dgm:fillClrLst meth="repeat">
+      <a:schemeClr val="lt1">
+        <a:alpha val="90000"/>
+      </a:schemeClr>
+    </dgm:fillClrLst>
+    <dgm:linClrLst meth="repeat">
+      <a:schemeClr val="accent5"/>
+    </dgm:linClrLst>
+    <dgm:effectClrLst/>
+    <dgm:txLinClrLst/>
+    <dgm:txFillClrLst meth="repeat">
+      <a:schemeClr val="dk1"/>
+    </dgm:txFillClrLst>
+    <dgm:txEffectClrLst/>
+  </dgm:styleLbl>
+  <dgm:styleLbl name="bgShp">
+    <dgm:fillClrLst meth="repeat">
+      <a:schemeClr val="accent5">
+        <a:tint val="40000"/>
+      </a:schemeClr>
+    </dgm:fillClrLst>
+    <dgm:linClrLst meth="repeat">
+      <a:schemeClr val="accent5"/>
+    </dgm:linClrLst>
+    <dgm:effectClrLst/>
+    <dgm:txLinClrLst/>
+    <dgm:txFillClrLst meth="repeat">
+      <a:schemeClr val="dk1"/>
+    </dgm:txFillClrLst>
+    <dgm:txEffectClrLst/>
+  </dgm:styleLbl>
+  <dgm:styleLbl name="dkBgShp">
+    <dgm:fillClrLst meth="repeat">
+      <a:schemeClr val="accent5">
+        <a:shade val="80000"/>
+      </a:schemeClr>
+    </dgm:fillClrLst>
+    <dgm:linClrLst meth="repeat">
+      <a:schemeClr val="accent5"/>
+    </dgm:linClrLst>
+    <dgm:effectClrLst/>
+    <dgm:txLinClrLst/>
+    <dgm:txFillClrLst meth="repeat">
+      <a:schemeClr val="lt1"/>
+    </dgm:txFillClrLst>
+    <dgm:txEffectClrLst/>
+  </dgm:styleLbl>
+  <dgm:styleLbl name="trBgShp">
+    <dgm:fillClrLst meth="repeat">
+      <a:schemeClr val="accent5">
+        <a:tint val="50000"/>
+        <a:alpha val="40000"/>
+      </a:schemeClr>
+    </dgm:fillClrLst>
+    <dgm:linClrLst meth="repeat">
+      <a:schemeClr val="accent5"/>
+    </dgm:linClrLst>
+    <dgm:effectClrLst/>
+    <dgm:txLinClrLst/>
+    <dgm:txFillClrLst meth="repeat">
+      <a:schemeClr val="lt1"/>
+    </dgm:txFillClrLst>
+    <dgm:txEffectClrLst/>
+  </dgm:styleLbl>
+  <dgm:styleLbl name="fgShp">
+    <dgm:fillClrLst meth="repeat">
+      <a:schemeClr val="accent5">
+        <a:tint val="60000"/>
+      </a:schemeClr>
+    </dgm:fillClrLst>
+    <dgm:linClrLst meth="repeat">
+      <a:schemeClr val="lt1"/>
+    </dgm:linClrLst>
+    <dgm:effectClrLst/>
+    <dgm:txLinClrLst/>
+    <dgm:txFillClrLst meth="repeat">
+      <a:schemeClr val="dk1"/>
+    </dgm:txFillClrLst>
+    <dgm:txEffectClrLst/>
+  </dgm:styleLbl>
+  <dgm:styleLbl name="revTx">
+    <dgm:fillClrLst meth="repeat">
+      <a:schemeClr val="lt1">
+        <a:alpha val="0"/>
+      </a:schemeClr>
+    </dgm:fillClrLst>
+    <dgm:linClrLst meth="repeat">
+      <a:schemeClr val="dk1">
+        <a:alpha val="0"/>
+      </a:schemeClr>
+    </dgm:linClrLst>
+    <dgm:effectClrLst/>
+    <dgm:txLinClrLst/>
+    <dgm:txFillClrLst meth="repeat">
+      <a:schemeClr val="tx1"/>
+    </dgm:txFillClrLst>
+    <dgm:txEffectClrLst/>
+  </dgm:styleLbl>
+</dgm:colorsDef>
+</file>
+
+<file path=ppt/diagrams/data1.xml><?xml version="1.0" encoding="utf-8"?>
+<dgm:dataModel xmlns:dgm="http://schemas.openxmlformats.org/drawingml/2006/diagram" xmlns:a="http://schemas.openxmlformats.org/drawingml/2006/main">
+  <dgm:ptLst>
+    <dgm:pt modelId="{AA501054-7272-43B7-9574-3FDFD3E347D2}" type="doc">
+      <dgm:prSet loTypeId="urn:microsoft.com/office/officeart/2005/8/layout/vList2" loCatId="list" qsTypeId="urn:microsoft.com/office/officeart/2005/8/quickstyle/simple1" qsCatId="simple" csTypeId="urn:microsoft.com/office/officeart/2005/8/colors/accent5_1" csCatId="accent5" phldr="1"/>
+      <dgm:spPr/>
+      <dgm:t>
+        <a:bodyPr/>
+        <a:lstStyle/>
+        <a:p>
+          <a:endParaRPr lang="en-US"/>
+        </a:p>
+      </dgm:t>
+    </dgm:pt>
+    <dgm:pt modelId="{F79EE36F-706A-4B45-8098-43C9C6C68E4C}">
+      <dgm:prSet custT="1"/>
+      <dgm:spPr/>
+      <dgm:t>
+        <a:bodyPr/>
+        <a:lstStyle/>
+        <a:p>
+          <a:r>
+            <a:rPr lang="en-US" sz="2800" dirty="0"/>
+            <a:t>U</a:t>
+          </a:r>
+          <a:r>
+            <a:rPr lang="en-US" sz="2800" b="0" i="0" dirty="0"/>
+            <a:t>ser permissions are checked</a:t>
+          </a:r>
+          <a:endParaRPr lang="en-US" sz="2800" dirty="0"/>
+        </a:p>
+      </dgm:t>
+    </dgm:pt>
+    <dgm:pt modelId="{3AD24C85-38B2-4562-82C7-E577EA8E0D08}" type="parTrans" cxnId="{AEBC3B85-F90D-48D1-B34A-67654CEE151D}">
+      <dgm:prSet/>
+      <dgm:spPr/>
+      <dgm:t>
+        <a:bodyPr/>
+        <a:lstStyle/>
+        <a:p>
+          <a:endParaRPr lang="en-US"/>
+        </a:p>
+      </dgm:t>
+    </dgm:pt>
+    <dgm:pt modelId="{A0BD77C1-6791-4662-991B-AAF93B21B046}" type="sibTrans" cxnId="{AEBC3B85-F90D-48D1-B34A-67654CEE151D}">
+      <dgm:prSet/>
+      <dgm:spPr/>
+      <dgm:t>
+        <a:bodyPr/>
+        <a:lstStyle/>
+        <a:p>
+          <a:endParaRPr lang="en-US"/>
+        </a:p>
+      </dgm:t>
+    </dgm:pt>
+    <dgm:pt modelId="{6F25A546-799D-436A-9037-49D14AF4A107}">
+      <dgm:prSet custT="1"/>
+      <dgm:spPr/>
+      <dgm:t>
+        <a:bodyPr/>
+        <a:lstStyle/>
+        <a:p>
+          <a:r>
+            <a:rPr lang="en-US" sz="2800" b="0" i="0" dirty="0"/>
+            <a:t>Aliases of columns and tables</a:t>
+          </a:r>
+          <a:endParaRPr lang="en-US" sz="2800" dirty="0"/>
+        </a:p>
+      </dgm:t>
+    </dgm:pt>
+    <dgm:pt modelId="{4E40D8FF-5CEB-421A-BE89-814137AC9CCA}" type="parTrans" cxnId="{260C2B35-2603-4987-96A2-6623FE1BF16A}">
+      <dgm:prSet/>
+      <dgm:spPr/>
+      <dgm:t>
+        <a:bodyPr/>
+        <a:lstStyle/>
+        <a:p>
+          <a:endParaRPr lang="en-US"/>
+        </a:p>
+      </dgm:t>
+    </dgm:pt>
+    <dgm:pt modelId="{7B933C70-47B9-428C-BB05-D5C58EBFAAF4}" type="sibTrans" cxnId="{260C2B35-2603-4987-96A2-6623FE1BF16A}">
+      <dgm:prSet/>
+      <dgm:spPr/>
+      <dgm:t>
+        <a:bodyPr/>
+        <a:lstStyle/>
+        <a:p>
+          <a:endParaRPr lang="en-US"/>
+        </a:p>
+      </dgm:t>
+    </dgm:pt>
+    <dgm:pt modelId="{856D0975-D23A-45BD-950F-A3C66F54B3ED}">
+      <dgm:prSet custT="1"/>
+      <dgm:spPr/>
+      <dgm:t>
+        <a:bodyPr/>
+        <a:lstStyle/>
+        <a:p>
+          <a:r>
+            <a:rPr lang="en-US" sz="2800" dirty="0"/>
+            <a:t>D</a:t>
+          </a:r>
+          <a:r>
+            <a:rPr lang="en-US" sz="2800" b="0" i="0" dirty="0"/>
+            <a:t>ata types and performs </a:t>
+          </a:r>
+          <a:r>
+            <a:rPr lang="en-US" sz="2800" b="0" i="0" u="none" dirty="0"/>
+            <a:t>implicit data type conversions. </a:t>
+          </a:r>
+          <a:endParaRPr lang="en-US" sz="2800" b="0" u="none" dirty="0"/>
+        </a:p>
+      </dgm:t>
+    </dgm:pt>
+    <dgm:pt modelId="{F84D84BF-4C71-4055-95FE-4014A7FF2D33}" type="parTrans" cxnId="{9F1F8C69-658E-4BB9-B1A4-82A21C94DFB8}">
+      <dgm:prSet/>
+      <dgm:spPr/>
+      <dgm:t>
+        <a:bodyPr/>
+        <a:lstStyle/>
+        <a:p>
+          <a:endParaRPr lang="en-US"/>
+        </a:p>
+      </dgm:t>
+    </dgm:pt>
+    <dgm:pt modelId="{BB5DE9EF-8567-401C-8CE0-00D11DE4A7A8}" type="sibTrans" cxnId="{9F1F8C69-658E-4BB9-B1A4-82A21C94DFB8}">
+      <dgm:prSet/>
+      <dgm:spPr/>
+      <dgm:t>
+        <a:bodyPr/>
+        <a:lstStyle/>
+        <a:p>
+          <a:endParaRPr lang="en-US"/>
+        </a:p>
+      </dgm:t>
+    </dgm:pt>
+    <dgm:pt modelId="{C29C0580-380C-475F-B294-F560B99136E8}">
+      <dgm:prSet custT="1"/>
+      <dgm:spPr/>
+      <dgm:t>
+        <a:bodyPr/>
+        <a:lstStyle/>
+        <a:p>
+          <a:r>
+            <a:rPr lang="en-US" sz="2800" b="0" i="0" dirty="0"/>
+            <a:t>Object names (Tables, Views, Columns, etc.) to see if they exist. </a:t>
+          </a:r>
+          <a:endParaRPr lang="en-US" sz="2800" dirty="0"/>
+        </a:p>
+      </dgm:t>
+    </dgm:pt>
+    <dgm:pt modelId="{B81A5DFF-FB05-4AC6-9AC0-CEB2E43C3E8E}" type="parTrans" cxnId="{8BD6531B-5E17-491C-B9AB-89A49D849701}">
+      <dgm:prSet/>
+      <dgm:spPr/>
+      <dgm:t>
+        <a:bodyPr/>
+        <a:lstStyle/>
+        <a:p>
+          <a:endParaRPr lang="en-US"/>
+        </a:p>
+      </dgm:t>
+    </dgm:pt>
+    <dgm:pt modelId="{86784B88-A561-4F6A-B32E-8590CAAA5DE7}" type="sibTrans" cxnId="{8BD6531B-5E17-491C-B9AB-89A49D849701}">
+      <dgm:prSet/>
+      <dgm:spPr/>
+      <dgm:t>
+        <a:bodyPr/>
+        <a:lstStyle/>
+        <a:p>
+          <a:endParaRPr lang="en-US"/>
+        </a:p>
+      </dgm:t>
+    </dgm:pt>
+    <dgm:pt modelId="{8DD2FA70-9397-4F54-B54D-E6C8748ACD9A}">
+      <dgm:prSet custT="1"/>
+      <dgm:spPr/>
+      <dgm:t>
+        <a:bodyPr/>
+        <a:lstStyle/>
+        <a:p>
+          <a:r>
+            <a:rPr lang="en-US" sz="2800"/>
+            <a:t>Existing cached plans</a:t>
+          </a:r>
+          <a:endParaRPr lang="en-US" sz="2800" dirty="0"/>
+        </a:p>
+      </dgm:t>
+    </dgm:pt>
+    <dgm:pt modelId="{F6B17C49-BFB1-4B7C-A948-83FFF18140BB}" type="parTrans" cxnId="{FC4721A1-450F-42D0-9E40-CD54FAE9FBC4}">
+      <dgm:prSet/>
+      <dgm:spPr/>
+      <dgm:t>
+        <a:bodyPr/>
+        <a:lstStyle/>
+        <a:p>
+          <a:endParaRPr lang="en-US"/>
+        </a:p>
+      </dgm:t>
+    </dgm:pt>
+    <dgm:pt modelId="{7C8EF8B1-C242-403D-A9AB-6F5A69331829}" type="sibTrans" cxnId="{FC4721A1-450F-42D0-9E40-CD54FAE9FBC4}">
+      <dgm:prSet/>
+      <dgm:spPr/>
+      <dgm:t>
+        <a:bodyPr/>
+        <a:lstStyle/>
+        <a:p>
+          <a:endParaRPr lang="en-US"/>
+        </a:p>
+      </dgm:t>
+    </dgm:pt>
+    <dgm:pt modelId="{2BA53DE8-C882-45F0-A3F5-C5DB2EE1F088}" type="pres">
+      <dgm:prSet presAssocID="{AA501054-7272-43B7-9574-3FDFD3E347D2}" presName="linear" presStyleCnt="0">
+        <dgm:presLayoutVars>
+          <dgm:animLvl val="lvl"/>
+          <dgm:resizeHandles val="exact"/>
+        </dgm:presLayoutVars>
+      </dgm:prSet>
+      <dgm:spPr/>
+    </dgm:pt>
+    <dgm:pt modelId="{383E267F-95CC-4401-A58C-E0EC89931806}" type="pres">
+      <dgm:prSet presAssocID="{8DD2FA70-9397-4F54-B54D-E6C8748ACD9A}" presName="parentText" presStyleLbl="node1" presStyleIdx="0" presStyleCnt="5">
+        <dgm:presLayoutVars>
+          <dgm:chMax val="0"/>
+          <dgm:bulletEnabled val="1"/>
+        </dgm:presLayoutVars>
+      </dgm:prSet>
+      <dgm:spPr/>
+    </dgm:pt>
+    <dgm:pt modelId="{18B79637-CFB4-4586-BD85-99E1DB69A353}" type="pres">
+      <dgm:prSet presAssocID="{7C8EF8B1-C242-403D-A9AB-6F5A69331829}" presName="spacer" presStyleCnt="0"/>
+      <dgm:spPr/>
+    </dgm:pt>
+    <dgm:pt modelId="{9A838641-2AEE-4343-B963-978EFC13AE38}" type="pres">
+      <dgm:prSet presAssocID="{F79EE36F-706A-4B45-8098-43C9C6C68E4C}" presName="parentText" presStyleLbl="node1" presStyleIdx="1" presStyleCnt="5">
+        <dgm:presLayoutVars>
+          <dgm:chMax val="0"/>
+          <dgm:bulletEnabled val="1"/>
+        </dgm:presLayoutVars>
+      </dgm:prSet>
+      <dgm:spPr/>
+    </dgm:pt>
+    <dgm:pt modelId="{AB7573C5-4B66-43B9-B231-0181DEDA7993}" type="pres">
+      <dgm:prSet presAssocID="{A0BD77C1-6791-4662-991B-AAF93B21B046}" presName="spacer" presStyleCnt="0"/>
+      <dgm:spPr/>
+    </dgm:pt>
+    <dgm:pt modelId="{7857B639-65CC-486C-8EFD-A918198FC586}" type="pres">
+      <dgm:prSet presAssocID="{C29C0580-380C-475F-B294-F560B99136E8}" presName="parentText" presStyleLbl="node1" presStyleIdx="2" presStyleCnt="5">
+        <dgm:presLayoutVars>
+          <dgm:chMax val="0"/>
+          <dgm:bulletEnabled val="1"/>
+        </dgm:presLayoutVars>
+      </dgm:prSet>
+      <dgm:spPr/>
+    </dgm:pt>
+    <dgm:pt modelId="{85775E6F-2CAC-4396-BDAA-C80D85B4E150}" type="pres">
+      <dgm:prSet presAssocID="{86784B88-A561-4F6A-B32E-8590CAAA5DE7}" presName="spacer" presStyleCnt="0"/>
+      <dgm:spPr/>
+    </dgm:pt>
+    <dgm:pt modelId="{524A67A9-B79C-4B23-9404-C87D61A30585}" type="pres">
+      <dgm:prSet presAssocID="{6F25A546-799D-436A-9037-49D14AF4A107}" presName="parentText" presStyleLbl="node1" presStyleIdx="3" presStyleCnt="5">
+        <dgm:presLayoutVars>
+          <dgm:chMax val="0"/>
+          <dgm:bulletEnabled val="1"/>
+        </dgm:presLayoutVars>
+      </dgm:prSet>
+      <dgm:spPr/>
+    </dgm:pt>
+    <dgm:pt modelId="{EC537CA7-1C8C-4D67-A2FF-A17DA2A5082B}" type="pres">
+      <dgm:prSet presAssocID="{7B933C70-47B9-428C-BB05-D5C58EBFAAF4}" presName="spacer" presStyleCnt="0"/>
+      <dgm:spPr/>
+    </dgm:pt>
+    <dgm:pt modelId="{4542E025-F95B-427C-9891-4B9526118B82}" type="pres">
+      <dgm:prSet presAssocID="{856D0975-D23A-45BD-950F-A3C66F54B3ED}" presName="parentText" presStyleLbl="node1" presStyleIdx="4" presStyleCnt="5">
+        <dgm:presLayoutVars>
+          <dgm:chMax val="0"/>
+          <dgm:bulletEnabled val="1"/>
+        </dgm:presLayoutVars>
+      </dgm:prSet>
+      <dgm:spPr/>
+    </dgm:pt>
+  </dgm:ptLst>
+  <dgm:cxnLst>
+    <dgm:cxn modelId="{99E72305-DD5C-4604-BB97-2F178605E8C0}" type="presOf" srcId="{856D0975-D23A-45BD-950F-A3C66F54B3ED}" destId="{4542E025-F95B-427C-9891-4B9526118B82}" srcOrd="0" destOrd="0" presId="urn:microsoft.com/office/officeart/2005/8/layout/vList2"/>
+    <dgm:cxn modelId="{8BD6531B-5E17-491C-B9AB-89A49D849701}" srcId="{AA501054-7272-43B7-9574-3FDFD3E347D2}" destId="{C29C0580-380C-475F-B294-F560B99136E8}" srcOrd="2" destOrd="0" parTransId="{B81A5DFF-FB05-4AC6-9AC0-CEB2E43C3E8E}" sibTransId="{86784B88-A561-4F6A-B32E-8590CAAA5DE7}"/>
+    <dgm:cxn modelId="{3B0E4826-F52C-410C-9FB9-10093C12C2B6}" type="presOf" srcId="{F79EE36F-706A-4B45-8098-43C9C6C68E4C}" destId="{9A838641-2AEE-4343-B963-978EFC13AE38}" srcOrd="0" destOrd="0" presId="urn:microsoft.com/office/officeart/2005/8/layout/vList2"/>
+    <dgm:cxn modelId="{260C2B35-2603-4987-96A2-6623FE1BF16A}" srcId="{AA501054-7272-43B7-9574-3FDFD3E347D2}" destId="{6F25A546-799D-436A-9037-49D14AF4A107}" srcOrd="3" destOrd="0" parTransId="{4E40D8FF-5CEB-421A-BE89-814137AC9CCA}" sibTransId="{7B933C70-47B9-428C-BB05-D5C58EBFAAF4}"/>
+    <dgm:cxn modelId="{C5C20640-C516-4781-A0CE-979FEAAF72B3}" type="presOf" srcId="{AA501054-7272-43B7-9574-3FDFD3E347D2}" destId="{2BA53DE8-C882-45F0-A3F5-C5DB2EE1F088}" srcOrd="0" destOrd="0" presId="urn:microsoft.com/office/officeart/2005/8/layout/vList2"/>
+    <dgm:cxn modelId="{17ED2F66-4218-47F6-9996-91BBF7A86953}" type="presOf" srcId="{8DD2FA70-9397-4F54-B54D-E6C8748ACD9A}" destId="{383E267F-95CC-4401-A58C-E0EC89931806}" srcOrd="0" destOrd="0" presId="urn:microsoft.com/office/officeart/2005/8/layout/vList2"/>
+    <dgm:cxn modelId="{9F1F8C69-658E-4BB9-B1A4-82A21C94DFB8}" srcId="{AA501054-7272-43B7-9574-3FDFD3E347D2}" destId="{856D0975-D23A-45BD-950F-A3C66F54B3ED}" srcOrd="4" destOrd="0" parTransId="{F84D84BF-4C71-4055-95FE-4014A7FF2D33}" sibTransId="{BB5DE9EF-8567-401C-8CE0-00D11DE4A7A8}"/>
+    <dgm:cxn modelId="{34079050-0904-4E8D-BDC9-27FEF184EABB}" type="presOf" srcId="{6F25A546-799D-436A-9037-49D14AF4A107}" destId="{524A67A9-B79C-4B23-9404-C87D61A30585}" srcOrd="0" destOrd="0" presId="urn:microsoft.com/office/officeart/2005/8/layout/vList2"/>
+    <dgm:cxn modelId="{76850F7C-2836-46DA-8CC5-478DEE861D09}" type="presOf" srcId="{C29C0580-380C-475F-B294-F560B99136E8}" destId="{7857B639-65CC-486C-8EFD-A918198FC586}" srcOrd="0" destOrd="0" presId="urn:microsoft.com/office/officeart/2005/8/layout/vList2"/>
+    <dgm:cxn modelId="{AEBC3B85-F90D-48D1-B34A-67654CEE151D}" srcId="{AA501054-7272-43B7-9574-3FDFD3E347D2}" destId="{F79EE36F-706A-4B45-8098-43C9C6C68E4C}" srcOrd="1" destOrd="0" parTransId="{3AD24C85-38B2-4562-82C7-E577EA8E0D08}" sibTransId="{A0BD77C1-6791-4662-991B-AAF93B21B046}"/>
+    <dgm:cxn modelId="{FC4721A1-450F-42D0-9E40-CD54FAE9FBC4}" srcId="{AA501054-7272-43B7-9574-3FDFD3E347D2}" destId="{8DD2FA70-9397-4F54-B54D-E6C8748ACD9A}" srcOrd="0" destOrd="0" parTransId="{F6B17C49-BFB1-4B7C-A948-83FFF18140BB}" sibTransId="{7C8EF8B1-C242-403D-A9AB-6F5A69331829}"/>
+    <dgm:cxn modelId="{825D5775-6BFB-41B4-849B-0963244075D6}" type="presParOf" srcId="{2BA53DE8-C882-45F0-A3F5-C5DB2EE1F088}" destId="{383E267F-95CC-4401-A58C-E0EC89931806}" srcOrd="0" destOrd="0" presId="urn:microsoft.com/office/officeart/2005/8/layout/vList2"/>
+    <dgm:cxn modelId="{362EA214-FD53-4B92-BCB3-90D6087D868C}" type="presParOf" srcId="{2BA53DE8-C882-45F0-A3F5-C5DB2EE1F088}" destId="{18B79637-CFB4-4586-BD85-99E1DB69A353}" srcOrd="1" destOrd="0" presId="urn:microsoft.com/office/officeart/2005/8/layout/vList2"/>
+    <dgm:cxn modelId="{AD08F292-330E-4AC3-AEA9-320487A93C39}" type="presParOf" srcId="{2BA53DE8-C882-45F0-A3F5-C5DB2EE1F088}" destId="{9A838641-2AEE-4343-B963-978EFC13AE38}" srcOrd="2" destOrd="0" presId="urn:microsoft.com/office/officeart/2005/8/layout/vList2"/>
+    <dgm:cxn modelId="{E4547A7B-1712-4A05-9AB3-E7AAA1A542FE}" type="presParOf" srcId="{2BA53DE8-C882-45F0-A3F5-C5DB2EE1F088}" destId="{AB7573C5-4B66-43B9-B231-0181DEDA7993}" srcOrd="3" destOrd="0" presId="urn:microsoft.com/office/officeart/2005/8/layout/vList2"/>
+    <dgm:cxn modelId="{8DD05156-DC9D-4667-80D6-561D99B00531}" type="presParOf" srcId="{2BA53DE8-C882-45F0-A3F5-C5DB2EE1F088}" destId="{7857B639-65CC-486C-8EFD-A918198FC586}" srcOrd="4" destOrd="0" presId="urn:microsoft.com/office/officeart/2005/8/layout/vList2"/>
+    <dgm:cxn modelId="{22525807-82D7-4CFD-83A8-D3B99F090A31}" type="presParOf" srcId="{2BA53DE8-C882-45F0-A3F5-C5DB2EE1F088}" destId="{85775E6F-2CAC-4396-BDAA-C80D85B4E150}" srcOrd="5" destOrd="0" presId="urn:microsoft.com/office/officeart/2005/8/layout/vList2"/>
+    <dgm:cxn modelId="{F33D468F-660E-4798-B38F-A173D19F5E6E}" type="presParOf" srcId="{2BA53DE8-C882-45F0-A3F5-C5DB2EE1F088}" destId="{524A67A9-B79C-4B23-9404-C87D61A30585}" srcOrd="6" destOrd="0" presId="urn:microsoft.com/office/officeart/2005/8/layout/vList2"/>
+    <dgm:cxn modelId="{A70133C2-F1A7-4FB1-ADD3-7B60A3684474}" type="presParOf" srcId="{2BA53DE8-C882-45F0-A3F5-C5DB2EE1F088}" destId="{EC537CA7-1C8C-4D67-A2FF-A17DA2A5082B}" srcOrd="7" destOrd="0" presId="urn:microsoft.com/office/officeart/2005/8/layout/vList2"/>
+    <dgm:cxn modelId="{7039D721-8EB7-4236-A34A-3B854E7CD29A}" type="presParOf" srcId="{2BA53DE8-C882-45F0-A3F5-C5DB2EE1F088}" destId="{4542E025-F95B-427C-9891-4B9526118B82}" srcOrd="8" destOrd="0" presId="urn:microsoft.com/office/officeart/2005/8/layout/vList2"/>
+  </dgm:cxnLst>
+  <dgm:bg/>
+  <dgm:whole/>
+  <dgm:extLst>
+    <a:ext uri="http://schemas.microsoft.com/office/drawing/2008/diagram">
+      <dsp:dataModelExt xmlns:dsp="http://schemas.microsoft.com/office/drawing/2008/diagram" relId="rId7" minVer="http://schemas.openxmlformats.org/drawingml/2006/diagram"/>
+    </a:ext>
+  </dgm:extLst>
+</dgm:dataModel>
+</file>
+
+<file path=ppt/diagrams/data2.xml><?xml version="1.0" encoding="utf-8"?>
+<dgm:dataModel xmlns:dgm="http://schemas.openxmlformats.org/drawingml/2006/diagram" xmlns:a="http://schemas.openxmlformats.org/drawingml/2006/main">
+  <dgm:ptLst>
+    <dgm:pt modelId="{6540920B-2C4F-43B4-89AD-64EEC6019ED2}" type="doc">
+      <dgm:prSet loTypeId="urn:microsoft.com/office/officeart/2005/8/layout/vList2" loCatId="list" qsTypeId="urn:microsoft.com/office/officeart/2005/8/quickstyle/simple1" qsCatId="simple" csTypeId="urn:microsoft.com/office/officeart/2005/8/colors/accent5_2" csCatId="accent5" phldr="1"/>
+      <dgm:spPr/>
+      <dgm:t>
+        <a:bodyPr/>
+        <a:lstStyle/>
+        <a:p>
+          <a:endParaRPr lang="en-US"/>
+        </a:p>
+      </dgm:t>
+    </dgm:pt>
+    <dgm:pt modelId="{2946E55A-32BE-49E8-B556-ED036734050F}">
+      <dgm:prSet custT="1"/>
+      <dgm:spPr/>
+      <dgm:t>
+        <a:bodyPr/>
+        <a:lstStyle/>
+        <a:p>
+          <a:r>
+            <a:rPr lang="en-US" sz="2000" dirty="0"/>
+            <a:t>Constant Folding: Expressions with constant values are reduced</a:t>
+          </a:r>
+        </a:p>
+      </dgm:t>
+    </dgm:pt>
+    <dgm:pt modelId="{EA755BDB-65F6-4BFF-8D2D-9EB7DD41FF8F}" type="parTrans" cxnId="{329B2D8D-9983-4F7F-804F-6A886C19DDA2}">
+      <dgm:prSet/>
+      <dgm:spPr/>
+      <dgm:t>
+        <a:bodyPr/>
+        <a:lstStyle/>
+        <a:p>
+          <a:endParaRPr lang="en-US"/>
+        </a:p>
+      </dgm:t>
+    </dgm:pt>
+    <dgm:pt modelId="{4FFCA6CC-1E83-4DF3-9B27-D7CDE4CD4CC7}" type="sibTrans" cxnId="{329B2D8D-9983-4F7F-804F-6A886C19DDA2}">
+      <dgm:prSet/>
+      <dgm:spPr/>
+      <dgm:t>
+        <a:bodyPr/>
+        <a:lstStyle/>
+        <a:p>
+          <a:endParaRPr lang="en-US"/>
+        </a:p>
+      </dgm:t>
+    </dgm:pt>
+    <dgm:pt modelId="{3964F9BA-4FF7-40BE-8120-77511C7AF0BF}">
+      <dgm:prSet custT="1"/>
+      <dgm:spPr/>
+      <dgm:t>
+        <a:bodyPr/>
+        <a:lstStyle/>
+        <a:p>
+          <a:r>
+            <a:rPr lang="en-US" sz="2000" b="1" dirty="0"/>
+            <a:t>Quantity = 2 + 3 </a:t>
+          </a:r>
+          <a:r>
+            <a:rPr lang="en-US" sz="2000" dirty="0"/>
+            <a:t>becomes </a:t>
+          </a:r>
+          <a:r>
+            <a:rPr lang="en-US" sz="2000" b="1" dirty="0"/>
+            <a:t>Quantity =  5</a:t>
+          </a:r>
+          <a:endParaRPr lang="en-US" sz="2000" dirty="0"/>
+        </a:p>
+      </dgm:t>
+    </dgm:pt>
+    <dgm:pt modelId="{17F806FC-E47D-4C25-8BAA-12601E84478E}" type="parTrans" cxnId="{B6B22C22-4C47-4ACC-927D-7868A0BE8D14}">
+      <dgm:prSet/>
+      <dgm:spPr/>
+      <dgm:t>
+        <a:bodyPr/>
+        <a:lstStyle/>
+        <a:p>
+          <a:endParaRPr lang="en-US"/>
+        </a:p>
+      </dgm:t>
+    </dgm:pt>
+    <dgm:pt modelId="{E6DECC28-ADCA-46D0-AB34-D401A8CAA11B}" type="sibTrans" cxnId="{B6B22C22-4C47-4ACC-927D-7868A0BE8D14}">
+      <dgm:prSet/>
+      <dgm:spPr/>
+      <dgm:t>
+        <a:bodyPr/>
+        <a:lstStyle/>
+        <a:p>
+          <a:endParaRPr lang="en-US"/>
+        </a:p>
+      </dgm:t>
+    </dgm:pt>
+    <dgm:pt modelId="{871DBBC0-5C02-42CD-9E80-91D0DE976C8E}">
+      <dgm:prSet custT="1"/>
+      <dgm:spPr/>
+      <dgm:t>
+        <a:bodyPr/>
+        <a:lstStyle/>
+        <a:p>
+          <a:r>
+            <a:rPr lang="en-US" sz="2000" b="1" dirty="0"/>
+            <a:t>10 &lt; 20 </a:t>
+          </a:r>
+          <a:r>
+            <a:rPr lang="en-US" sz="2000" dirty="0"/>
+            <a:t>becomes </a:t>
+          </a:r>
+          <a:r>
+            <a:rPr lang="en-US" sz="2000" b="1" dirty="0"/>
+            <a:t>True </a:t>
+          </a:r>
+          <a:endParaRPr lang="en-US" sz="2000" dirty="0"/>
+        </a:p>
+      </dgm:t>
+    </dgm:pt>
+    <dgm:pt modelId="{5D1DF68D-ECF1-435B-B687-3E2A5E695C2C}" type="parTrans" cxnId="{0C7F89D9-9D00-4EDF-8BA7-A27752D7AD7E}">
+      <dgm:prSet/>
+      <dgm:spPr/>
+      <dgm:t>
+        <a:bodyPr/>
+        <a:lstStyle/>
+        <a:p>
+          <a:endParaRPr lang="en-US"/>
+        </a:p>
+      </dgm:t>
+    </dgm:pt>
+    <dgm:pt modelId="{AAABE9F4-B57C-45B3-BDFA-761691D68588}" type="sibTrans" cxnId="{0C7F89D9-9D00-4EDF-8BA7-A27752D7AD7E}">
+      <dgm:prSet/>
+      <dgm:spPr/>
+      <dgm:t>
+        <a:bodyPr/>
+        <a:lstStyle/>
+        <a:p>
+          <a:endParaRPr lang="en-US"/>
+        </a:p>
+      </dgm:t>
+    </dgm:pt>
+    <dgm:pt modelId="{76B3B042-5773-4AF0-A342-03BD63583AE1}">
+      <dgm:prSet custT="1"/>
+      <dgm:spPr/>
+      <dgm:t>
+        <a:bodyPr/>
+        <a:lstStyle/>
+        <a:p>
+          <a:r>
+            <a:rPr lang="en-US" sz="2000" dirty="0"/>
+            <a:t>Contradiction Detection: Removes criteria that doesn’t match table constraints</a:t>
+          </a:r>
+        </a:p>
+      </dgm:t>
+    </dgm:pt>
+    <dgm:pt modelId="{A36F6669-AD87-46CE-9AB1-E58B8B67CE26}" type="parTrans" cxnId="{BC5865D9-28E2-4855-A1F5-28EF2B6A834E}">
+      <dgm:prSet/>
+      <dgm:spPr/>
+      <dgm:t>
+        <a:bodyPr/>
+        <a:lstStyle/>
+        <a:p>
+          <a:endParaRPr lang="en-US"/>
+        </a:p>
+      </dgm:t>
+    </dgm:pt>
+    <dgm:pt modelId="{0EBFAFB6-67BA-4D31-A1F8-D53B5916C74B}" type="sibTrans" cxnId="{BC5865D9-28E2-4855-A1F5-28EF2B6A834E}">
+      <dgm:prSet/>
+      <dgm:spPr/>
+      <dgm:t>
+        <a:bodyPr/>
+        <a:lstStyle/>
+        <a:p>
+          <a:endParaRPr lang="en-US"/>
+        </a:p>
+      </dgm:t>
+    </dgm:pt>
+    <dgm:pt modelId="{076924B9-43A7-4A09-A0A0-51577E02992A}">
+      <dgm:prSet custT="1"/>
+      <dgm:spPr/>
+      <dgm:t>
+        <a:bodyPr/>
+        <a:lstStyle/>
+        <a:p>
+          <a:r>
+            <a:rPr lang="en-US" sz="2000" b="1" dirty="0"/>
+            <a:t>Constraint: </a:t>
+          </a:r>
+          <a:r>
+            <a:rPr lang="en-US" sz="2000" dirty="0"/>
+            <a:t>Age &gt; 18</a:t>
+          </a:r>
+        </a:p>
+      </dgm:t>
+    </dgm:pt>
+    <dgm:pt modelId="{D89B5B6B-BBB9-4D9B-AF87-249D01D07956}" type="parTrans" cxnId="{A0584668-E5D7-46AA-99CE-52F59A921508}">
+      <dgm:prSet/>
+      <dgm:spPr/>
+      <dgm:t>
+        <a:bodyPr/>
+        <a:lstStyle/>
+        <a:p>
+          <a:endParaRPr lang="en-US"/>
+        </a:p>
+      </dgm:t>
+    </dgm:pt>
+    <dgm:pt modelId="{6FDEDA38-CC46-422E-A22D-E692CF57B8D2}" type="sibTrans" cxnId="{A0584668-E5D7-46AA-99CE-52F59A921508}">
+      <dgm:prSet/>
+      <dgm:spPr/>
+      <dgm:t>
+        <a:bodyPr/>
+        <a:lstStyle/>
+        <a:p>
+          <a:endParaRPr lang="en-US"/>
+        </a:p>
+      </dgm:t>
+    </dgm:pt>
+    <dgm:pt modelId="{637A78A2-5937-4FFB-9D4D-653846F4F401}">
+      <dgm:prSet custT="1"/>
+      <dgm:spPr/>
+      <dgm:t>
+        <a:bodyPr/>
+        <a:lstStyle/>
+        <a:p>
+          <a:r>
+            <a:rPr lang="en-US" sz="2000" b="1" dirty="0"/>
+            <a:t>Contradiction: </a:t>
+          </a:r>
+          <a:r>
+            <a:rPr lang="en-US" sz="2000" dirty="0"/>
+            <a:t>WHERE Age &lt; 18</a:t>
+          </a:r>
+        </a:p>
+      </dgm:t>
+    </dgm:pt>
+    <dgm:pt modelId="{326A3761-38CF-430A-823F-835DB6D9D681}" type="parTrans" cxnId="{7833CA04-16BB-46D1-8B5F-259F1602A19F}">
+      <dgm:prSet/>
+      <dgm:spPr/>
+      <dgm:t>
+        <a:bodyPr/>
+        <a:lstStyle/>
+        <a:p>
+          <a:endParaRPr lang="en-US"/>
+        </a:p>
+      </dgm:t>
+    </dgm:pt>
+    <dgm:pt modelId="{D9BCB6D1-8F0A-4413-806C-CF398451F3E3}" type="sibTrans" cxnId="{7833CA04-16BB-46D1-8B5F-259F1602A19F}">
+      <dgm:prSet/>
+      <dgm:spPr/>
+      <dgm:t>
+        <a:bodyPr/>
+        <a:lstStyle/>
+        <a:p>
+          <a:endParaRPr lang="en-US"/>
+        </a:p>
+      </dgm:t>
+    </dgm:pt>
+    <dgm:pt modelId="{A9D25BD0-BE09-4345-BADE-D4F2B24CCE15}">
+      <dgm:prSet custT="1"/>
+      <dgm:spPr/>
+      <dgm:t>
+        <a:bodyPr/>
+        <a:lstStyle/>
+        <a:p>
+          <a:r>
+            <a:rPr lang="en-US" sz="2000" dirty="0"/>
+            <a:t>Domain Simplification: Reduces complex ranges to simple ranges</a:t>
+          </a:r>
+        </a:p>
+      </dgm:t>
+    </dgm:pt>
+    <dgm:pt modelId="{4DD442C8-D1CC-4724-974D-833E6852A84E}" type="parTrans" cxnId="{E4C4C425-C11C-4398-900F-D51AA5D17E08}">
+      <dgm:prSet/>
+      <dgm:spPr/>
+      <dgm:t>
+        <a:bodyPr/>
+        <a:lstStyle/>
+        <a:p>
+          <a:endParaRPr lang="en-US"/>
+        </a:p>
+      </dgm:t>
+    </dgm:pt>
+    <dgm:pt modelId="{AEFA25C7-5D27-45F1-9593-A65F3B64ADB9}" type="sibTrans" cxnId="{E4C4C425-C11C-4398-900F-D51AA5D17E08}">
+      <dgm:prSet/>
+      <dgm:spPr/>
+      <dgm:t>
+        <a:bodyPr/>
+        <a:lstStyle/>
+        <a:p>
+          <a:endParaRPr lang="en-US"/>
+        </a:p>
+      </dgm:t>
+    </dgm:pt>
+    <dgm:pt modelId="{7F438570-B1D3-4200-A192-AF8BDAD44F69}">
+      <dgm:prSet custT="1"/>
+      <dgm:spPr/>
+      <dgm:t>
+        <a:bodyPr/>
+        <a:lstStyle/>
+        <a:p>
+          <a:r>
+            <a:rPr lang="en-US" sz="2000" b="1" dirty="0"/>
+            <a:t>Complex range: </a:t>
+          </a:r>
+          <a:r>
+            <a:rPr lang="en-US" sz="2000" dirty="0"/>
+            <a:t>ID &gt; 10 and ID &lt; 20 or ID &gt; 30 and &lt; 50</a:t>
+          </a:r>
+        </a:p>
+      </dgm:t>
+    </dgm:pt>
+    <dgm:pt modelId="{1D0A2C0D-ADCD-45A3-AE3A-164C719F0922}" type="parTrans" cxnId="{06A7372E-6D04-4029-B30D-09E0C0497742}">
+      <dgm:prSet/>
+      <dgm:spPr/>
+      <dgm:t>
+        <a:bodyPr/>
+        <a:lstStyle/>
+        <a:p>
+          <a:endParaRPr lang="en-US"/>
+        </a:p>
+      </dgm:t>
+    </dgm:pt>
+    <dgm:pt modelId="{2A337360-18E4-4101-9C2E-D9303CF8752A}" type="sibTrans" cxnId="{06A7372E-6D04-4029-B30D-09E0C0497742}">
+      <dgm:prSet/>
+      <dgm:spPr/>
+      <dgm:t>
+        <a:bodyPr/>
+        <a:lstStyle/>
+        <a:p>
+          <a:endParaRPr lang="en-US"/>
+        </a:p>
+      </dgm:t>
+    </dgm:pt>
+    <dgm:pt modelId="{4D6F902A-E4D3-48AC-87E4-5E2A16685C7B}">
+      <dgm:prSet custT="1"/>
+      <dgm:spPr/>
+      <dgm:t>
+        <a:bodyPr/>
+        <a:lstStyle/>
+        <a:p>
+          <a:r>
+            <a:rPr lang="en-US" sz="2000" b="1" dirty="0"/>
+            <a:t>Simplified range: </a:t>
+          </a:r>
+          <a:r>
+            <a:rPr lang="en-US" sz="2000" dirty="0"/>
+            <a:t>ID &gt; 10 and &lt; 50</a:t>
+          </a:r>
+        </a:p>
+      </dgm:t>
+    </dgm:pt>
+    <dgm:pt modelId="{A63E84C0-9C6E-4EEE-AD57-58879E907ED7}" type="parTrans" cxnId="{D72C74F1-A0DC-4835-B2D5-8B2E31336AD3}">
+      <dgm:prSet/>
+      <dgm:spPr/>
+      <dgm:t>
+        <a:bodyPr/>
+        <a:lstStyle/>
+        <a:p>
+          <a:endParaRPr lang="en-US"/>
+        </a:p>
+      </dgm:t>
+    </dgm:pt>
+    <dgm:pt modelId="{D260CFE3-4206-445A-8836-FE991D38A8D8}" type="sibTrans" cxnId="{D72C74F1-A0DC-4835-B2D5-8B2E31336AD3}">
+      <dgm:prSet/>
+      <dgm:spPr/>
+      <dgm:t>
+        <a:bodyPr/>
+        <a:lstStyle/>
+        <a:p>
+          <a:endParaRPr lang="en-US"/>
+        </a:p>
+      </dgm:t>
+    </dgm:pt>
+    <dgm:pt modelId="{64D33930-0BC8-4AC5-8490-0AD3A9762C5D}">
+      <dgm:prSet custT="1"/>
+      <dgm:spPr/>
+      <dgm:t>
+        <a:bodyPr/>
+        <a:lstStyle/>
+        <a:p>
+          <a:r>
+            <a:rPr lang="en-US" sz="2000" dirty="0"/>
+            <a:t>Join Simplification: Removes redundant joins that are not necessary</a:t>
+          </a:r>
+        </a:p>
+      </dgm:t>
+    </dgm:pt>
+    <dgm:pt modelId="{02295F83-E2FD-4CBB-88E9-C60E51A42603}" type="parTrans" cxnId="{C22C03F9-38DF-4E17-9141-DED01C4464E8}">
+      <dgm:prSet/>
+      <dgm:spPr/>
+      <dgm:t>
+        <a:bodyPr/>
+        <a:lstStyle/>
+        <a:p>
+          <a:endParaRPr lang="en-US"/>
+        </a:p>
+      </dgm:t>
+    </dgm:pt>
+    <dgm:pt modelId="{983B83DA-FC24-499B-9E2B-17CDA061C260}" type="sibTrans" cxnId="{C22C03F9-38DF-4E17-9141-DED01C4464E8}">
+      <dgm:prSet/>
+      <dgm:spPr/>
+      <dgm:t>
+        <a:bodyPr/>
+        <a:lstStyle/>
+        <a:p>
+          <a:endParaRPr lang="en-US"/>
+        </a:p>
+      </dgm:t>
+    </dgm:pt>
+    <dgm:pt modelId="{B37C91EB-9FCC-4E01-B940-3E9D92484C6D}">
+      <dgm:prSet custT="1"/>
+      <dgm:spPr/>
+      <dgm:t>
+        <a:bodyPr/>
+        <a:lstStyle/>
+        <a:p>
+          <a:r>
+            <a:rPr lang="en-US" sz="2000" dirty="0"/>
+            <a:t>Predicate Pushdown: Perform calculations only on rows returned</a:t>
+          </a:r>
+        </a:p>
+      </dgm:t>
+    </dgm:pt>
+    <dgm:pt modelId="{4C4C1DED-94D8-4B02-B778-D16D6D798797}" type="parTrans" cxnId="{E1FAEFE8-26D0-42F5-99ED-63669657323C}">
+      <dgm:prSet/>
+      <dgm:spPr/>
+      <dgm:t>
+        <a:bodyPr/>
+        <a:lstStyle/>
+        <a:p>
+          <a:endParaRPr lang="en-US"/>
+        </a:p>
+      </dgm:t>
+    </dgm:pt>
+    <dgm:pt modelId="{9323958A-F5EF-44B8-AF11-5E1B42105D70}" type="sibTrans" cxnId="{E1FAEFE8-26D0-42F5-99ED-63669657323C}">
+      <dgm:prSet/>
+      <dgm:spPr/>
+      <dgm:t>
+        <a:bodyPr/>
+        <a:lstStyle/>
+        <a:p>
+          <a:endParaRPr lang="en-US"/>
+        </a:p>
+      </dgm:t>
+    </dgm:pt>
+    <dgm:pt modelId="{7D5199FE-9749-49EF-9B5C-676307B6D65D}" type="pres">
+      <dgm:prSet presAssocID="{6540920B-2C4F-43B4-89AD-64EEC6019ED2}" presName="linear" presStyleCnt="0">
+        <dgm:presLayoutVars>
+          <dgm:animLvl val="lvl"/>
+          <dgm:resizeHandles val="exact"/>
+        </dgm:presLayoutVars>
+      </dgm:prSet>
+      <dgm:spPr/>
+    </dgm:pt>
+    <dgm:pt modelId="{D0B18191-AC71-49BF-98CD-1E93E2ABEF4C}" type="pres">
+      <dgm:prSet presAssocID="{2946E55A-32BE-49E8-B556-ED036734050F}" presName="parentText" presStyleLbl="node1" presStyleIdx="0" presStyleCnt="5">
+        <dgm:presLayoutVars>
+          <dgm:chMax val="0"/>
+          <dgm:bulletEnabled val="1"/>
+        </dgm:presLayoutVars>
+      </dgm:prSet>
+      <dgm:spPr/>
+    </dgm:pt>
+    <dgm:pt modelId="{E7753C57-A5F5-46E1-B7BB-82581E003E85}" type="pres">
+      <dgm:prSet presAssocID="{2946E55A-32BE-49E8-B556-ED036734050F}" presName="childText" presStyleLbl="revTx" presStyleIdx="0" presStyleCnt="3">
+        <dgm:presLayoutVars>
+          <dgm:bulletEnabled val="1"/>
+        </dgm:presLayoutVars>
+      </dgm:prSet>
+      <dgm:spPr/>
+    </dgm:pt>
+    <dgm:pt modelId="{AD3DC3D7-B755-496C-B049-673782A48B7E}" type="pres">
+      <dgm:prSet presAssocID="{76B3B042-5773-4AF0-A342-03BD63583AE1}" presName="parentText" presStyleLbl="node1" presStyleIdx="1" presStyleCnt="5">
+        <dgm:presLayoutVars>
+          <dgm:chMax val="0"/>
+          <dgm:bulletEnabled val="1"/>
+        </dgm:presLayoutVars>
+      </dgm:prSet>
+      <dgm:spPr/>
+    </dgm:pt>
+    <dgm:pt modelId="{F4979A52-6910-4680-A30D-AF6E5F6F6BEB}" type="pres">
+      <dgm:prSet presAssocID="{76B3B042-5773-4AF0-A342-03BD63583AE1}" presName="childText" presStyleLbl="revTx" presStyleIdx="1" presStyleCnt="3">
+        <dgm:presLayoutVars>
+          <dgm:bulletEnabled val="1"/>
+        </dgm:presLayoutVars>
+      </dgm:prSet>
+      <dgm:spPr/>
+    </dgm:pt>
+    <dgm:pt modelId="{00D08612-0E1E-47DC-8CA9-705E272E1D3D}" type="pres">
+      <dgm:prSet presAssocID="{A9D25BD0-BE09-4345-BADE-D4F2B24CCE15}" presName="parentText" presStyleLbl="node1" presStyleIdx="2" presStyleCnt="5">
+        <dgm:presLayoutVars>
+          <dgm:chMax val="0"/>
+          <dgm:bulletEnabled val="1"/>
+        </dgm:presLayoutVars>
+      </dgm:prSet>
+      <dgm:spPr/>
+    </dgm:pt>
+    <dgm:pt modelId="{E0A24385-0B6B-4B50-BE74-56A56D95DC41}" type="pres">
+      <dgm:prSet presAssocID="{A9D25BD0-BE09-4345-BADE-D4F2B24CCE15}" presName="childText" presStyleLbl="revTx" presStyleIdx="2" presStyleCnt="3">
+        <dgm:presLayoutVars>
+          <dgm:bulletEnabled val="1"/>
+        </dgm:presLayoutVars>
+      </dgm:prSet>
+      <dgm:spPr/>
+    </dgm:pt>
+    <dgm:pt modelId="{4DCA75EA-7FE7-4098-A98C-5F17DD83CF52}" type="pres">
+      <dgm:prSet presAssocID="{64D33930-0BC8-4AC5-8490-0AD3A9762C5D}" presName="parentText" presStyleLbl="node1" presStyleIdx="3" presStyleCnt="5">
+        <dgm:presLayoutVars>
+          <dgm:chMax val="0"/>
+          <dgm:bulletEnabled val="1"/>
+        </dgm:presLayoutVars>
+      </dgm:prSet>
+      <dgm:spPr/>
+    </dgm:pt>
+    <dgm:pt modelId="{756D783C-077A-40C8-8A99-2B58F0D50042}" type="pres">
+      <dgm:prSet presAssocID="{983B83DA-FC24-499B-9E2B-17CDA061C260}" presName="spacer" presStyleCnt="0"/>
+      <dgm:spPr/>
+    </dgm:pt>
+    <dgm:pt modelId="{4D843B81-431E-4829-9E03-521C00A76FD2}" type="pres">
+      <dgm:prSet presAssocID="{B37C91EB-9FCC-4E01-B940-3E9D92484C6D}" presName="parentText" presStyleLbl="node1" presStyleIdx="4" presStyleCnt="5">
+        <dgm:presLayoutVars>
+          <dgm:chMax val="0"/>
+          <dgm:bulletEnabled val="1"/>
+        </dgm:presLayoutVars>
+      </dgm:prSet>
+      <dgm:spPr/>
+    </dgm:pt>
+  </dgm:ptLst>
+  <dgm:cxnLst>
+    <dgm:cxn modelId="{B8147200-7F1D-437F-8F7A-66B3B4272B3F}" type="presOf" srcId="{871DBBC0-5C02-42CD-9E80-91D0DE976C8E}" destId="{E7753C57-A5F5-46E1-B7BB-82581E003E85}" srcOrd="0" destOrd="1" presId="urn:microsoft.com/office/officeart/2005/8/layout/vList2"/>
+    <dgm:cxn modelId="{7833CA04-16BB-46D1-8B5F-259F1602A19F}" srcId="{76B3B042-5773-4AF0-A342-03BD63583AE1}" destId="{637A78A2-5937-4FFB-9D4D-653846F4F401}" srcOrd="1" destOrd="0" parTransId="{326A3761-38CF-430A-823F-835DB6D9D681}" sibTransId="{D9BCB6D1-8F0A-4413-806C-CF398451F3E3}"/>
+    <dgm:cxn modelId="{8F74EB13-1DC6-4730-BD88-3EFC93851120}" type="presOf" srcId="{6540920B-2C4F-43B4-89AD-64EEC6019ED2}" destId="{7D5199FE-9749-49EF-9B5C-676307B6D65D}" srcOrd="0" destOrd="0" presId="urn:microsoft.com/office/officeart/2005/8/layout/vList2"/>
+    <dgm:cxn modelId="{B6B22C22-4C47-4ACC-927D-7868A0BE8D14}" srcId="{2946E55A-32BE-49E8-B556-ED036734050F}" destId="{3964F9BA-4FF7-40BE-8120-77511C7AF0BF}" srcOrd="0" destOrd="0" parTransId="{17F806FC-E47D-4C25-8BAA-12601E84478E}" sibTransId="{E6DECC28-ADCA-46D0-AB34-D401A8CAA11B}"/>
+    <dgm:cxn modelId="{E4C4C425-C11C-4398-900F-D51AA5D17E08}" srcId="{6540920B-2C4F-43B4-89AD-64EEC6019ED2}" destId="{A9D25BD0-BE09-4345-BADE-D4F2B24CCE15}" srcOrd="2" destOrd="0" parTransId="{4DD442C8-D1CC-4724-974D-833E6852A84E}" sibTransId="{AEFA25C7-5D27-45F1-9593-A65F3B64ADB9}"/>
+    <dgm:cxn modelId="{06A7372E-6D04-4029-B30D-09E0C0497742}" srcId="{A9D25BD0-BE09-4345-BADE-D4F2B24CCE15}" destId="{7F438570-B1D3-4200-A192-AF8BDAD44F69}" srcOrd="0" destOrd="0" parTransId="{1D0A2C0D-ADCD-45A3-AE3A-164C719F0922}" sibTransId="{2A337360-18E4-4101-9C2E-D9303CF8752A}"/>
+    <dgm:cxn modelId="{EFE01564-6DB9-4BC6-8964-EFCEE4CE1F99}" type="presOf" srcId="{2946E55A-32BE-49E8-B556-ED036734050F}" destId="{D0B18191-AC71-49BF-98CD-1E93E2ABEF4C}" srcOrd="0" destOrd="0" presId="urn:microsoft.com/office/officeart/2005/8/layout/vList2"/>
+    <dgm:cxn modelId="{A0584668-E5D7-46AA-99CE-52F59A921508}" srcId="{76B3B042-5773-4AF0-A342-03BD63583AE1}" destId="{076924B9-43A7-4A09-A0A0-51577E02992A}" srcOrd="0" destOrd="0" parTransId="{D89B5B6B-BBB9-4D9B-AF87-249D01D07956}" sibTransId="{6FDEDA38-CC46-422E-A22D-E692CF57B8D2}"/>
+    <dgm:cxn modelId="{329B2D8D-9983-4F7F-804F-6A886C19DDA2}" srcId="{6540920B-2C4F-43B4-89AD-64EEC6019ED2}" destId="{2946E55A-32BE-49E8-B556-ED036734050F}" srcOrd="0" destOrd="0" parTransId="{EA755BDB-65F6-4BFF-8D2D-9EB7DD41FF8F}" sibTransId="{4FFCA6CC-1E83-4DF3-9B27-D7CDE4CD4CC7}"/>
+    <dgm:cxn modelId="{AE339C98-3F15-457F-AD19-5CB2BE7C2032}" type="presOf" srcId="{76B3B042-5773-4AF0-A342-03BD63583AE1}" destId="{AD3DC3D7-B755-496C-B049-673782A48B7E}" srcOrd="0" destOrd="0" presId="urn:microsoft.com/office/officeart/2005/8/layout/vList2"/>
+    <dgm:cxn modelId="{FA9230AE-4B66-45B8-9A78-382604010462}" type="presOf" srcId="{B37C91EB-9FCC-4E01-B940-3E9D92484C6D}" destId="{4D843B81-431E-4829-9E03-521C00A76FD2}" srcOrd="0" destOrd="0" presId="urn:microsoft.com/office/officeart/2005/8/layout/vList2"/>
+    <dgm:cxn modelId="{BCEF1FBC-EEF5-4D17-B2FE-9F83530FC9D1}" type="presOf" srcId="{64D33930-0BC8-4AC5-8490-0AD3A9762C5D}" destId="{4DCA75EA-7FE7-4098-A98C-5F17DD83CF52}" srcOrd="0" destOrd="0" presId="urn:microsoft.com/office/officeart/2005/8/layout/vList2"/>
+    <dgm:cxn modelId="{E76F66C9-3EA6-4F9F-93D5-EB51749100DC}" type="presOf" srcId="{A9D25BD0-BE09-4345-BADE-D4F2B24CCE15}" destId="{00D08612-0E1E-47DC-8CA9-705E272E1D3D}" srcOrd="0" destOrd="0" presId="urn:microsoft.com/office/officeart/2005/8/layout/vList2"/>
+    <dgm:cxn modelId="{3E9D25D8-FB57-437E-B23C-56D4E25EAB69}" type="presOf" srcId="{7F438570-B1D3-4200-A192-AF8BDAD44F69}" destId="{E0A24385-0B6B-4B50-BE74-56A56D95DC41}" srcOrd="0" destOrd="0" presId="urn:microsoft.com/office/officeart/2005/8/layout/vList2"/>
+    <dgm:cxn modelId="{BC5865D9-28E2-4855-A1F5-28EF2B6A834E}" srcId="{6540920B-2C4F-43B4-89AD-64EEC6019ED2}" destId="{76B3B042-5773-4AF0-A342-03BD63583AE1}" srcOrd="1" destOrd="0" parTransId="{A36F6669-AD87-46CE-9AB1-E58B8B67CE26}" sibTransId="{0EBFAFB6-67BA-4D31-A1F8-D53B5916C74B}"/>
+    <dgm:cxn modelId="{0C7F89D9-9D00-4EDF-8BA7-A27752D7AD7E}" srcId="{2946E55A-32BE-49E8-B556-ED036734050F}" destId="{871DBBC0-5C02-42CD-9E80-91D0DE976C8E}" srcOrd="1" destOrd="0" parTransId="{5D1DF68D-ECF1-435B-B687-3E2A5E695C2C}" sibTransId="{AAABE9F4-B57C-45B3-BDFA-761691D68588}"/>
+    <dgm:cxn modelId="{F29E8DDC-C4D3-49BF-B149-A63D6B5618F7}" type="presOf" srcId="{3964F9BA-4FF7-40BE-8120-77511C7AF0BF}" destId="{E7753C57-A5F5-46E1-B7BB-82581E003E85}" srcOrd="0" destOrd="0" presId="urn:microsoft.com/office/officeart/2005/8/layout/vList2"/>
+    <dgm:cxn modelId="{32FF9AE1-0658-4361-BC86-C2723E3EA388}" type="presOf" srcId="{076924B9-43A7-4A09-A0A0-51577E02992A}" destId="{F4979A52-6910-4680-A30D-AF6E5F6F6BEB}" srcOrd="0" destOrd="0" presId="urn:microsoft.com/office/officeart/2005/8/layout/vList2"/>
+    <dgm:cxn modelId="{886E43E6-E963-4A1C-848E-203D2D45C9ED}" type="presOf" srcId="{4D6F902A-E4D3-48AC-87E4-5E2A16685C7B}" destId="{E0A24385-0B6B-4B50-BE74-56A56D95DC41}" srcOrd="0" destOrd="1" presId="urn:microsoft.com/office/officeart/2005/8/layout/vList2"/>
+    <dgm:cxn modelId="{E1FAEFE8-26D0-42F5-99ED-63669657323C}" srcId="{6540920B-2C4F-43B4-89AD-64EEC6019ED2}" destId="{B37C91EB-9FCC-4E01-B940-3E9D92484C6D}" srcOrd="4" destOrd="0" parTransId="{4C4C1DED-94D8-4B02-B778-D16D6D798797}" sibTransId="{9323958A-F5EF-44B8-AF11-5E1B42105D70}"/>
+    <dgm:cxn modelId="{0C1162EB-B8D2-47CC-8CB9-79CE6BF681AC}" type="presOf" srcId="{637A78A2-5937-4FFB-9D4D-653846F4F401}" destId="{F4979A52-6910-4680-A30D-AF6E5F6F6BEB}" srcOrd="0" destOrd="1" presId="urn:microsoft.com/office/officeart/2005/8/layout/vList2"/>
+    <dgm:cxn modelId="{D72C74F1-A0DC-4835-B2D5-8B2E31336AD3}" srcId="{A9D25BD0-BE09-4345-BADE-D4F2B24CCE15}" destId="{4D6F902A-E4D3-48AC-87E4-5E2A16685C7B}" srcOrd="1" destOrd="0" parTransId="{A63E84C0-9C6E-4EEE-AD57-58879E907ED7}" sibTransId="{D260CFE3-4206-445A-8836-FE991D38A8D8}"/>
+    <dgm:cxn modelId="{C22C03F9-38DF-4E17-9141-DED01C4464E8}" srcId="{6540920B-2C4F-43B4-89AD-64EEC6019ED2}" destId="{64D33930-0BC8-4AC5-8490-0AD3A9762C5D}" srcOrd="3" destOrd="0" parTransId="{02295F83-E2FD-4CBB-88E9-C60E51A42603}" sibTransId="{983B83DA-FC24-499B-9E2B-17CDA061C260}"/>
+    <dgm:cxn modelId="{437B8931-FEF9-492E-9EE0-108CB0EED03D}" type="presParOf" srcId="{7D5199FE-9749-49EF-9B5C-676307B6D65D}" destId="{D0B18191-AC71-49BF-98CD-1E93E2ABEF4C}" srcOrd="0" destOrd="0" presId="urn:microsoft.com/office/officeart/2005/8/layout/vList2"/>
+    <dgm:cxn modelId="{6D1FAB75-3424-4530-A114-78F1624F22DE}" type="presParOf" srcId="{7D5199FE-9749-49EF-9B5C-676307B6D65D}" destId="{E7753C57-A5F5-46E1-B7BB-82581E003E85}" srcOrd="1" destOrd="0" presId="urn:microsoft.com/office/officeart/2005/8/layout/vList2"/>
+    <dgm:cxn modelId="{542D38C8-8A30-421A-96D3-DA3DF50BE764}" type="presParOf" srcId="{7D5199FE-9749-49EF-9B5C-676307B6D65D}" destId="{AD3DC3D7-B755-496C-B049-673782A48B7E}" srcOrd="2" destOrd="0" presId="urn:microsoft.com/office/officeart/2005/8/layout/vList2"/>
+    <dgm:cxn modelId="{C4F384B3-5A51-4B2D-81EB-E4BE1783D3AE}" type="presParOf" srcId="{7D5199FE-9749-49EF-9B5C-676307B6D65D}" destId="{F4979A52-6910-4680-A30D-AF6E5F6F6BEB}" srcOrd="3" destOrd="0" presId="urn:microsoft.com/office/officeart/2005/8/layout/vList2"/>
+    <dgm:cxn modelId="{17F0E1BB-C9B1-461A-BAD5-E7864F675FBA}" type="presParOf" srcId="{7D5199FE-9749-49EF-9B5C-676307B6D65D}" destId="{00D08612-0E1E-47DC-8CA9-705E272E1D3D}" srcOrd="4" destOrd="0" presId="urn:microsoft.com/office/officeart/2005/8/layout/vList2"/>
+    <dgm:cxn modelId="{6E1DBFE7-D3A4-40BE-9CF6-984A9A4E4982}" type="presParOf" srcId="{7D5199FE-9749-49EF-9B5C-676307B6D65D}" destId="{E0A24385-0B6B-4B50-BE74-56A56D95DC41}" srcOrd="5" destOrd="0" presId="urn:microsoft.com/office/officeart/2005/8/layout/vList2"/>
+    <dgm:cxn modelId="{776BC91C-1274-45FE-A90A-B1C8993BDD8D}" type="presParOf" srcId="{7D5199FE-9749-49EF-9B5C-676307B6D65D}" destId="{4DCA75EA-7FE7-4098-A98C-5F17DD83CF52}" srcOrd="6" destOrd="0" presId="urn:microsoft.com/office/officeart/2005/8/layout/vList2"/>
+    <dgm:cxn modelId="{3726E3F1-F73F-499F-B655-88D534EE202B}" type="presParOf" srcId="{7D5199FE-9749-49EF-9B5C-676307B6D65D}" destId="{756D783C-077A-40C8-8A99-2B58F0D50042}" srcOrd="7" destOrd="0" presId="urn:microsoft.com/office/officeart/2005/8/layout/vList2"/>
+    <dgm:cxn modelId="{11460C99-2352-4777-9D6E-9729BEA45251}" type="presParOf" srcId="{7D5199FE-9749-49EF-9B5C-676307B6D65D}" destId="{4D843B81-431E-4829-9E03-521C00A76FD2}" srcOrd="8" destOrd="0" presId="urn:microsoft.com/office/officeart/2005/8/layout/vList2"/>
+  </dgm:cxnLst>
+  <dgm:bg/>
+  <dgm:whole/>
+  <dgm:extLst>
+    <a:ext uri="http://schemas.microsoft.com/office/drawing/2008/diagram">
+      <dsp:dataModelExt xmlns:dsp="http://schemas.microsoft.com/office/drawing/2008/diagram" relId="rId7" minVer="http://schemas.openxmlformats.org/drawingml/2006/diagram"/>
+    </a:ext>
+  </dgm:extLst>
+</dgm:dataModel>
+</file>
+
+<file path=ppt/diagrams/drawing1.xml><?xml version="1.0" encoding="utf-8"?>
+<dsp:drawing xmlns:dgm="http://schemas.openxmlformats.org/drawingml/2006/diagram" xmlns:dsp="http://schemas.microsoft.com/office/drawing/2008/diagram" xmlns:a="http://schemas.openxmlformats.org/drawingml/2006/main">
+  <dsp:spTree>
+    <dsp:nvGrpSpPr>
+      <dsp:cNvPr id="0" name=""/>
+      <dsp:cNvGrpSpPr/>
+    </dsp:nvGrpSpPr>
+    <dsp:grpSpPr/>
+    <dsp:sp modelId="{383E267F-95CC-4401-A58C-E0EC89931806}">
+      <dsp:nvSpPr>
+        <dsp:cNvPr id="0" name=""/>
+        <dsp:cNvSpPr/>
+      </dsp:nvSpPr>
+      <dsp:spPr>
+        <a:xfrm>
+          <a:off x="0" y="14285"/>
+          <a:ext cx="10361174" cy="861120"/>
+        </a:xfrm>
+        <a:prstGeom prst="roundRect">
+          <a:avLst/>
+        </a:prstGeom>
+        <a:solidFill>
+          <a:schemeClr val="lt1">
+            <a:hueOff val="0"/>
+            <a:satOff val="0"/>
+            <a:lumOff val="0"/>
+            <a:alphaOff val="0"/>
+          </a:schemeClr>
+        </a:solidFill>
+        <a:ln w="25400" cap="flat" cmpd="sng" algn="ctr">
+          <a:solidFill>
+            <a:schemeClr val="accent5">
+              <a:shade val="80000"/>
+              <a:hueOff val="0"/>
+              <a:satOff val="0"/>
+              <a:lumOff val="0"/>
+              <a:alphaOff val="0"/>
+            </a:schemeClr>
+          </a:solidFill>
+          <a:prstDash val="solid"/>
+        </a:ln>
+        <a:effectLst/>
+      </dsp:spPr>
+      <dsp:style>
+        <a:lnRef idx="2">
+          <a:scrgbClr r="0" g="0" b="0"/>
+        </a:lnRef>
+        <a:fillRef idx="1">
+          <a:scrgbClr r="0" g="0" b="0"/>
+        </a:fillRef>
+        <a:effectRef idx="0">
+          <a:scrgbClr r="0" g="0" b="0"/>
+        </a:effectRef>
+        <a:fontRef idx="minor">
+          <a:schemeClr val="lt1"/>
+        </a:fontRef>
+      </dsp:style>
+      <dsp:txBody>
+        <a:bodyPr spcFirstLastPara="0" vert="horz" wrap="square" lIns="106680" tIns="106680" rIns="106680" bIns="106680" numCol="1" spcCol="1270" anchor="ctr" anchorCtr="0">
+          <a:noAutofit/>
+        </a:bodyPr>
+        <a:lstStyle/>
+        <a:p>
+          <a:pPr marL="0" lvl="0" indent="0" algn="l" defTabSz="1244600">
+            <a:lnSpc>
+              <a:spcPct val="90000"/>
+            </a:lnSpc>
+            <a:spcBef>
+              <a:spcPct val="0"/>
+            </a:spcBef>
+            <a:spcAft>
+              <a:spcPct val="35000"/>
+            </a:spcAft>
+            <a:buNone/>
+          </a:pPr>
+          <a:r>
+            <a:rPr lang="en-US" sz="2800" kern="1200"/>
+            <a:t>Existing cached plans</a:t>
+          </a:r>
+          <a:endParaRPr lang="en-US" sz="2800" kern="1200" dirty="0"/>
+        </a:p>
+      </dsp:txBody>
+      <dsp:txXfrm>
+        <a:off x="42036" y="56321"/>
+        <a:ext cx="10277102" cy="777048"/>
+      </dsp:txXfrm>
+    </dsp:sp>
+    <dsp:sp modelId="{9A838641-2AEE-4343-B963-978EFC13AE38}">
+      <dsp:nvSpPr>
+        <dsp:cNvPr id="0" name=""/>
+        <dsp:cNvSpPr/>
+      </dsp:nvSpPr>
+      <dsp:spPr>
+        <a:xfrm>
+          <a:off x="0" y="1007885"/>
+          <a:ext cx="10361174" cy="861120"/>
+        </a:xfrm>
+        <a:prstGeom prst="roundRect">
+          <a:avLst/>
+        </a:prstGeom>
+        <a:solidFill>
+          <a:schemeClr val="lt1">
+            <a:hueOff val="0"/>
+            <a:satOff val="0"/>
+            <a:lumOff val="0"/>
+            <a:alphaOff val="0"/>
+          </a:schemeClr>
+        </a:solidFill>
+        <a:ln w="25400" cap="flat" cmpd="sng" algn="ctr">
+          <a:solidFill>
+            <a:schemeClr val="accent5">
+              <a:shade val="80000"/>
+              <a:hueOff val="0"/>
+              <a:satOff val="0"/>
+              <a:lumOff val="0"/>
+              <a:alphaOff val="0"/>
+            </a:schemeClr>
+          </a:solidFill>
+          <a:prstDash val="solid"/>
+        </a:ln>
+        <a:effectLst/>
+      </dsp:spPr>
+      <dsp:style>
+        <a:lnRef idx="2">
+          <a:scrgbClr r="0" g="0" b="0"/>
+        </a:lnRef>
+        <a:fillRef idx="1">
+          <a:scrgbClr r="0" g="0" b="0"/>
+        </a:fillRef>
+        <a:effectRef idx="0">
+          <a:scrgbClr r="0" g="0" b="0"/>
+        </a:effectRef>
+        <a:fontRef idx="minor">
+          <a:schemeClr val="lt1"/>
+        </a:fontRef>
+      </dsp:style>
+      <dsp:txBody>
+        <a:bodyPr spcFirstLastPara="0" vert="horz" wrap="square" lIns="106680" tIns="106680" rIns="106680" bIns="106680" numCol="1" spcCol="1270" anchor="ctr" anchorCtr="0">
+          <a:noAutofit/>
+        </a:bodyPr>
+        <a:lstStyle/>
+        <a:p>
+          <a:pPr marL="0" lvl="0" indent="0" algn="l" defTabSz="1244600">
+            <a:lnSpc>
+              <a:spcPct val="90000"/>
+            </a:lnSpc>
+            <a:spcBef>
+              <a:spcPct val="0"/>
+            </a:spcBef>
+            <a:spcAft>
+              <a:spcPct val="35000"/>
+            </a:spcAft>
+            <a:buNone/>
+          </a:pPr>
+          <a:r>
+            <a:rPr lang="en-US" sz="2800" kern="1200" dirty="0"/>
+            <a:t>U</a:t>
+          </a:r>
+          <a:r>
+            <a:rPr lang="en-US" sz="2800" b="0" i="0" kern="1200" dirty="0"/>
+            <a:t>ser permissions are checked</a:t>
+          </a:r>
+          <a:endParaRPr lang="en-US" sz="2800" kern="1200" dirty="0"/>
+        </a:p>
+      </dsp:txBody>
+      <dsp:txXfrm>
+        <a:off x="42036" y="1049921"/>
+        <a:ext cx="10277102" cy="777048"/>
+      </dsp:txXfrm>
+    </dsp:sp>
+    <dsp:sp modelId="{7857B639-65CC-486C-8EFD-A918198FC586}">
+      <dsp:nvSpPr>
+        <dsp:cNvPr id="0" name=""/>
+        <dsp:cNvSpPr/>
+      </dsp:nvSpPr>
+      <dsp:spPr>
+        <a:xfrm>
+          <a:off x="0" y="2001485"/>
+          <a:ext cx="10361174" cy="861120"/>
+        </a:xfrm>
+        <a:prstGeom prst="roundRect">
+          <a:avLst/>
+        </a:prstGeom>
+        <a:solidFill>
+          <a:schemeClr val="lt1">
+            <a:hueOff val="0"/>
+            <a:satOff val="0"/>
+            <a:lumOff val="0"/>
+            <a:alphaOff val="0"/>
+          </a:schemeClr>
+        </a:solidFill>
+        <a:ln w="25400" cap="flat" cmpd="sng" algn="ctr">
+          <a:solidFill>
+            <a:schemeClr val="accent5">
+              <a:shade val="80000"/>
+              <a:hueOff val="0"/>
+              <a:satOff val="0"/>
+              <a:lumOff val="0"/>
+              <a:alphaOff val="0"/>
+            </a:schemeClr>
+          </a:solidFill>
+          <a:prstDash val="solid"/>
+        </a:ln>
+        <a:effectLst/>
+      </dsp:spPr>
+      <dsp:style>
+        <a:lnRef idx="2">
+          <a:scrgbClr r="0" g="0" b="0"/>
+        </a:lnRef>
+        <a:fillRef idx="1">
+          <a:scrgbClr r="0" g="0" b="0"/>
+        </a:fillRef>
+        <a:effectRef idx="0">
+          <a:scrgbClr r="0" g="0" b="0"/>
+        </a:effectRef>
+        <a:fontRef idx="minor">
+          <a:schemeClr val="lt1"/>
+        </a:fontRef>
+      </dsp:style>
+      <dsp:txBody>
+        <a:bodyPr spcFirstLastPara="0" vert="horz" wrap="square" lIns="106680" tIns="106680" rIns="106680" bIns="106680" numCol="1" spcCol="1270" anchor="ctr" anchorCtr="0">
+          <a:noAutofit/>
+        </a:bodyPr>
+        <a:lstStyle/>
+        <a:p>
+          <a:pPr marL="0" lvl="0" indent="0" algn="l" defTabSz="1244600">
+            <a:lnSpc>
+              <a:spcPct val="90000"/>
+            </a:lnSpc>
+            <a:spcBef>
+              <a:spcPct val="0"/>
+            </a:spcBef>
+            <a:spcAft>
+              <a:spcPct val="35000"/>
+            </a:spcAft>
+            <a:buNone/>
+          </a:pPr>
+          <a:r>
+            <a:rPr lang="en-US" sz="2800" b="0" i="0" kern="1200" dirty="0"/>
+            <a:t>Object names (Tables, Views, Columns, etc.) to see if they exist. </a:t>
+          </a:r>
+          <a:endParaRPr lang="en-US" sz="2800" kern="1200" dirty="0"/>
+        </a:p>
+      </dsp:txBody>
+      <dsp:txXfrm>
+        <a:off x="42036" y="2043521"/>
+        <a:ext cx="10277102" cy="777048"/>
+      </dsp:txXfrm>
+    </dsp:sp>
+    <dsp:sp modelId="{524A67A9-B79C-4B23-9404-C87D61A30585}">
+      <dsp:nvSpPr>
+        <dsp:cNvPr id="0" name=""/>
+        <dsp:cNvSpPr/>
+      </dsp:nvSpPr>
+      <dsp:spPr>
+        <a:xfrm>
+          <a:off x="0" y="2995086"/>
+          <a:ext cx="10361174" cy="861120"/>
+        </a:xfrm>
+        <a:prstGeom prst="roundRect">
+          <a:avLst/>
+        </a:prstGeom>
+        <a:solidFill>
+          <a:schemeClr val="lt1">
+            <a:hueOff val="0"/>
+            <a:satOff val="0"/>
+            <a:lumOff val="0"/>
+            <a:alphaOff val="0"/>
+          </a:schemeClr>
+        </a:solidFill>
+        <a:ln w="25400" cap="flat" cmpd="sng" algn="ctr">
+          <a:solidFill>
+            <a:schemeClr val="accent5">
+              <a:shade val="80000"/>
+              <a:hueOff val="0"/>
+              <a:satOff val="0"/>
+              <a:lumOff val="0"/>
+              <a:alphaOff val="0"/>
+            </a:schemeClr>
+          </a:solidFill>
+          <a:prstDash val="solid"/>
+        </a:ln>
+        <a:effectLst/>
+      </dsp:spPr>
+      <dsp:style>
+        <a:lnRef idx="2">
+          <a:scrgbClr r="0" g="0" b="0"/>
+        </a:lnRef>
+        <a:fillRef idx="1">
+          <a:scrgbClr r="0" g="0" b="0"/>
+        </a:fillRef>
+        <a:effectRef idx="0">
+          <a:scrgbClr r="0" g="0" b="0"/>
+        </a:effectRef>
+        <a:fontRef idx="minor">
+          <a:schemeClr val="lt1"/>
+        </a:fontRef>
+      </dsp:style>
+      <dsp:txBody>
+        <a:bodyPr spcFirstLastPara="0" vert="horz" wrap="square" lIns="106680" tIns="106680" rIns="106680" bIns="106680" numCol="1" spcCol="1270" anchor="ctr" anchorCtr="0">
+          <a:noAutofit/>
+        </a:bodyPr>
+        <a:lstStyle/>
+        <a:p>
+          <a:pPr marL="0" lvl="0" indent="0" algn="l" defTabSz="1244600">
+            <a:lnSpc>
+              <a:spcPct val="90000"/>
+            </a:lnSpc>
+            <a:spcBef>
+              <a:spcPct val="0"/>
+            </a:spcBef>
+            <a:spcAft>
+              <a:spcPct val="35000"/>
+            </a:spcAft>
+            <a:buNone/>
+          </a:pPr>
+          <a:r>
+            <a:rPr lang="en-US" sz="2800" b="0" i="0" kern="1200" dirty="0"/>
+            <a:t>Aliases of columns and tables</a:t>
+          </a:r>
+          <a:endParaRPr lang="en-US" sz="2800" kern="1200" dirty="0"/>
+        </a:p>
+      </dsp:txBody>
+      <dsp:txXfrm>
+        <a:off x="42036" y="3037122"/>
+        <a:ext cx="10277102" cy="777048"/>
+      </dsp:txXfrm>
+    </dsp:sp>
+    <dsp:sp modelId="{4542E025-F95B-427C-9891-4B9526118B82}">
+      <dsp:nvSpPr>
+        <dsp:cNvPr id="0" name=""/>
+        <dsp:cNvSpPr/>
+      </dsp:nvSpPr>
+      <dsp:spPr>
+        <a:xfrm>
+          <a:off x="0" y="3988686"/>
+          <a:ext cx="10361174" cy="861120"/>
+        </a:xfrm>
+        <a:prstGeom prst="roundRect">
+          <a:avLst/>
+        </a:prstGeom>
+        <a:solidFill>
+          <a:schemeClr val="lt1">
+            <a:hueOff val="0"/>
+            <a:satOff val="0"/>
+            <a:lumOff val="0"/>
+            <a:alphaOff val="0"/>
+          </a:schemeClr>
+        </a:solidFill>
+        <a:ln w="25400" cap="flat" cmpd="sng" algn="ctr">
+          <a:solidFill>
+            <a:schemeClr val="accent5">
+              <a:shade val="80000"/>
+              <a:hueOff val="0"/>
+              <a:satOff val="0"/>
+              <a:lumOff val="0"/>
+              <a:alphaOff val="0"/>
+            </a:schemeClr>
+          </a:solidFill>
+          <a:prstDash val="solid"/>
+        </a:ln>
+        <a:effectLst/>
+      </dsp:spPr>
+      <dsp:style>
+        <a:lnRef idx="2">
+          <a:scrgbClr r="0" g="0" b="0"/>
+        </a:lnRef>
+        <a:fillRef idx="1">
+          <a:scrgbClr r="0" g="0" b="0"/>
+        </a:fillRef>
+        <a:effectRef idx="0">
+          <a:scrgbClr r="0" g="0" b="0"/>
+        </a:effectRef>
+        <a:fontRef idx="minor">
+          <a:schemeClr val="lt1"/>
+        </a:fontRef>
+      </dsp:style>
+      <dsp:txBody>
+        <a:bodyPr spcFirstLastPara="0" vert="horz" wrap="square" lIns="106680" tIns="106680" rIns="106680" bIns="106680" numCol="1" spcCol="1270" anchor="ctr" anchorCtr="0">
+          <a:noAutofit/>
+        </a:bodyPr>
+        <a:lstStyle/>
+        <a:p>
+          <a:pPr marL="0" lvl="0" indent="0" algn="l" defTabSz="1244600">
+            <a:lnSpc>
+              <a:spcPct val="90000"/>
+            </a:lnSpc>
+            <a:spcBef>
+              <a:spcPct val="0"/>
+            </a:spcBef>
+            <a:spcAft>
+              <a:spcPct val="35000"/>
+            </a:spcAft>
+            <a:buNone/>
+          </a:pPr>
+          <a:r>
+            <a:rPr lang="en-US" sz="2800" kern="1200" dirty="0"/>
+            <a:t>D</a:t>
+          </a:r>
+          <a:r>
+            <a:rPr lang="en-US" sz="2800" b="0" i="0" kern="1200" dirty="0"/>
+            <a:t>ata types and performs </a:t>
+          </a:r>
+          <a:r>
+            <a:rPr lang="en-US" sz="2800" b="0" i="0" u="none" kern="1200" dirty="0"/>
+            <a:t>implicit data type conversions. </a:t>
+          </a:r>
+          <a:endParaRPr lang="en-US" sz="2800" b="0" u="none" kern="1200" dirty="0"/>
+        </a:p>
+      </dsp:txBody>
+      <dsp:txXfrm>
+        <a:off x="42036" y="4030722"/>
+        <a:ext cx="10277102" cy="777048"/>
+      </dsp:txXfrm>
+    </dsp:sp>
+  </dsp:spTree>
+</dsp:drawing>
+</file>
+
+<file path=ppt/diagrams/drawing2.xml><?xml version="1.0" encoding="utf-8"?>
+<dsp:drawing xmlns:dgm="http://schemas.openxmlformats.org/drawingml/2006/diagram" xmlns:dsp="http://schemas.microsoft.com/office/drawing/2008/diagram" xmlns:a="http://schemas.openxmlformats.org/drawingml/2006/main">
+  <dsp:spTree>
+    <dsp:nvGrpSpPr>
+      <dsp:cNvPr id="0" name=""/>
+      <dsp:cNvGrpSpPr/>
+    </dsp:nvGrpSpPr>
+    <dsp:grpSpPr/>
+    <dsp:sp modelId="{D0B18191-AC71-49BF-98CD-1E93E2ABEF4C}">
+      <dsp:nvSpPr>
+        <dsp:cNvPr id="0" name=""/>
+        <dsp:cNvSpPr/>
+      </dsp:nvSpPr>
+      <dsp:spPr>
+        <a:xfrm>
+          <a:off x="0" y="55562"/>
+          <a:ext cx="9500839" cy="599040"/>
+        </a:xfrm>
+        <a:prstGeom prst="roundRect">
+          <a:avLst/>
+        </a:prstGeom>
+        <a:solidFill>
+          <a:schemeClr val="accent5">
+            <a:hueOff val="0"/>
+            <a:satOff val="0"/>
+            <a:lumOff val="0"/>
+            <a:alphaOff val="0"/>
+          </a:schemeClr>
+        </a:solidFill>
+        <a:ln w="25400" cap="flat" cmpd="sng" algn="ctr">
+          <a:solidFill>
+            <a:schemeClr val="lt1">
+              <a:hueOff val="0"/>
+              <a:satOff val="0"/>
+              <a:lumOff val="0"/>
+              <a:alphaOff val="0"/>
+            </a:schemeClr>
+          </a:solidFill>
+          <a:prstDash val="solid"/>
+        </a:ln>
+        <a:effectLst/>
+      </dsp:spPr>
+      <dsp:style>
+        <a:lnRef idx="2">
+          <a:scrgbClr r="0" g="0" b="0"/>
+        </a:lnRef>
+        <a:fillRef idx="1">
+          <a:scrgbClr r="0" g="0" b="0"/>
+        </a:fillRef>
+        <a:effectRef idx="0">
+          <a:scrgbClr r="0" g="0" b="0"/>
+        </a:effectRef>
+        <a:fontRef idx="minor">
+          <a:schemeClr val="lt1"/>
+        </a:fontRef>
+      </dsp:style>
+      <dsp:txBody>
+        <a:bodyPr spcFirstLastPara="0" vert="horz" wrap="square" lIns="76200" tIns="76200" rIns="76200" bIns="76200" numCol="1" spcCol="1270" anchor="ctr" anchorCtr="0">
+          <a:noAutofit/>
+        </a:bodyPr>
+        <a:lstStyle/>
+        <a:p>
+          <a:pPr marL="0" lvl="0" indent="0" algn="l" defTabSz="889000">
+            <a:lnSpc>
+              <a:spcPct val="90000"/>
+            </a:lnSpc>
+            <a:spcBef>
+              <a:spcPct val="0"/>
+            </a:spcBef>
+            <a:spcAft>
+              <a:spcPct val="35000"/>
+            </a:spcAft>
+            <a:buNone/>
+          </a:pPr>
+          <a:r>
+            <a:rPr lang="en-US" sz="2000" kern="1200" dirty="0"/>
+            <a:t>Constant Folding: Expressions with constant values are reduced</a:t>
+          </a:r>
+        </a:p>
+      </dsp:txBody>
+      <dsp:txXfrm>
+        <a:off x="29243" y="84805"/>
+        <a:ext cx="9442353" cy="540554"/>
+      </dsp:txXfrm>
+    </dsp:sp>
+    <dsp:sp modelId="{E7753C57-A5F5-46E1-B7BB-82581E003E85}">
+      <dsp:nvSpPr>
+        <dsp:cNvPr id="0" name=""/>
+        <dsp:cNvSpPr/>
+      </dsp:nvSpPr>
+      <dsp:spPr>
+        <a:xfrm>
+          <a:off x="0" y="654602"/>
+          <a:ext cx="9500839" cy="728640"/>
+        </a:xfrm>
+        <a:prstGeom prst="rect">
+          <a:avLst/>
+        </a:prstGeom>
+        <a:noFill/>
+        <a:ln>
+          <a:noFill/>
+        </a:ln>
+        <a:effectLst/>
+      </dsp:spPr>
+      <dsp:style>
+        <a:lnRef idx="0">
+          <a:scrgbClr r="0" g="0" b="0"/>
+        </a:lnRef>
+        <a:fillRef idx="0">
+          <a:scrgbClr r="0" g="0" b="0"/>
+        </a:fillRef>
+        <a:effectRef idx="0">
+          <a:scrgbClr r="0" g="0" b="0"/>
+        </a:effectRef>
+        <a:fontRef idx="minor"/>
+      </dsp:style>
+      <dsp:txBody>
+        <a:bodyPr spcFirstLastPara="0" vert="horz" wrap="square" lIns="301652" tIns="25400" rIns="142240" bIns="25400" numCol="1" spcCol="1270" anchor="t" anchorCtr="0">
+          <a:noAutofit/>
+        </a:bodyPr>
+        <a:lstStyle/>
+        <a:p>
+          <a:pPr marL="228600" lvl="1" indent="-228600" algn="l" defTabSz="889000">
+            <a:lnSpc>
+              <a:spcPct val="90000"/>
+            </a:lnSpc>
+            <a:spcBef>
+              <a:spcPct val="0"/>
+            </a:spcBef>
+            <a:spcAft>
+              <a:spcPct val="20000"/>
+            </a:spcAft>
+            <a:buChar char="•"/>
+          </a:pPr>
+          <a:r>
+            <a:rPr lang="en-US" sz="2000" b="1" kern="1200" dirty="0"/>
+            <a:t>Quantity = 2 + 3 </a:t>
+          </a:r>
+          <a:r>
+            <a:rPr lang="en-US" sz="2000" kern="1200" dirty="0"/>
+            <a:t>becomes </a:t>
+          </a:r>
+          <a:r>
+            <a:rPr lang="en-US" sz="2000" b="1" kern="1200" dirty="0"/>
+            <a:t>Quantity =  5</a:t>
+          </a:r>
+          <a:endParaRPr lang="en-US" sz="2000" kern="1200" dirty="0"/>
+        </a:p>
+        <a:p>
+          <a:pPr marL="228600" lvl="1" indent="-228600" algn="l" defTabSz="889000">
+            <a:lnSpc>
+              <a:spcPct val="90000"/>
+            </a:lnSpc>
+            <a:spcBef>
+              <a:spcPct val="0"/>
+            </a:spcBef>
+            <a:spcAft>
+              <a:spcPct val="20000"/>
+            </a:spcAft>
+            <a:buChar char="•"/>
+          </a:pPr>
+          <a:r>
+            <a:rPr lang="en-US" sz="2000" b="1" kern="1200" dirty="0"/>
+            <a:t>10 &lt; 20 </a:t>
+          </a:r>
+          <a:r>
+            <a:rPr lang="en-US" sz="2000" kern="1200" dirty="0"/>
+            <a:t>becomes </a:t>
+          </a:r>
+          <a:r>
+            <a:rPr lang="en-US" sz="2000" b="1" kern="1200" dirty="0"/>
+            <a:t>True </a:t>
+          </a:r>
+          <a:endParaRPr lang="en-US" sz="2000" kern="1200" dirty="0"/>
+        </a:p>
+      </dsp:txBody>
+      <dsp:txXfrm>
+        <a:off x="0" y="654602"/>
+        <a:ext cx="9500839" cy="728640"/>
+      </dsp:txXfrm>
+    </dsp:sp>
+    <dsp:sp modelId="{AD3DC3D7-B755-496C-B049-673782A48B7E}">
+      <dsp:nvSpPr>
+        <dsp:cNvPr id="0" name=""/>
+        <dsp:cNvSpPr/>
+      </dsp:nvSpPr>
+      <dsp:spPr>
+        <a:xfrm>
+          <a:off x="0" y="1383242"/>
+          <a:ext cx="9500839" cy="599040"/>
+        </a:xfrm>
+        <a:prstGeom prst="roundRect">
+          <a:avLst/>
+        </a:prstGeom>
+        <a:solidFill>
+          <a:schemeClr val="accent5">
+            <a:hueOff val="0"/>
+            <a:satOff val="0"/>
+            <a:lumOff val="0"/>
+            <a:alphaOff val="0"/>
+          </a:schemeClr>
+        </a:solidFill>
+        <a:ln w="25400" cap="flat" cmpd="sng" algn="ctr">
+          <a:solidFill>
+            <a:schemeClr val="lt1">
+              <a:hueOff val="0"/>
+              <a:satOff val="0"/>
+              <a:lumOff val="0"/>
+              <a:alphaOff val="0"/>
+            </a:schemeClr>
+          </a:solidFill>
+          <a:prstDash val="solid"/>
+        </a:ln>
+        <a:effectLst/>
+      </dsp:spPr>
+      <dsp:style>
+        <a:lnRef idx="2">
+          <a:scrgbClr r="0" g="0" b="0"/>
+        </a:lnRef>
+        <a:fillRef idx="1">
+          <a:scrgbClr r="0" g="0" b="0"/>
+        </a:fillRef>
+        <a:effectRef idx="0">
+          <a:scrgbClr r="0" g="0" b="0"/>
+        </a:effectRef>
+        <a:fontRef idx="minor">
+          <a:schemeClr val="lt1"/>
+        </a:fontRef>
+      </dsp:style>
+      <dsp:txBody>
+        <a:bodyPr spcFirstLastPara="0" vert="horz" wrap="square" lIns="76200" tIns="76200" rIns="76200" bIns="76200" numCol="1" spcCol="1270" anchor="ctr" anchorCtr="0">
+          <a:noAutofit/>
+        </a:bodyPr>
+        <a:lstStyle/>
+        <a:p>
+          <a:pPr marL="0" lvl="0" indent="0" algn="l" defTabSz="889000">
+            <a:lnSpc>
+              <a:spcPct val="90000"/>
+            </a:lnSpc>
+            <a:spcBef>
+              <a:spcPct val="0"/>
+            </a:spcBef>
+            <a:spcAft>
+              <a:spcPct val="35000"/>
+            </a:spcAft>
+            <a:buNone/>
+          </a:pPr>
+          <a:r>
+            <a:rPr lang="en-US" sz="2000" kern="1200" dirty="0"/>
+            <a:t>Contradiction Detection: Removes criteria that doesn’t match table constraints</a:t>
+          </a:r>
+        </a:p>
+      </dsp:txBody>
+      <dsp:txXfrm>
+        <a:off x="29243" y="1412485"/>
+        <a:ext cx="9442353" cy="540554"/>
+      </dsp:txXfrm>
+    </dsp:sp>
+    <dsp:sp modelId="{F4979A52-6910-4680-A30D-AF6E5F6F6BEB}">
+      <dsp:nvSpPr>
+        <dsp:cNvPr id="0" name=""/>
+        <dsp:cNvSpPr/>
+      </dsp:nvSpPr>
+      <dsp:spPr>
+        <a:xfrm>
+          <a:off x="0" y="1982282"/>
+          <a:ext cx="9500839" cy="728640"/>
+        </a:xfrm>
+        <a:prstGeom prst="rect">
+          <a:avLst/>
+        </a:prstGeom>
+        <a:noFill/>
+        <a:ln>
+          <a:noFill/>
+        </a:ln>
+        <a:effectLst/>
+      </dsp:spPr>
+      <dsp:style>
+        <a:lnRef idx="0">
+          <a:scrgbClr r="0" g="0" b="0"/>
+        </a:lnRef>
+        <a:fillRef idx="0">
+          <a:scrgbClr r="0" g="0" b="0"/>
+        </a:fillRef>
+        <a:effectRef idx="0">
+          <a:scrgbClr r="0" g="0" b="0"/>
+        </a:effectRef>
+        <a:fontRef idx="minor"/>
+      </dsp:style>
+      <dsp:txBody>
+        <a:bodyPr spcFirstLastPara="0" vert="horz" wrap="square" lIns="301652" tIns="25400" rIns="142240" bIns="25400" numCol="1" spcCol="1270" anchor="t" anchorCtr="0">
+          <a:noAutofit/>
+        </a:bodyPr>
+        <a:lstStyle/>
+        <a:p>
+          <a:pPr marL="228600" lvl="1" indent="-228600" algn="l" defTabSz="889000">
+            <a:lnSpc>
+              <a:spcPct val="90000"/>
+            </a:lnSpc>
+            <a:spcBef>
+              <a:spcPct val="0"/>
+            </a:spcBef>
+            <a:spcAft>
+              <a:spcPct val="20000"/>
+            </a:spcAft>
+            <a:buChar char="•"/>
+          </a:pPr>
+          <a:r>
+            <a:rPr lang="en-US" sz="2000" b="1" kern="1200" dirty="0"/>
+            <a:t>Constraint: </a:t>
+          </a:r>
+          <a:r>
+            <a:rPr lang="en-US" sz="2000" kern="1200" dirty="0"/>
+            <a:t>Age &gt; 18</a:t>
+          </a:r>
+        </a:p>
+        <a:p>
+          <a:pPr marL="228600" lvl="1" indent="-228600" algn="l" defTabSz="889000">
+            <a:lnSpc>
+              <a:spcPct val="90000"/>
+            </a:lnSpc>
+            <a:spcBef>
+              <a:spcPct val="0"/>
+            </a:spcBef>
+            <a:spcAft>
+              <a:spcPct val="20000"/>
+            </a:spcAft>
+            <a:buChar char="•"/>
+          </a:pPr>
+          <a:r>
+            <a:rPr lang="en-US" sz="2000" b="1" kern="1200" dirty="0"/>
+            <a:t>Contradiction: </a:t>
+          </a:r>
+          <a:r>
+            <a:rPr lang="en-US" sz="2000" kern="1200" dirty="0"/>
+            <a:t>WHERE Age &lt; 18</a:t>
+          </a:r>
+        </a:p>
+      </dsp:txBody>
+      <dsp:txXfrm>
+        <a:off x="0" y="1982282"/>
+        <a:ext cx="9500839" cy="728640"/>
+      </dsp:txXfrm>
+    </dsp:sp>
+    <dsp:sp modelId="{00D08612-0E1E-47DC-8CA9-705E272E1D3D}">
+      <dsp:nvSpPr>
+        <dsp:cNvPr id="0" name=""/>
+        <dsp:cNvSpPr/>
+      </dsp:nvSpPr>
+      <dsp:spPr>
+        <a:xfrm>
+          <a:off x="0" y="2710922"/>
+          <a:ext cx="9500839" cy="599040"/>
+        </a:xfrm>
+        <a:prstGeom prst="roundRect">
+          <a:avLst/>
+        </a:prstGeom>
+        <a:solidFill>
+          <a:schemeClr val="accent5">
+            <a:hueOff val="0"/>
+            <a:satOff val="0"/>
+            <a:lumOff val="0"/>
+            <a:alphaOff val="0"/>
+          </a:schemeClr>
+        </a:solidFill>
+        <a:ln w="25400" cap="flat" cmpd="sng" algn="ctr">
+          <a:solidFill>
+            <a:schemeClr val="lt1">
+              <a:hueOff val="0"/>
+              <a:satOff val="0"/>
+              <a:lumOff val="0"/>
+              <a:alphaOff val="0"/>
+            </a:schemeClr>
+          </a:solidFill>
+          <a:prstDash val="solid"/>
+        </a:ln>
+        <a:effectLst/>
+      </dsp:spPr>
+      <dsp:style>
+        <a:lnRef idx="2">
+          <a:scrgbClr r="0" g="0" b="0"/>
+        </a:lnRef>
+        <a:fillRef idx="1">
+          <a:scrgbClr r="0" g="0" b="0"/>
+        </a:fillRef>
+        <a:effectRef idx="0">
+          <a:scrgbClr r="0" g="0" b="0"/>
+        </a:effectRef>
+        <a:fontRef idx="minor">
+          <a:schemeClr val="lt1"/>
+        </a:fontRef>
+      </dsp:style>
+      <dsp:txBody>
+        <a:bodyPr spcFirstLastPara="0" vert="horz" wrap="square" lIns="76200" tIns="76200" rIns="76200" bIns="76200" numCol="1" spcCol="1270" anchor="ctr" anchorCtr="0">
+          <a:noAutofit/>
+        </a:bodyPr>
+        <a:lstStyle/>
+        <a:p>
+          <a:pPr marL="0" lvl="0" indent="0" algn="l" defTabSz="889000">
+            <a:lnSpc>
+              <a:spcPct val="90000"/>
+            </a:lnSpc>
+            <a:spcBef>
+              <a:spcPct val="0"/>
+            </a:spcBef>
+            <a:spcAft>
+              <a:spcPct val="35000"/>
+            </a:spcAft>
+            <a:buNone/>
+          </a:pPr>
+          <a:r>
+            <a:rPr lang="en-US" sz="2000" kern="1200" dirty="0"/>
+            <a:t>Domain Simplification: Reduces complex ranges to simple ranges</a:t>
+          </a:r>
+        </a:p>
+      </dsp:txBody>
+      <dsp:txXfrm>
+        <a:off x="29243" y="2740165"/>
+        <a:ext cx="9442353" cy="540554"/>
+      </dsp:txXfrm>
+    </dsp:sp>
+    <dsp:sp modelId="{E0A24385-0B6B-4B50-BE74-56A56D95DC41}">
+      <dsp:nvSpPr>
+        <dsp:cNvPr id="0" name=""/>
+        <dsp:cNvSpPr/>
+      </dsp:nvSpPr>
+      <dsp:spPr>
+        <a:xfrm>
+          <a:off x="0" y="3309962"/>
+          <a:ext cx="9500839" cy="728640"/>
+        </a:xfrm>
+        <a:prstGeom prst="rect">
+          <a:avLst/>
+        </a:prstGeom>
+        <a:noFill/>
+        <a:ln>
+          <a:noFill/>
+        </a:ln>
+        <a:effectLst/>
+      </dsp:spPr>
+      <dsp:style>
+        <a:lnRef idx="0">
+          <a:scrgbClr r="0" g="0" b="0"/>
+        </a:lnRef>
+        <a:fillRef idx="0">
+          <a:scrgbClr r="0" g="0" b="0"/>
+        </a:fillRef>
+        <a:effectRef idx="0">
+          <a:scrgbClr r="0" g="0" b="0"/>
+        </a:effectRef>
+        <a:fontRef idx="minor"/>
+      </dsp:style>
+      <dsp:txBody>
+        <a:bodyPr spcFirstLastPara="0" vert="horz" wrap="square" lIns="301652" tIns="25400" rIns="142240" bIns="25400" numCol="1" spcCol="1270" anchor="t" anchorCtr="0">
+          <a:noAutofit/>
+        </a:bodyPr>
+        <a:lstStyle/>
+        <a:p>
+          <a:pPr marL="228600" lvl="1" indent="-228600" algn="l" defTabSz="889000">
+            <a:lnSpc>
+              <a:spcPct val="90000"/>
+            </a:lnSpc>
+            <a:spcBef>
+              <a:spcPct val="0"/>
+            </a:spcBef>
+            <a:spcAft>
+              <a:spcPct val="20000"/>
+            </a:spcAft>
+            <a:buChar char="•"/>
+          </a:pPr>
+          <a:r>
+            <a:rPr lang="en-US" sz="2000" b="1" kern="1200" dirty="0"/>
+            <a:t>Complex range: </a:t>
+          </a:r>
+          <a:r>
+            <a:rPr lang="en-US" sz="2000" kern="1200" dirty="0"/>
+            <a:t>ID &gt; 10 and ID &lt; 20 or ID &gt; 30 and &lt; 50</a:t>
+          </a:r>
+        </a:p>
+        <a:p>
+          <a:pPr marL="228600" lvl="1" indent="-228600" algn="l" defTabSz="889000">
+            <a:lnSpc>
+              <a:spcPct val="90000"/>
+            </a:lnSpc>
+            <a:spcBef>
+              <a:spcPct val="0"/>
+            </a:spcBef>
+            <a:spcAft>
+              <a:spcPct val="20000"/>
+            </a:spcAft>
+            <a:buChar char="•"/>
+          </a:pPr>
+          <a:r>
+            <a:rPr lang="en-US" sz="2000" b="1" kern="1200" dirty="0"/>
+            <a:t>Simplified range: </a:t>
+          </a:r>
+          <a:r>
+            <a:rPr lang="en-US" sz="2000" kern="1200" dirty="0"/>
+            <a:t>ID &gt; 10 and &lt; 50</a:t>
+          </a:r>
+        </a:p>
+      </dsp:txBody>
+      <dsp:txXfrm>
+        <a:off x="0" y="3309962"/>
+        <a:ext cx="9500839" cy="728640"/>
+      </dsp:txXfrm>
+    </dsp:sp>
+    <dsp:sp modelId="{4DCA75EA-7FE7-4098-A98C-5F17DD83CF52}">
+      <dsp:nvSpPr>
+        <dsp:cNvPr id="0" name=""/>
+        <dsp:cNvSpPr/>
+      </dsp:nvSpPr>
+      <dsp:spPr>
+        <a:xfrm>
+          <a:off x="0" y="4038602"/>
+          <a:ext cx="9500839" cy="599040"/>
+        </a:xfrm>
+        <a:prstGeom prst="roundRect">
+          <a:avLst/>
+        </a:prstGeom>
+        <a:solidFill>
+          <a:schemeClr val="accent5">
+            <a:hueOff val="0"/>
+            <a:satOff val="0"/>
+            <a:lumOff val="0"/>
+            <a:alphaOff val="0"/>
+          </a:schemeClr>
+        </a:solidFill>
+        <a:ln w="25400" cap="flat" cmpd="sng" algn="ctr">
+          <a:solidFill>
+            <a:schemeClr val="lt1">
+              <a:hueOff val="0"/>
+              <a:satOff val="0"/>
+              <a:lumOff val="0"/>
+              <a:alphaOff val="0"/>
+            </a:schemeClr>
+          </a:solidFill>
+          <a:prstDash val="solid"/>
+        </a:ln>
+        <a:effectLst/>
+      </dsp:spPr>
+      <dsp:style>
+        <a:lnRef idx="2">
+          <a:scrgbClr r="0" g="0" b="0"/>
+        </a:lnRef>
+        <a:fillRef idx="1">
+          <a:scrgbClr r="0" g="0" b="0"/>
+        </a:fillRef>
+        <a:effectRef idx="0">
+          <a:scrgbClr r="0" g="0" b="0"/>
+        </a:effectRef>
+        <a:fontRef idx="minor">
+          <a:schemeClr val="lt1"/>
+        </a:fontRef>
+      </dsp:style>
+      <dsp:txBody>
+        <a:bodyPr spcFirstLastPara="0" vert="horz" wrap="square" lIns="76200" tIns="76200" rIns="76200" bIns="76200" numCol="1" spcCol="1270" anchor="ctr" anchorCtr="0">
+          <a:noAutofit/>
+        </a:bodyPr>
+        <a:lstStyle/>
+        <a:p>
+          <a:pPr marL="0" lvl="0" indent="0" algn="l" defTabSz="889000">
+            <a:lnSpc>
+              <a:spcPct val="90000"/>
+            </a:lnSpc>
+            <a:spcBef>
+              <a:spcPct val="0"/>
+            </a:spcBef>
+            <a:spcAft>
+              <a:spcPct val="35000"/>
+            </a:spcAft>
+            <a:buNone/>
+          </a:pPr>
+          <a:r>
+            <a:rPr lang="en-US" sz="2000" kern="1200" dirty="0"/>
+            <a:t>Join Simplification: Removes redundant joins that are not necessary</a:t>
+          </a:r>
+        </a:p>
+      </dsp:txBody>
+      <dsp:txXfrm>
+        <a:off x="29243" y="4067845"/>
+        <a:ext cx="9442353" cy="540554"/>
+      </dsp:txXfrm>
+    </dsp:sp>
+    <dsp:sp modelId="{4D843B81-431E-4829-9E03-521C00A76FD2}">
+      <dsp:nvSpPr>
+        <dsp:cNvPr id="0" name=""/>
+        <dsp:cNvSpPr/>
+      </dsp:nvSpPr>
+      <dsp:spPr>
+        <a:xfrm>
+          <a:off x="0" y="4729802"/>
+          <a:ext cx="9500839" cy="599040"/>
+        </a:xfrm>
+        <a:prstGeom prst="roundRect">
+          <a:avLst/>
+        </a:prstGeom>
+        <a:solidFill>
+          <a:schemeClr val="accent5">
+            <a:hueOff val="0"/>
+            <a:satOff val="0"/>
+            <a:lumOff val="0"/>
+            <a:alphaOff val="0"/>
+          </a:schemeClr>
+        </a:solidFill>
+        <a:ln w="25400" cap="flat" cmpd="sng" algn="ctr">
+          <a:solidFill>
+            <a:schemeClr val="lt1">
+              <a:hueOff val="0"/>
+              <a:satOff val="0"/>
+              <a:lumOff val="0"/>
+              <a:alphaOff val="0"/>
+            </a:schemeClr>
+          </a:solidFill>
+          <a:prstDash val="solid"/>
+        </a:ln>
+        <a:effectLst/>
+      </dsp:spPr>
+      <dsp:style>
+        <a:lnRef idx="2">
+          <a:scrgbClr r="0" g="0" b="0"/>
+        </a:lnRef>
+        <a:fillRef idx="1">
+          <a:scrgbClr r="0" g="0" b="0"/>
+        </a:fillRef>
+        <a:effectRef idx="0">
+          <a:scrgbClr r="0" g="0" b="0"/>
+        </a:effectRef>
+        <a:fontRef idx="minor">
+          <a:schemeClr val="lt1"/>
+        </a:fontRef>
+      </dsp:style>
+      <dsp:txBody>
+        <a:bodyPr spcFirstLastPara="0" vert="horz" wrap="square" lIns="76200" tIns="76200" rIns="76200" bIns="76200" numCol="1" spcCol="1270" anchor="ctr" anchorCtr="0">
+          <a:noAutofit/>
+        </a:bodyPr>
+        <a:lstStyle/>
+        <a:p>
+          <a:pPr marL="0" lvl="0" indent="0" algn="l" defTabSz="889000">
+            <a:lnSpc>
+              <a:spcPct val="90000"/>
+            </a:lnSpc>
+            <a:spcBef>
+              <a:spcPct val="0"/>
+            </a:spcBef>
+            <a:spcAft>
+              <a:spcPct val="35000"/>
+            </a:spcAft>
+            <a:buNone/>
+          </a:pPr>
+          <a:r>
+            <a:rPr lang="en-US" sz="2000" kern="1200" dirty="0"/>
+            <a:t>Predicate Pushdown: Perform calculations only on rows returned</a:t>
+          </a:r>
+        </a:p>
+      </dsp:txBody>
+      <dsp:txXfrm>
+        <a:off x="29243" y="4759045"/>
+        <a:ext cx="9442353" cy="540554"/>
+      </dsp:txXfrm>
+    </dsp:sp>
+  </dsp:spTree>
+</dsp:drawing>
+</file>
+
+<file path=ppt/diagrams/layout1.xml><?xml version="1.0" encoding="utf-8"?>
+<dgm:layoutDef xmlns:dgm="http://schemas.openxmlformats.org/drawingml/2006/diagram" xmlns:a="http://schemas.openxmlformats.org/drawingml/2006/main" uniqueId="urn:microsoft.com/office/officeart/2005/8/layout/vList2">
+  <dgm:title val=""/>
+  <dgm:desc val=""/>
+  <dgm:catLst>
+    <dgm:cat type="list" pri="3000"/>
+    <dgm:cat type="convert" pri="1000"/>
+  </dgm:catLst>
+  <dgm:sampData>
+    <dgm:dataModel>
+      <dgm:ptLst>
+        <dgm:pt modelId="0" type="doc"/>
+        <dgm:pt modelId="1">
+          <dgm:prSet phldr="1"/>
+        </dgm:pt>
+        <dgm:pt modelId="11">
+          <dgm:prSet phldr="1"/>
+        </dgm:pt>
+        <dgm:pt modelId="2">
+          <dgm:prSet phldr="1"/>
+        </dgm:pt>
+        <dgm:pt modelId="21">
+          <dgm:prSet phldr="1"/>
+        </dgm:pt>
+      </dgm:ptLst>
+      <dgm:cxnLst>
+        <dgm:cxn modelId="4" srcId="0" destId="1" srcOrd="0" destOrd="0"/>
+        <dgm:cxn modelId="5" srcId="0" destId="2" srcOrd="1" destOrd="0"/>
+        <dgm:cxn modelId="12" srcId="1" destId="11" srcOrd="0" destOrd="0"/>
+        <dgm:cxn modelId="23" srcId="2" destId="21" srcOrd="0" destOrd="0"/>
+      </dgm:cxnLst>
+      <dgm:bg/>
+      <dgm:whole/>
+    </dgm:dataModel>
+  </dgm:sampData>
+  <dgm:styleData>
+    <dgm:dataModel>
+      <dgm:ptLst>
+        <dgm:pt modelId="0" type="doc"/>
+        <dgm:pt modelId="1"/>
+        <dgm:pt modelId="2"/>
+      </dgm:ptLst>
+      <dgm:cxnLst>
+        <dgm:cxn modelId="3" srcId="0" destId="1" srcOrd="0" destOrd="0"/>
+        <dgm:cxn modelId="4" srcId="0" destId="2" srcOrd="1" destOrd="0"/>
+      </dgm:cxnLst>
+      <dgm:bg/>
+      <dgm:whole/>
+    </dgm:dataModel>
+  </dgm:styleData>
+  <dgm:clrData>
+    <dgm:dataModel>
+      <dgm:ptLst>
+        <dgm:pt modelId="0" type="doc"/>
+        <dgm:pt modelId="1"/>
+        <dgm:pt modelId="2"/>
+        <dgm:pt modelId="3"/>
+        <dgm:pt modelId="4"/>
+      </dgm:ptLst>
+      <dgm:cxnLst>
+        <dgm:cxn modelId="5" srcId="0" destId="1" srcOrd="0" destOrd="0"/>
+        <dgm:cxn modelId="6" srcId="0" destId="2" srcOrd="1" destOrd="0"/>
+        <dgm:cxn modelId="7" srcId="0" destId="3" srcOrd="2" destOrd="0"/>
+        <dgm:cxn modelId="8" srcId="0" destId="4" srcOrd="3" destOrd="0"/>
+      </dgm:cxnLst>
+      <dgm:bg/>
+      <dgm:whole/>
+    </dgm:dataModel>
+  </dgm:clrData>
+  <dgm:layoutNode name="linear">
+    <dgm:varLst>
+      <dgm:animLvl val="lvl"/>
+      <dgm:resizeHandles val="exact"/>
+    </dgm:varLst>
+    <dgm:alg type="lin">
+      <dgm:param type="linDir" val="fromT"/>
+      <dgm:param type="vertAlign" val="mid"/>
+    </dgm:alg>
+    <dgm:shape xmlns:r="http://schemas.openxmlformats.org/officeDocument/2006/relationships" r:blip="">
+      <dgm:adjLst/>
+    </dgm:shape>
+    <dgm:presOf/>
+    <dgm:constrLst>
+      <dgm:constr type="w" for="ch" forName="parentText" refType="w"/>
+      <dgm:constr type="h" for="ch" forName="parentText" refType="primFontSz" refFor="ch" refForName="parentText" fact="0.52"/>
+      <dgm:constr type="w" for="ch" forName="childText" refType="w"/>
+      <dgm:constr type="h" for="ch" forName="childText" refType="primFontSz" refFor="ch" refForName="parentText" fact="0.46"/>
+      <dgm:constr type="h" for="ch" forName="parentText" op="equ"/>
+      <dgm:constr type="primFontSz" for="ch" forName="parentText" op="equ" val="65"/>
+      <dgm:constr type="primFontSz" for="ch" forName="childText" refType="primFontSz" refFor="ch" refForName="parentText" op="equ"/>
+      <dgm:constr type="h" for="ch" forName="spacer" refType="primFontSz" refFor="ch" refForName="parentText" fact="0.08"/>
+    </dgm:constrLst>
+    <dgm:ruleLst>
+      <dgm:rule type="primFontSz" for="ch" forName="parentText" val="5" fact="NaN" max="NaN"/>
+    </dgm:ruleLst>
+    <dgm:forEach name="Name0" axis="ch" ptType="node">
+      <dgm:layoutNode name="parentText" styleLbl="node1">
+        <dgm:varLst>
+          <dgm:chMax val="0"/>
+          <dgm:bulletEnabled val="1"/>
+        </dgm:varLst>
+        <dgm:alg type="tx">
+          <dgm:param type="parTxLTRAlign" val="l"/>
+          <dgm:param type="parTxRTLAlign" val="r"/>
+        </dgm:alg>
+        <dgm:shape xmlns:r="http://schemas.openxmlformats.org/officeDocument/2006/relationships" type="roundRect" r:blip="">
+          <dgm:adjLst/>
+        </dgm:shape>
+        <dgm:presOf axis="self"/>
+        <dgm:constrLst>
+          <dgm:constr type="tMarg" refType="primFontSz" fact="0.3"/>
+          <dgm:constr type="bMarg" refType="primFontSz" fact="0.3"/>
+          <dgm:constr type="lMarg" refType="primFontSz" fact="0.3"/>
+          <dgm:constr type="rMarg" refType="primFontSz" fact="0.3"/>
+        </dgm:constrLst>
+        <dgm:ruleLst>
+          <dgm:rule type="h" val="INF" fact="NaN" max="NaN"/>
+        </dgm:ruleLst>
+      </dgm:layoutNode>
+      <dgm:choose name="Name1">
+        <dgm:if name="Name2" axis="ch" ptType="node" func="cnt" op="gte" val="1">
+          <dgm:layoutNode name="childText" styleLbl="revTx">
+            <dgm:varLst>
+              <dgm:bulletEnabled val="1"/>
+            </dgm:varLst>
+            <dgm:alg type="tx">
+              <dgm:param type="stBulletLvl" val="1"/>
+              <dgm:param type="lnSpAfChP" val="20"/>
+            </dgm:alg>
+            <dgm:shape xmlns:r="http://schemas.openxmlformats.org/officeDocument/2006/relationships" type="rect" r:blip="">
+              <dgm:adjLst/>
+            </dgm:shape>
+            <dgm:presOf axis="des" ptType="node"/>
+            <dgm:constrLst>
+              <dgm:constr type="tMarg" refType="primFontSz" fact="0.1"/>
+              <dgm:constr type="bMarg" refType="primFontSz" fact="0.1"/>
+              <dgm:constr type="lMarg" refType="w" fact="0.09"/>
+            </dgm:constrLst>
+            <dgm:ruleLst>
+              <dgm:rule type="h" val="INF" fact="NaN" max="NaN"/>
+            </dgm:ruleLst>
+          </dgm:layoutNode>
+        </dgm:if>
+        <dgm:else name="Name3">
+          <dgm:choose name="Name4">
+            <dgm:if name="Name5" axis="par ch" ptType="doc node" func="cnt" op="gte" val="2">
+              <dgm:forEach name="Name6" axis="followSib" ptType="sibTrans" cnt="1">
+                <dgm:layoutNode name="spacer">
+                  <dgm:alg type="sp"/>
+                  <dgm:shape xmlns:r="http://schemas.openxmlformats.org/officeDocument/2006/relationships" r:blip="">
+                    <dgm:adjLst/>
+                  </dgm:shape>
+                  <dgm:presOf/>
+                  <dgm:constrLst/>
+                  <dgm:ruleLst/>
+                </dgm:layoutNode>
+              </dgm:forEach>
+            </dgm:if>
+            <dgm:else name="Name7"/>
+          </dgm:choose>
+        </dgm:else>
+      </dgm:choose>
+    </dgm:forEach>
+  </dgm:layoutNode>
+</dgm:layoutDef>
+</file>
+
+<file path=ppt/diagrams/layout2.xml><?xml version="1.0" encoding="utf-8"?>
+<dgm:layoutDef xmlns:dgm="http://schemas.openxmlformats.org/drawingml/2006/diagram" xmlns:a="http://schemas.openxmlformats.org/drawingml/2006/main" uniqueId="urn:microsoft.com/office/officeart/2005/8/layout/vList2">
+  <dgm:title val=""/>
+  <dgm:desc val=""/>
+  <dgm:catLst>
+    <dgm:cat type="list" pri="3000"/>
+    <dgm:cat type="convert" pri="1000"/>
+  </dgm:catLst>
+  <dgm:sampData>
+    <dgm:dataModel>
+      <dgm:ptLst>
+        <dgm:pt modelId="0" type="doc"/>
+        <dgm:pt modelId="1">
+          <dgm:prSet phldr="1"/>
+        </dgm:pt>
+        <dgm:pt modelId="11">
+          <dgm:prSet phldr="1"/>
+        </dgm:pt>
+        <dgm:pt modelId="2">
+          <dgm:prSet phldr="1"/>
+        </dgm:pt>
+        <dgm:pt modelId="21">
+          <dgm:prSet phldr="1"/>
+        </dgm:pt>
+      </dgm:ptLst>
+      <dgm:cxnLst>
+        <dgm:cxn modelId="4" srcId="0" destId="1" srcOrd="0" destOrd="0"/>
+        <dgm:cxn modelId="5" srcId="0" destId="2" srcOrd="1" destOrd="0"/>
+        <dgm:cxn modelId="12" srcId="1" destId="11" srcOrd="0" destOrd="0"/>
+        <dgm:cxn modelId="23" srcId="2" destId="21" srcOrd="0" destOrd="0"/>
+      </dgm:cxnLst>
+      <dgm:bg/>
+      <dgm:whole/>
+    </dgm:dataModel>
+  </dgm:sampData>
+  <dgm:styleData>
+    <dgm:dataModel>
+      <dgm:ptLst>
+        <dgm:pt modelId="0" type="doc"/>
+        <dgm:pt modelId="1"/>
+        <dgm:pt modelId="2"/>
+      </dgm:ptLst>
+      <dgm:cxnLst>
+        <dgm:cxn modelId="3" srcId="0" destId="1" srcOrd="0" destOrd="0"/>
+        <dgm:cxn modelId="4" srcId="0" destId="2" srcOrd="1" destOrd="0"/>
+      </dgm:cxnLst>
+      <dgm:bg/>
+      <dgm:whole/>
+    </dgm:dataModel>
+  </dgm:styleData>
+  <dgm:clrData>
+    <dgm:dataModel>
+      <dgm:ptLst>
+        <dgm:pt modelId="0" type="doc"/>
+        <dgm:pt modelId="1"/>
+        <dgm:pt modelId="2"/>
+        <dgm:pt modelId="3"/>
+        <dgm:pt modelId="4"/>
+      </dgm:ptLst>
+      <dgm:cxnLst>
+        <dgm:cxn modelId="5" srcId="0" destId="1" srcOrd="0" destOrd="0"/>
+        <dgm:cxn modelId="6" srcId="0" destId="2" srcOrd="1" destOrd="0"/>
+        <dgm:cxn modelId="7" srcId="0" destId="3" srcOrd="2" destOrd="0"/>
+        <dgm:cxn modelId="8" srcId="0" destId="4" srcOrd="3" destOrd="0"/>
+      </dgm:cxnLst>
+      <dgm:bg/>
+      <dgm:whole/>
+    </dgm:dataModel>
+  </dgm:clrData>
+  <dgm:layoutNode name="linear">
+    <dgm:varLst>
+      <dgm:animLvl val="lvl"/>
+      <dgm:resizeHandles val="exact"/>
+    </dgm:varLst>
+    <dgm:alg type="lin">
+      <dgm:param type="linDir" val="fromT"/>
+      <dgm:param type="vertAlign" val="mid"/>
+    </dgm:alg>
+    <dgm:shape xmlns:r="http://schemas.openxmlformats.org/officeDocument/2006/relationships" r:blip="">
+      <dgm:adjLst/>
+    </dgm:shape>
+    <dgm:presOf/>
+    <dgm:constrLst>
+      <dgm:constr type="w" for="ch" forName="parentText" refType="w"/>
+      <dgm:constr type="h" for="ch" forName="parentText" refType="primFontSz" refFor="ch" refForName="parentText" fact="0.52"/>
+      <dgm:constr type="w" for="ch" forName="childText" refType="w"/>
+      <dgm:constr type="h" for="ch" forName="childText" refType="primFontSz" refFor="ch" refForName="parentText" fact="0.46"/>
+      <dgm:constr type="h" for="ch" forName="parentText" op="equ"/>
+      <dgm:constr type="primFontSz" for="ch" forName="parentText" op="equ" val="65"/>
+      <dgm:constr type="primFontSz" for="ch" forName="childText" refType="primFontSz" refFor="ch" refForName="parentText" op="equ"/>
+      <dgm:constr type="h" for="ch" forName="spacer" refType="primFontSz" refFor="ch" refForName="parentText" fact="0.08"/>
+    </dgm:constrLst>
+    <dgm:ruleLst>
+      <dgm:rule type="primFontSz" for="ch" forName="parentText" val="5" fact="NaN" max="NaN"/>
+    </dgm:ruleLst>
+    <dgm:forEach name="Name0" axis="ch" ptType="node">
+      <dgm:layoutNode name="parentText" styleLbl="node1">
+        <dgm:varLst>
+          <dgm:chMax val="0"/>
+          <dgm:bulletEnabled val="1"/>
+        </dgm:varLst>
+        <dgm:alg type="tx">
+          <dgm:param type="parTxLTRAlign" val="l"/>
+          <dgm:param type="parTxRTLAlign" val="r"/>
+        </dgm:alg>
+        <dgm:shape xmlns:r="http://schemas.openxmlformats.org/officeDocument/2006/relationships" type="roundRect" r:blip="">
+          <dgm:adjLst/>
+        </dgm:shape>
+        <dgm:presOf axis="self"/>
+        <dgm:constrLst>
+          <dgm:constr type="tMarg" refType="primFontSz" fact="0.3"/>
+          <dgm:constr type="bMarg" refType="primFontSz" fact="0.3"/>
+          <dgm:constr type="lMarg" refType="primFontSz" fact="0.3"/>
+          <dgm:constr type="rMarg" refType="primFontSz" fact="0.3"/>
+        </dgm:constrLst>
+        <dgm:ruleLst>
+          <dgm:rule type="h" val="INF" fact="NaN" max="NaN"/>
+        </dgm:ruleLst>
+      </dgm:layoutNode>
+      <dgm:choose name="Name1">
+        <dgm:if name="Name2" axis="ch" ptType="node" func="cnt" op="gte" val="1">
+          <dgm:layoutNode name="childText" styleLbl="revTx">
+            <dgm:varLst>
+              <dgm:bulletEnabled val="1"/>
+            </dgm:varLst>
+            <dgm:alg type="tx">
+              <dgm:param type="stBulletLvl" val="1"/>
+              <dgm:param type="lnSpAfChP" val="20"/>
+            </dgm:alg>
+            <dgm:shape xmlns:r="http://schemas.openxmlformats.org/officeDocument/2006/relationships" type="rect" r:blip="">
+              <dgm:adjLst/>
+            </dgm:shape>
+            <dgm:presOf axis="des" ptType="node"/>
+            <dgm:constrLst>
+              <dgm:constr type="tMarg" refType="primFontSz" fact="0.1"/>
+              <dgm:constr type="bMarg" refType="primFontSz" fact="0.1"/>
+              <dgm:constr type="lMarg" refType="w" fact="0.09"/>
+            </dgm:constrLst>
+            <dgm:ruleLst>
+              <dgm:rule type="h" val="INF" fact="NaN" max="NaN"/>
+            </dgm:ruleLst>
+          </dgm:layoutNode>
+        </dgm:if>
+        <dgm:else name="Name3">
+          <dgm:choose name="Name4">
+            <dgm:if name="Name5" axis="par ch" ptType="doc node" func="cnt" op="gte" val="2">
+              <dgm:forEach name="Name6" axis="followSib" ptType="sibTrans" cnt="1">
+                <dgm:layoutNode name="spacer">
+                  <dgm:alg type="sp"/>
+                  <dgm:shape xmlns:r="http://schemas.openxmlformats.org/officeDocument/2006/relationships" r:blip="">
+                    <dgm:adjLst/>
+                  </dgm:shape>
+                  <dgm:presOf/>
+                  <dgm:constrLst/>
+                  <dgm:ruleLst/>
+                </dgm:layoutNode>
+              </dgm:forEach>
+            </dgm:if>
+            <dgm:else name="Name7"/>
+          </dgm:choose>
+        </dgm:else>
+      </dgm:choose>
+    </dgm:forEach>
+  </dgm:layoutNode>
+</dgm:layoutDef>
+</file>
+
+<file path=ppt/diagrams/quickStyle1.xml><?xml version="1.0" encoding="utf-8"?>
+<dgm:styleDef xmlns:dgm="http://schemas.openxmlformats.org/drawingml/2006/diagram" xmlns:a="http://schemas.openxmlformats.org/drawingml/2006/main" uniqueId="urn:microsoft.com/office/officeart/2005/8/quickstyle/simple1">
+  <dgm:title val=""/>
+  <dgm:desc val=""/>
+  <dgm:catLst>
+    <dgm:cat type="simple" pri="10100"/>
+  </dgm:catLst>
+  <dgm:scene3d>
+    <a:camera prst="orthographicFront"/>
+    <a:lightRig rig="threePt" dir="t"/>
+  </dgm:scene3d>
+  <dgm:styleLbl name="node0">
+    <dgm:scene3d>
+      <a:camera prst="orthographicFront"/>
+      <a:lightRig rig="threePt" dir="t"/>
+    </dgm:scene3d>
+    <dgm:sp3d/>
+    <dgm:txPr/>
+    <dgm:style>
+      <a:lnRef idx="2">
+        <a:scrgbClr r="0" g="0" b="0"/>
+      </a:lnRef>
+      <a:fillRef idx="1">
+        <a:scrgbClr r="0" g="0" b="0"/>
+      </a:fillRef>
+      <a:effectRef idx="0">
+        <a:scrgbClr r="0" g="0" b="0"/>
+      </a:effectRef>
+      <a:fontRef idx="minor">
+        <a:schemeClr val="lt1"/>
+      </a:fontRef>
+    </dgm:style>
+  </dgm:styleLbl>
+  <dgm:styleLbl name="lnNode1">
+    <dgm:scene3d>
+      <a:camera prst="orthographicFront"/>
+      <a:lightRig rig="threePt" dir="t"/>
+    </dgm:scene3d>
+    <dgm:sp3d/>
+    <dgm:txPr/>
+    <dgm:style>
+      <a:lnRef idx="2">
+        <a:scrgbClr r="0" g="0" b="0"/>
+      </a:lnRef>
+      <a:fillRef idx="1">
+        <a:scrgbClr r="0" g="0" b="0"/>
+      </a:fillRef>
+      <a:effectRef idx="0">
+        <a:scrgbClr r="0" g="0" b="0"/>
+      </a:effectRef>
+      <a:fontRef idx="minor">
+        <a:schemeClr val="lt1"/>
+      </a:fontRef>
+    </dgm:style>
+  </dgm:styleLbl>
+  <dgm:styleLbl name="vennNode1">
+    <dgm:scene3d>
+      <a:camera prst="orthographicFront"/>
+      <a:lightRig rig="threePt" dir="t"/>
+    </dgm:scene3d>
+    <dgm:sp3d/>
+    <dgm:txPr/>
+    <dgm:style>
+      <a:lnRef idx="2">
+        <a:scrgbClr r="0" g="0" b="0"/>
+      </a:lnRef>
+      <a:fillRef idx="1">
+        <a:scrgbClr r="0" g="0" b="0"/>
+      </a:fillRef>
+      <a:effectRef idx="0">
+        <a:scrgbClr r="0" g="0" b="0"/>
+      </a:effectRef>
+      <a:fontRef idx="minor">
+        <a:schemeClr val="tx1"/>
+      </a:fontRef>
+    </dgm:style>
+  </dgm:styleLbl>
+  <dgm:styleLbl name="alignNode1">
+    <dgm:scene3d>
+      <a:camera prst="orthographicFront"/>
+      <a:lightRig rig="threePt" dir="t"/>
+    </dgm:scene3d>
+    <dgm:sp3d/>
+    <dgm:txPr/>
+    <dgm:style>
+      <a:lnRef idx="2">
+        <a:scrgbClr r="0" g="0" b="0"/>
+      </a:lnRef>
+      <a:fillRef idx="1">
+        <a:scrgbClr r="0" g="0" b="0"/>
+      </a:fillRef>
+      <a:effectRef idx="0">
+        <a:scrgbClr r="0" g="0" b="0"/>
+      </a:effectRef>
+      <a:fontRef idx="minor">
+        <a:schemeClr val="lt1"/>
+      </a:fontRef>
+    </dgm:style>
+  </dgm:styleLbl>
+  <dgm:styleLbl name="node1">
+    <dgm:scene3d>
+      <a:camera prst="orthographicFront"/>
+      <a:lightRig rig="threePt" dir="t"/>
+    </dgm:scene3d>
+    <dgm:sp3d/>
+    <dgm:txPr/>
+    <dgm:style>
+      <a:lnRef idx="2">
+        <a:scrgbClr r="0" g="0" b="0"/>
+      </a:lnRef>
+      <a:fillRef idx="1">
+        <a:scrgbClr r="0" g="0" b="0"/>
+      </a:fillRef>
+      <a:effectRef idx="0">
+        <a:scrgbClr r="0" g="0" b="0"/>
+      </a:effectRef>
+      <a:fontRef idx="minor">
+        <a:schemeClr val="lt1"/>
+      </a:fontRef>
+    </dgm:style>
+  </dgm:styleLbl>
+  <dgm:styleLbl name="node2">
+    <dgm:scene3d>
+      <a:camera prst="orthographicFront"/>
+      <a:lightRig rig="threePt" dir="t"/>
+    </dgm:scene3d>
+    <dgm:sp3d/>
+    <dgm:txPr/>
+    <dgm:style>
+      <a:lnRef idx="2">
+        <a:scrgbClr r="0" g="0" b="0"/>
+      </a:lnRef>
+      <a:fillRef idx="1">
+        <a:scrgbClr r="0" g="0" b="0"/>
+      </a:fillRef>
+      <a:effectRef idx="0">
+        <a:scrgbClr r="0" g="0" b="0"/>
+      </a:effectRef>
+      <a:fontRef idx="minor">
+        <a:schemeClr val="lt1"/>
+      </a:fontRef>
+    </dgm:style>
+  </dgm:styleLbl>
+  <dgm:styleLbl name="node3">
+    <dgm:scene3d>
+      <a:camera prst="orthographicFront"/>
+      <a:lightRig rig="threePt" dir="t"/>
+    </dgm:scene3d>
+    <dgm:sp3d/>
+    <dgm:txPr/>
+    <dgm:style>
+      <a:lnRef idx="2">
+        <a:scrgbClr r="0" g="0" b="0"/>
+      </a:lnRef>
+      <a:fillRef idx="1">
+        <a:scrgbClr r="0" g="0" b="0"/>
+      </a:fillRef>
+      <a:effectRef idx="0">
+        <a:scrgbClr r="0" g="0" b="0"/>
+      </a:effectRef>
+      <a:fontRef idx="minor">
+        <a:schemeClr val="lt1"/>
+      </a:fontRef>
+    </dgm:style>
+  </dgm:styleLbl>
+  <dgm:styleLbl name="node4">
+    <dgm:scene3d>
+      <a:camera prst="orthographicFront"/>
+      <a:lightRig rig="threePt" dir="t"/>
+    </dgm:scene3d>
+    <dgm:sp3d/>
+    <dgm:txPr/>
+    <dgm:style>
+      <a:lnRef idx="2">
+        <a:scrgbClr r="0" g="0" b="0"/>
+      </a:lnRef>
+      <a:fillRef idx="1">
+        <a:scrgbClr r="0" g="0" b="0"/>
+      </a:fillRef>
+      <a:effectRef idx="0">
+        <a:scrgbClr r="0" g="0" b="0"/>
+      </a:effectRef>
+      <a:fontRef idx="minor">
+        <a:schemeClr val="lt1"/>
+      </a:fontRef>
+    </dgm:style>
+  </dgm:styleLbl>
+  <dgm:styleLbl name="fgImgPlace1">
+    <dgm:scene3d>
+      <a:camera prst="orthographicFront"/>
+      <a:lightRig rig="threePt" dir="t"/>
+    </dgm:scene3d>
+    <dgm:sp3d/>
+    <dgm:txPr/>
+    <dgm:style>
+      <a:lnRef idx="2">
+        <a:scrgbClr r="0" g="0" b="0"/>
+      </a:lnRef>
+      <a:fillRef idx="1">
+        <a:scrgbClr r="0" g="0" b="0"/>
+      </a:fillRef>
+      <a:effectRef idx="0">
+        <a:scrgbClr r="0" g="0" b="0"/>
+      </a:effectRef>
+      <a:fontRef idx="minor"/>
+    </dgm:style>
+  </dgm:styleLbl>
+  <dgm:styleLbl name="alignImgPlace1">
+    <dgm:scene3d>
+      <a:camera prst="orthographicFront"/>
+      <a:lightRig rig="threePt" dir="t"/>
+    </dgm:scene3d>
+    <dgm:sp3d/>
+    <dgm:txPr/>
+    <dgm:style>
+      <a:lnRef idx="2">
+        <a:scrgbClr r="0" g="0" b="0"/>
+      </a:lnRef>
+      <a:fillRef idx="1">
+        <a:scrgbClr r="0" g="0" b="0"/>
+      </a:fillRef>
+      <a:effectRef idx="0">
+        <a:scrgbClr r="0" g="0" b="0"/>
+      </a:effectRef>
+      <a:fontRef idx="minor"/>
+    </dgm:style>
+  </dgm:styleLbl>
+  <dgm:styleLbl name="bgImgPlace1">
+    <dgm:scene3d>
+      <a:camera prst="orthographicFront"/>
+      <a:lightRig rig="threePt" dir="t"/>
+    </dgm:scene3d>
+    <dgm:sp3d/>
+    <dgm:txPr/>
+    <dgm:style>
+      <a:lnRef idx="2">
+        <a:scrgbClr r="0" g="0" b="0"/>
+      </a:lnRef>
+      <a:fillRef idx="1">
+        <a:scrgbClr r="0" g="0" b="0"/>
+      </a:fillRef>
+      <a:effectRef idx="0">
+        <a:scrgbClr r="0" g="0" b="0"/>
+      </a:effectRef>
+      <a:fontRef idx="minor"/>
+    </dgm:style>
+  </dgm:styleLbl>
+  <dgm:styleLbl name="sibTrans2D1">
+    <dgm:scene3d>
+      <a:camera prst="orthographicFront"/>
+      <a:lightRig rig="threePt" dir="t"/>
+    </dgm:scene3d>
+    <dgm:sp3d/>
+    <dgm:txPr/>
+    <dgm:style>
+      <a:lnRef idx="0">
+        <a:scrgbClr r="0" g="0" b="0"/>
+      </a:lnRef>
+      <a:fillRef idx="1">
+        <a:scrgbClr r="0" g="0" b="0"/>
+      </a:fillRef>
+      <a:effectRef idx="0">
+        <a:scrgbClr r="0" g="0" b="0"/>
+      </a:effectRef>
+      <a:fontRef idx="minor">
+        <a:schemeClr val="lt1"/>
+      </a:fontRef>
+    </dgm:style>
+  </dgm:styleLbl>
+  <dgm:styleLbl name="fgSibTrans2D1">
+    <dgm:scene3d>
+      <a:camera prst="orthographicFront"/>
+      <a:lightRig rig="threePt" dir="t"/>
+    </dgm:scene3d>
+    <dgm:sp3d/>
+    <dgm:txPr/>
+    <dgm:style>
+      <a:lnRef idx="0">
+        <a:scrgbClr r="0" g="0" b="0"/>
+      </a:lnRef>
+      <a:fillRef idx="1">
+        <a:scrgbClr r="0" g="0" b="0"/>
+      </a:fillRef>
+      <a:effectRef idx="0">
+        <a:scrgbClr r="0" g="0" b="0"/>
+      </a:effectRef>
+      <a:fontRef idx="minor">
+        <a:schemeClr val="lt1"/>
+      </a:fontRef>
+    </dgm:style>
+  </dgm:styleLbl>
+  <dgm:styleLbl name="bgSibTrans2D1">
+    <dgm:scene3d>
+      <a:camera prst="orthographicFront"/>
+      <a:lightRig rig="threePt" dir="t"/>
+    </dgm:scene3d>
+    <dgm:sp3d/>
+    <dgm:txPr/>
+    <dgm:style>
+      <a:lnRef idx="0">
+        <a:scrgbClr r="0" g="0" b="0"/>
+      </a:lnRef>
+      <a:fillRef idx="1">
+        <a:scrgbClr r="0" g="0" b="0"/>
+      </a:fillRef>
+      <a:effectRef idx="0">
+        <a:scrgbClr r="0" g="0" b="0"/>
+      </a:effectRef>
+      <a:fontRef idx="minor">
+        <a:schemeClr val="lt1"/>
+      </a:fontRef>
+    </dgm:style>
+  </dgm:styleLbl>
+  <dgm:styleLbl name="sibTrans1D1">
+    <dgm:scene3d>
+      <a:camera prst="orthographicFront"/>
+      <a:lightRig rig="threePt" dir="t"/>
+    </dgm:scene3d>
+    <dgm:sp3d/>
+    <dgm:txPr/>
+    <dgm:style>
+      <a:lnRef idx="1">
+        <a:scrgbClr r="0" g="0" b="0"/>
+      </a:lnRef>
+      <a:fillRef idx="0">
+        <a:scrgbClr r="0" g="0" b="0"/>
+      </a:fillRef>
+      <a:effectRef idx="0">
+        <a:scrgbClr r="0" g="0" b="0"/>
+      </a:effectRef>
+      <a:fontRef idx="minor"/>
+    </dgm:style>
+  </dgm:styleLbl>
+  <dgm:styleLbl name="callout">
+    <dgm:scene3d>
+      <a:camera prst="orthographicFront"/>
+      <a:lightRig rig="threePt" dir="t"/>
+    </dgm:scene3d>
+    <dgm:sp3d/>
+    <dgm:txPr/>
+    <dgm:style>
+      <a:lnRef idx="2">
+        <a:scrgbClr r="0" g="0" b="0"/>
+      </a:lnRef>
+      <a:fillRef idx="1">
+        <a:scrgbClr r="0" g="0" b="0"/>
+      </a:fillRef>
+      <a:effectRef idx="0">
+        <a:scrgbClr r="0" g="0" b="0"/>
+      </a:effectRef>
+      <a:fontRef idx="minor"/>
+    </dgm:style>
+  </dgm:styleLbl>
+  <dgm:styleLbl name="asst0">
+    <dgm:scene3d>
+      <a:camera prst="orthographicFront"/>
+      <a:lightRig rig="threePt" dir="t"/>
+    </dgm:scene3d>
+    <dgm:sp3d/>
+    <dgm:txPr/>
+    <dgm:style>
+      <a:lnRef idx="2">
+        <a:scrgbClr r="0" g="0" b="0"/>
+      </a:lnRef>
+      <a:fillRef idx="1">
+        <a:scrgbClr r="0" g="0" b="0"/>
+      </a:fillRef>
+      <a:effectRef idx="0">
+        <a:scrgbClr r="0" g="0" b="0"/>
+      </a:effectRef>
+      <a:fontRef idx="minor">
+        <a:schemeClr val="lt1"/>
+      </a:fontRef>
+    </dgm:style>
+  </dgm:styleLbl>
+  <dgm:styleLbl name="asst1">
+    <dgm:scene3d>
+      <a:camera prst="orthographicFront"/>
+      <a:lightRig rig="threePt" dir="t"/>
+    </dgm:scene3d>
+    <dgm:sp3d/>
+    <dgm:txPr/>
+    <dgm:style>
+      <a:lnRef idx="2">
+        <a:scrgbClr r="0" g="0" b="0"/>
+      </a:lnRef>
+      <a:fillRef idx="1">
+        <a:scrgbClr r="0" g="0" b="0"/>
+      </a:fillRef>
+      <a:effectRef idx="0">
+        <a:scrgbClr r="0" g="0" b="0"/>
+      </a:effectRef>
+      <a:fontRef idx="minor">
+        <a:schemeClr val="lt1"/>
+      </a:fontRef>
+    </dgm:style>
+  </dgm:styleLbl>
+  <dgm:styleLbl name="asst2">
+    <dgm:scene3d>
+      <a:camera prst="orthographicFront"/>
+      <a:lightRig rig="threePt" dir="t"/>
+    </dgm:scene3d>
+    <dgm:sp3d/>
+    <dgm:txPr/>
+    <dgm:style>
+      <a:lnRef idx="2">
+        <a:scrgbClr r="0" g="0" b="0"/>
+      </a:lnRef>
+      <a:fillRef idx="1">
+        <a:scrgbClr r="0" g="0" b="0"/>
+      </a:fillRef>
+      <a:effectRef idx="0">
+        <a:scrgbClr r="0" g="0" b="0"/>
+      </a:effectRef>
+      <a:fontRef idx="minor">
+        <a:schemeClr val="lt1"/>
+      </a:fontRef>
+    </dgm:style>
+  </dgm:styleLbl>
+  <dgm:styleLbl name="asst3">
+    <dgm:scene3d>
+      <a:camera prst="orthographicFront"/>
+      <a:lightRig rig="threePt" dir="t"/>
+    </dgm:scene3d>
+    <dgm:sp3d/>
+    <dgm:txPr/>
+    <dgm:style>
+      <a:lnRef idx="2">
+        <a:scrgbClr r="0" g="0" b="0"/>
+      </a:lnRef>
+      <a:fillRef idx="1">
+        <a:scrgbClr r="0" g="0" b="0"/>
+      </a:fillRef>
+      <a:effectRef idx="0">
+        <a:scrgbClr r="0" g="0" b="0"/>
+      </a:effectRef>
+      <a:fontRef idx="minor">
+        <a:schemeClr val="lt1"/>
+      </a:fontRef>
+    </dgm:style>
+  </dgm:styleLbl>
+  <dgm:styleLbl name="asst4">
+    <dgm:scene3d>
+      <a:camera prst="orthographicFront"/>
+      <a:lightRig rig="threePt" dir="t"/>
+    </dgm:scene3d>
+    <dgm:sp3d/>
+    <dgm:txPr/>
+    <dgm:style>
+      <a:lnRef idx="2">
+        <a:scrgbClr r="0" g="0" b="0"/>
+      </a:lnRef>
+      <a:fillRef idx="1">
+        <a:scrgbClr r="0" g="0" b="0"/>
+      </a:fillRef>
+      <a:effectRef idx="0">
+        <a:scrgbClr r="0" g="0" b="0"/>
+      </a:effectRef>
+      <a:fontRef idx="minor">
+        <a:schemeClr val="lt1"/>
+      </a:fontRef>
+    </dgm:style>
+  </dgm:styleLbl>
+  <dgm:styleLbl name="parChTrans2D1">
+    <dgm:scene3d>
+      <a:camera prst="orthographicFront"/>
+      <a:lightRig rig="threePt" dir="t"/>
+    </dgm:scene3d>
+    <dgm:sp3d/>
+    <dgm:txPr/>
+    <dgm:style>
+      <a:lnRef idx="2">
+        <a:scrgbClr r="0" g="0" b="0"/>
+      </a:lnRef>
+      <a:fillRef idx="1">
+        <a:scrgbClr r="0" g="0" b="0"/>
+      </a:fillRef>
+      <a:effectRef idx="0">
+        <a:scrgbClr r="0" g="0" b="0"/>
+      </a:effectRef>
+      <a:fontRef idx="minor">
+        <a:schemeClr val="lt1"/>
+      </a:fontRef>
+    </dgm:style>
+  </dgm:styleLbl>
+  <dgm:styleLbl name="parChTrans2D2">
+    <dgm:scene3d>
+      <a:camera prst="orthographicFront"/>
+      <a:lightRig rig="threePt" dir="t"/>
+    </dgm:scene3d>
+    <dgm:sp3d/>
+    <dgm:txPr/>
+    <dgm:style>
+      <a:lnRef idx="2">
+        <a:scrgbClr r="0" g="0" b="0"/>
+      </a:lnRef>
+      <a:fillRef idx="1">
+        <a:scrgbClr r="0" g="0" b="0"/>
+      </a:fillRef>
+      <a:effectRef idx="0">
+        <a:scrgbClr r="0" g="0" b="0"/>
+      </a:effectRef>
+      <a:fontRef idx="minor">
+        <a:schemeClr val="lt1"/>
+      </a:fontRef>
+    </dgm:style>
+  </dgm:styleLbl>
+  <dgm:styleLbl name="parChTrans2D3">
+    <dgm:scene3d>
+      <a:camera prst="orthographicFront"/>
+      <a:lightRig rig="threePt" dir="t"/>
+    </dgm:scene3d>
+    <dgm:sp3d/>
+    <dgm:txPr/>
+    <dgm:style>
+      <a:lnRef idx="2">
+        <a:scrgbClr r="0" g="0" b="0"/>
+      </a:lnRef>
+      <a:fillRef idx="1">
+        <a:scrgbClr r="0" g="0" b="0"/>
+      </a:fillRef>
+      <a:effectRef idx="0">
+        <a:scrgbClr r="0" g="0" b="0"/>
+      </a:effectRef>
+      <a:fontRef idx="minor">
+        <a:schemeClr val="lt1"/>
+      </a:fontRef>
+    </dgm:style>
+  </dgm:styleLbl>
+  <dgm:styleLbl name="parChTrans2D4">
+    <dgm:scene3d>
+      <a:camera prst="orthographicFront"/>
+      <a:lightRig rig="threePt" dir="t"/>
+    </dgm:scene3d>
+    <dgm:sp3d/>
+    <dgm:txPr/>
+    <dgm:style>
+      <a:lnRef idx="2">
+        <a:scrgbClr r="0" g="0" b="0"/>
+      </a:lnRef>
+      <a:fillRef idx="1">
+        <a:scrgbClr r="0" g="0" b="0"/>
+      </a:fillRef>
+      <a:effectRef idx="0">
+        <a:scrgbClr r="0" g="0" b="0"/>
+      </a:effectRef>
+      <a:fontRef idx="minor">
+        <a:schemeClr val="lt1"/>
+      </a:fontRef>
+    </dgm:style>
+  </dgm:styleLbl>
+  <dgm:styleLbl name="parChTrans1D1">
+    <dgm:scene3d>
+      <a:camera prst="orthographicFront"/>
+      <a:lightRig rig="threePt" dir="t"/>
+    </dgm:scene3d>
+    <dgm:sp3d/>
+    <dgm:txPr/>
+    <dgm:style>
+      <a:lnRef idx="2">
+        <a:scrgbClr r="0" g="0" b="0"/>
+      </a:lnRef>
+      <a:fillRef idx="0">
+        <a:scrgbClr r="0" g="0" b="0"/>
+      </a:fillRef>
+      <a:effectRef idx="0">
+        <a:scrgbClr r="0" g="0" b="0"/>
+      </a:effectRef>
+      <a:fontRef idx="minor"/>
+    </dgm:style>
+  </dgm:styleLbl>
+  <dgm:styleLbl name="parChTrans1D2">
+    <dgm:scene3d>
+      <a:camera prst="orthographicFront"/>
+      <a:lightRig rig="threePt" dir="t"/>
+    </dgm:scene3d>
+    <dgm:sp3d/>
+    <dgm:txPr/>
+    <dgm:style>
+      <a:lnRef idx="2">
+        <a:scrgbClr r="0" g="0" b="0"/>
+      </a:lnRef>
+      <a:fillRef idx="0">
+        <a:scrgbClr r="0" g="0" b="0"/>
+      </a:fillRef>
+      <a:effectRef idx="0">
+        <a:scrgbClr r="0" g="0" b="0"/>
+      </a:effectRef>
+      <a:fontRef idx="minor"/>
+    </dgm:style>
+  </dgm:styleLbl>
+  <dgm:styleLbl name="parChTrans1D3">
+    <dgm:scene3d>
+      <a:camera prst="orthographicFront"/>
+      <a:lightRig rig="threePt" dir="t"/>
+    </dgm:scene3d>
+    <dgm:sp3d/>
+    <dgm:txPr/>
+    <dgm:style>
+      <a:lnRef idx="2">
+        <a:scrgbClr r="0" g="0" b="0"/>
+      </a:lnRef>
+      <a:fillRef idx="0">
+        <a:scrgbClr r="0" g="0" b="0"/>
+      </a:fillRef>
+      <a:effectRef idx="0">
+        <a:scrgbClr r="0" g="0" b="0"/>
+      </a:effectRef>
+      <a:fontRef idx="minor"/>
+    </dgm:style>
+  </dgm:styleLbl>
+  <dgm:styleLbl name="parChTrans1D4">
+    <dgm:scene3d>
+      <a:camera prst="orthographicFront"/>
+      <a:lightRig rig="threePt" dir="t"/>
+    </dgm:scene3d>
+    <dgm:sp3d/>
+    <dgm:txPr/>
+    <dgm:style>
+      <a:lnRef idx="2">
+        <a:scrgbClr r="0" g="0" b="0"/>
+      </a:lnRef>
+      <a:fillRef idx="0">
+        <a:scrgbClr r="0" g="0" b="0"/>
+      </a:fillRef>
+      <a:effectRef idx="0">
+        <a:scrgbClr r="0" g="0" b="0"/>
+      </a:effectRef>
+      <a:fontRef idx="minor"/>
+    </dgm:style>
+  </dgm:styleLbl>
+  <dgm:styleLbl name="fgAcc1">
+    <dgm:scene3d>
+      <a:camera prst="orthographicFront"/>
+      <a:lightRig rig="threePt" dir="t"/>
+    </dgm:scene3d>
+    <dgm:sp3d/>
+    <dgm:txPr/>
+    <dgm:style>
+      <a:lnRef idx="2">
+        <a:scrgbClr r="0" g="0" b="0"/>
+      </a:lnRef>
+      <a:fillRef idx="1">
+        <a:scrgbClr r="0" g="0" b="0"/>
+      </a:fillRef>
+      <a:effectRef idx="0">
+        <a:scrgbClr r="0" g="0" b="0"/>
+      </a:effectRef>
+      <a:fontRef idx="minor"/>
+    </dgm:style>
+  </dgm:styleLbl>
+  <dgm:styleLbl name="conFgAcc1">
+    <dgm:scene3d>
+      <a:camera prst="orthographicFront"/>
+      <a:lightRig rig="threePt" dir="t"/>
+    </dgm:scene3d>
+    <dgm:sp3d/>
+    <dgm:txPr/>
+    <dgm:style>
+      <a:lnRef idx="2">
+        <a:scrgbClr r="0" g="0" b="0"/>
+      </a:lnRef>
+      <a:fillRef idx="1">
+        <a:scrgbClr r="0" g="0" b="0"/>
+      </a:fillRef>
+      <a:effectRef idx="0">
+        <a:scrgbClr r="0" g="0" b="0"/>
+      </a:effectRef>
+      <a:fontRef idx="minor"/>
+    </dgm:style>
+  </dgm:styleLbl>
+  <dgm:styleLbl name="alignAcc1">
+    <dgm:scene3d>
+      <a:camera prst="orthographicFront"/>
+      <a:lightRig rig="threePt" dir="t"/>
+    </dgm:scene3d>
+    <dgm:sp3d/>
+    <dgm:txPr/>
+    <dgm:style>
+      <a:lnRef idx="2">
+        <a:scrgbClr r="0" g="0" b="0"/>
+      </a:lnRef>
+      <a:fillRef idx="1">
+        <a:scrgbClr r="0" g="0" b="0"/>
+      </a:fillRef>
+      <a:effectRef idx="0">
+        <a:scrgbClr r="0" g="0" b="0"/>
+      </a:effectRef>
+      <a:fontRef idx="minor"/>
+    </dgm:style>
+  </dgm:styleLbl>
+  <dgm:styleLbl name="trAlignAcc1">
+    <dgm:scene3d>
+      <a:camera prst="orthographicFront"/>
+      <a:lightRig rig="threePt" dir="t"/>
+    </dgm:scene3d>
+    <dgm:sp3d/>
+    <dgm:txPr/>
+    <dgm:style>
+      <a:lnRef idx="1">
+        <a:scrgbClr r="0" g="0" b="0"/>
+      </a:lnRef>
+      <a:fillRef idx="1">
+        <a:scrgbClr r="0" g="0" b="0"/>
+      </a:fillRef>
+      <a:effectRef idx="0">
+        <a:scrgbClr r="0" g="0" b="0"/>
+      </a:effectRef>
+      <a:fontRef idx="minor"/>
+    </dgm:style>
+  </dgm:styleLbl>
+  <dgm:styleLbl name="bgAcc1">
+    <dgm:scene3d>
+      <a:camera prst="orthographicFront"/>
+      <a:lightRig rig="threePt" dir="t"/>
+    </dgm:scene3d>
+    <dgm:sp3d/>
+    <dgm:txPr/>
+    <dgm:style>
+      <a:lnRef idx="2">
+        <a:scrgbClr r="0" g="0" b="0"/>
+      </a:lnRef>
+      <a:fillRef idx="1">
+        <a:scrgbClr r="0" g="0" b="0"/>
+      </a:fillRef>
+      <a:effectRef idx="0">
+        <a:scrgbClr r="0" g="0" b="0"/>
+      </a:effectRef>
+      <a:fontRef idx="minor"/>
+    </dgm:style>
+  </dgm:styleLbl>
+  <dgm:styleLbl name="solidFgAcc1">
+    <dgm:scene3d>
+      <a:camera prst="orthographicFront"/>
+      <a:lightRig rig="threePt" dir="t"/>
+    </dgm:scene3d>
+    <dgm:sp3d/>
+    <dgm:txPr/>
+    <dgm:style>
+      <a:lnRef idx="2">
+        <a:scrgbClr r="0" g="0" b="0"/>
+      </a:lnRef>
+      <a:fillRef idx="1">
+        <a:scrgbClr r="0" g="0" b="0"/>
+      </a:fillRef>
+      <a:effectRef idx="0">
+        <a:scrgbClr r="0" g="0" b="0"/>
+      </a:effectRef>
+      <a:fontRef idx="minor"/>
+    </dgm:style>
+  </dgm:styleLbl>
+  <dgm:styleLbl name="solidAlignAcc1">
+    <dgm:scene3d>
+      <a:camera prst="orthographicFront"/>
+      <a:lightRig rig="threePt" dir="t"/>
+    </dgm:scene3d>
+    <dgm:sp3d/>
+    <dgm:txPr/>
+    <dgm:style>
+      <a:lnRef idx="2">
+        <a:scrgbClr r="0" g="0" b="0"/>
+      </a:lnRef>
+      <a:fillRef idx="1">
+        <a:scrgbClr r="0" g="0" b="0"/>
+      </a:fillRef>
+      <a:effectRef idx="0">
+        <a:scrgbClr r="0" g="0" b="0"/>
+      </a:effectRef>
+      <a:fontRef idx="minor"/>
+    </dgm:style>
+  </dgm:styleLbl>
+  <dgm:styleLbl name="solidBgAcc1">
+    <dgm:scene3d>
+      <a:camera prst="orthographicFront"/>
+      <a:lightRig rig="threePt" dir="t"/>
+    </dgm:scene3d>
+    <dgm:sp3d/>
+    <dgm:txPr/>
+    <dgm:style>
+      <a:lnRef idx="2">
+        <a:scrgbClr r="0" g="0" b="0"/>
+      </a:lnRef>
+      <a:fillRef idx="1">
+        <a:scrgbClr r="0" g="0" b="0"/>
+      </a:fillRef>
+      <a:effectRef idx="0">
+        <a:scrgbClr r="0" g="0" b="0"/>
+      </a:effectRef>
+      <a:fontRef idx="minor"/>
+    </dgm:style>
+  </dgm:styleLbl>
+  <dgm:styleLbl name="fgAccFollowNode1">
+    <dgm:scene3d>
+      <a:camera prst="orthographicFront"/>
+      <a:lightRig rig="threePt" dir="t"/>
+    </dgm:scene3d>
+    <dgm:sp3d/>
+    <dgm:txPr/>
+    <dgm:style>
+      <a:lnRef idx="2">
+        <a:scrgbClr r="0" g="0" b="0"/>
+      </a:lnRef>
+      <a:fillRef idx="1">
+        <a:scrgbClr r="0" g="0" b="0"/>
+      </a:fillRef>
+      <a:effectRef idx="0">
+        <a:scrgbClr r="0" g="0" b="0"/>
+      </a:effectRef>
+      <a:fontRef idx="minor"/>
+    </dgm:style>
+  </dgm:styleLbl>
+  <dgm:styleLbl name="alignAccFollowNode1">
+    <dgm:scene3d>
+      <a:camera prst="orthographicFront"/>
+      <a:lightRig rig="threePt" dir="t"/>
+    </dgm:scene3d>
+    <dgm:sp3d/>
+    <dgm:txPr/>
+    <dgm:style>
+      <a:lnRef idx="2">
+        <a:scrgbClr r="0" g="0" b="0"/>
+      </a:lnRef>
+      <a:fillRef idx="1">
+        <a:scrgbClr r="0" g="0" b="0"/>
+      </a:fillRef>
+      <a:effectRef idx="0">
+        <a:scrgbClr r="0" g="0" b="0"/>
+      </a:effectRef>
+      <a:fontRef idx="minor"/>
+    </dgm:style>
+  </dgm:styleLbl>
+  <dgm:styleLbl name="bgAccFollowNode1">
+    <dgm:scene3d>
+      <a:camera prst="orthographicFront"/>
+      <a:lightRig rig="threePt" dir="t"/>
+    </dgm:scene3d>
+    <dgm:sp3d/>
+    <dgm:txPr/>
+    <dgm:style>
+      <a:lnRef idx="2">
+        <a:scrgbClr r="0" g="0" b="0"/>
+      </a:lnRef>
+      <a:fillRef idx="1">
+        <a:scrgbClr r="0" g="0" b="0"/>
+      </a:fillRef>
+      <a:effectRef idx="0">
+        <a:scrgbClr r="0" g="0" b="0"/>
+      </a:effectRef>
+      <a:fontRef idx="minor"/>
+    </dgm:style>
+  </dgm:styleLbl>
+  <dgm:styleLbl name="fgAcc0">
+    <dgm:scene3d>
+      <a:camera prst="orthographicFront"/>
+      <a:lightRig rig="threePt" dir="t"/>
+    </dgm:scene3d>
+    <dgm:sp3d/>
+    <dgm:txPr/>
+    <dgm:style>
+      <a:lnRef idx="2">
+        <a:scrgbClr r="0" g="0" b="0"/>
+      </a:lnRef>
+      <a:fillRef idx="1">
+        <a:scrgbClr r="0" g="0" b="0"/>
+      </a:fillRef>
+      <a:effectRef idx="0">
+        <a:scrgbClr r="0" g="0" b="0"/>
+      </a:effectRef>
+      <a:fontRef idx="minor"/>
+    </dgm:style>
+  </dgm:styleLbl>
+  <dgm:styleLbl name="fgAcc2">
+    <dgm:scene3d>
+      <a:camera prst="orthographicFront"/>
+      <a:lightRig rig="threePt" dir="t"/>
+    </dgm:scene3d>
+    <dgm:sp3d/>
+    <dgm:txPr/>
+    <dgm:style>
+      <a:lnRef idx="2">
+        <a:scrgbClr r="0" g="0" b="0"/>
+      </a:lnRef>
+      <a:fillRef idx="1">
+        <a:scrgbClr r="0" g="0" b="0"/>
+      </a:fillRef>
+      <a:effectRef idx="0">
+        <a:scrgbClr r="0" g="0" b="0"/>
+      </a:effectRef>
+      <a:fontRef idx="minor"/>
+    </dgm:style>
+  </dgm:styleLbl>
+  <dgm:styleLbl name="fgAcc3">
+    <dgm:scene3d>
+      <a:camera prst="orthographicFront"/>
+      <a:lightRig rig="threePt" dir="t"/>
+    </dgm:scene3d>
+    <dgm:sp3d/>
+    <dgm:txPr/>
+    <dgm:style>
+      <a:lnRef idx="2">
+        <a:scrgbClr r="0" g="0" b="0"/>
+      </a:lnRef>
+      <a:fillRef idx="1">
+        <a:scrgbClr r="0" g="0" b="0"/>
+      </a:fillRef>
+      <a:effectRef idx="0">
+        <a:scrgbClr r="0" g="0" b="0"/>
+      </a:effectRef>
+      <a:fontRef idx="minor"/>
+    </dgm:style>
+  </dgm:styleLbl>
+  <dgm:styleLbl name="fgAcc4">
+    <dgm:scene3d>
+      <a:camera prst="orthographicFront"/>
+      <a:lightRig rig="threePt" dir="t"/>
+    </dgm:scene3d>
+    <dgm:sp3d/>
+    <dgm:txPr/>
+    <dgm:style>
+      <a:lnRef idx="2">
+        <a:scrgbClr r="0" g="0" b="0"/>
+      </a:lnRef>
+      <a:fillRef idx="1">
+        <a:scrgbClr r="0" g="0" b="0"/>
+      </a:fillRef>
+      <a:effectRef idx="0">
+        <a:scrgbClr r="0" g="0" b="0"/>
+      </a:effectRef>
+      <a:fontRef idx="minor"/>
+    </dgm:style>
+  </dgm:styleLbl>
+  <dgm:styleLbl name="bgShp">
+    <dgm:scene3d>
+      <a:camera prst="orthographicFront"/>
+      <a:lightRig rig="threePt" dir="t"/>
+    </dgm:scene3d>
+    <dgm:sp3d/>
+    <dgm:txPr/>
+    <dgm:style>
+      <a:lnRef idx="0">
+        <a:scrgbClr r="0" g="0" b="0"/>
+      </a:lnRef>
+      <a:fillRef idx="1">
+        <a:scrgbClr r="0" g="0" b="0"/>
+      </a:fillRef>
+      <a:effectRef idx="0">
+        <a:scrgbClr r="0" g="0" b="0"/>
+      </a:effectRef>
+      <a:fontRef idx="minor"/>
+    </dgm:style>
+  </dgm:styleLbl>
+  <dgm:styleLbl name="dkBgShp">
+    <dgm:scene3d>
+      <a:camera prst="orthographicFront"/>
+      <a:lightRig rig="threePt" dir="t"/>
+    </dgm:scene3d>
+    <dgm:sp3d/>
+    <dgm:txPr/>
+    <dgm:style>
+      <a:lnRef idx="0">
+        <a:scrgbClr r="0" g="0" b="0"/>
+      </a:lnRef>
+      <a:fillRef idx="1">
+        <a:scrgbClr r="0" g="0" b="0"/>
+      </a:fillRef>
+      <a:effectRef idx="0">
+        <a:scrgbClr r="0" g="0" b="0"/>
+      </a:effectRef>
+      <a:fontRef idx="minor"/>
+    </dgm:style>
+  </dgm:styleLbl>
+  <dgm:styleLbl name="trBgShp">
+    <dgm:scene3d>
+      <a:camera prst="orthographicFront"/>
+      <a:lightRig rig="threePt" dir="t"/>
+    </dgm:scene3d>
+    <dgm:sp3d/>
+    <dgm:txPr/>
+    <dgm:style>
+      <a:lnRef idx="0">
+        <a:scrgbClr r="0" g="0" b="0"/>
+      </a:lnRef>
+      <a:fillRef idx="1">
+        <a:scrgbClr r="0" g="0" b="0"/>
+      </a:fillRef>
+      <a:effectRef idx="0">
+        <a:scrgbClr r="0" g="0" b="0"/>
+      </a:effectRef>
+      <a:fontRef idx="minor"/>
+    </dgm:style>
+  </dgm:styleLbl>
+  <dgm:styleLbl name="fgShp">
+    <dgm:scene3d>
+      <a:camera prst="orthographicFront"/>
+      <a:lightRig rig="threePt" dir="t"/>
+    </dgm:scene3d>
+    <dgm:sp3d/>
+    <dgm:txPr/>
+    <dgm:style>
+      <a:lnRef idx="2">
+        <a:scrgbClr r="0" g="0" b="0"/>
+      </a:lnRef>
+      <a:fillRef idx="1">
+        <a:scrgbClr r="0" g="0" b="0"/>
+      </a:fillRef>
+      <a:effectRef idx="0">
+        <a:scrgbClr r="0" g="0" b="0"/>
+      </a:effectRef>
+      <a:fontRef idx="minor"/>
+    </dgm:style>
+  </dgm:styleLbl>
+  <dgm:styleLbl name="revTx">
+    <dgm:scene3d>
+      <a:camera prst="orthographicFront"/>
+      <a:lightRig rig="threePt" dir="t"/>
+    </dgm:scene3d>
+    <dgm:sp3d/>
+    <dgm:txPr/>
+    <dgm:style>
+      <a:lnRef idx="0">
+        <a:scrgbClr r="0" g="0" b="0"/>
+      </a:lnRef>
+      <a:fillRef idx="0">
+        <a:scrgbClr r="0" g="0" b="0"/>
+      </a:fillRef>
+      <a:effectRef idx="0">
+        <a:scrgbClr r="0" g="0" b="0"/>
+      </a:effectRef>
+      <a:fontRef idx="minor"/>
+    </dgm:style>
+  </dgm:styleLbl>
+</dgm:styleDef>
+</file>
+
+<file path=ppt/diagrams/quickStyle2.xml><?xml version="1.0" encoding="utf-8"?>
+<dgm:styleDef xmlns:dgm="http://schemas.openxmlformats.org/drawingml/2006/diagram" xmlns:a="http://schemas.openxmlformats.org/drawingml/2006/main" uniqueId="urn:microsoft.com/office/officeart/2005/8/quickstyle/simple1">
+  <dgm:title val=""/>
+  <dgm:desc val=""/>
+  <dgm:catLst>
+    <dgm:cat type="simple" pri="10100"/>
+  </dgm:catLst>
+  <dgm:scene3d>
+    <a:camera prst="orthographicFront"/>
+    <a:lightRig rig="threePt" dir="t"/>
+  </dgm:scene3d>
+  <dgm:styleLbl name="node0">
+    <dgm:scene3d>
+      <a:camera prst="orthographicFront"/>
+      <a:lightRig rig="threePt" dir="t"/>
+    </dgm:scene3d>
+    <dgm:sp3d/>
+    <dgm:txPr/>
+    <dgm:style>
+      <a:lnRef idx="2">
+        <a:scrgbClr r="0" g="0" b="0"/>
+      </a:lnRef>
+      <a:fillRef idx="1">
+        <a:scrgbClr r="0" g="0" b="0"/>
+      </a:fillRef>
+      <a:effectRef idx="0">
+        <a:scrgbClr r="0" g="0" b="0"/>
+      </a:effectRef>
+      <a:fontRef idx="minor">
+        <a:schemeClr val="lt1"/>
+      </a:fontRef>
+    </dgm:style>
+  </dgm:styleLbl>
+  <dgm:styleLbl name="lnNode1">
+    <dgm:scene3d>
+      <a:camera prst="orthographicFront"/>
+      <a:lightRig rig="threePt" dir="t"/>
+    </dgm:scene3d>
+    <dgm:sp3d/>
+    <dgm:txPr/>
+    <dgm:style>
+      <a:lnRef idx="2">
+        <a:scrgbClr r="0" g="0" b="0"/>
+      </a:lnRef>
+      <a:fillRef idx="1">
+        <a:scrgbClr r="0" g="0" b="0"/>
+      </a:fillRef>
+      <a:effectRef idx="0">
+        <a:scrgbClr r="0" g="0" b="0"/>
+      </a:effectRef>
+      <a:fontRef idx="minor">
+        <a:schemeClr val="lt1"/>
+      </a:fontRef>
+    </dgm:style>
+  </dgm:styleLbl>
+  <dgm:styleLbl name="vennNode1">
+    <dgm:scene3d>
+      <a:camera prst="orthographicFront"/>
+      <a:lightRig rig="threePt" dir="t"/>
+    </dgm:scene3d>
+    <dgm:sp3d/>
+    <dgm:txPr/>
+    <dgm:style>
+      <a:lnRef idx="2">
+        <a:scrgbClr r="0" g="0" b="0"/>
+      </a:lnRef>
+      <a:fillRef idx="1">
+        <a:scrgbClr r="0" g="0" b="0"/>
+      </a:fillRef>
+      <a:effectRef idx="0">
+        <a:scrgbClr r="0" g="0" b="0"/>
+      </a:effectRef>
+      <a:fontRef idx="minor">
+        <a:schemeClr val="tx1"/>
+      </a:fontRef>
+    </dgm:style>
+  </dgm:styleLbl>
+  <dgm:styleLbl name="alignNode1">
+    <dgm:scene3d>
+      <a:camera prst="orthographicFront"/>
+      <a:lightRig rig="threePt" dir="t"/>
+    </dgm:scene3d>
+    <dgm:sp3d/>
+    <dgm:txPr/>
+    <dgm:style>
+      <a:lnRef idx="2">
+        <a:scrgbClr r="0" g="0" b="0"/>
+      </a:lnRef>
+      <a:fillRef idx="1">
+        <a:scrgbClr r="0" g="0" b="0"/>
+      </a:fillRef>
+      <a:effectRef idx="0">
+        <a:scrgbClr r="0" g="0" b="0"/>
+      </a:effectRef>
+      <a:fontRef idx="minor">
+        <a:schemeClr val="lt1"/>
+      </a:fontRef>
+    </dgm:style>
+  </dgm:styleLbl>
+  <dgm:styleLbl name="node1">
+    <dgm:scene3d>
+      <a:camera prst="orthographicFront"/>
+      <a:lightRig rig="threePt" dir="t"/>
+    </dgm:scene3d>
+    <dgm:sp3d/>
+    <dgm:txPr/>
+    <dgm:style>
+      <a:lnRef idx="2">
+        <a:scrgbClr r="0" g="0" b="0"/>
+      </a:lnRef>
+      <a:fillRef idx="1">
+        <a:scrgbClr r="0" g="0" b="0"/>
+      </a:fillRef>
+      <a:effectRef idx="0">
+        <a:scrgbClr r="0" g="0" b="0"/>
+      </a:effectRef>
+      <a:fontRef idx="minor">
+        <a:schemeClr val="lt1"/>
+      </a:fontRef>
+    </dgm:style>
+  </dgm:styleLbl>
+  <dgm:styleLbl name="node2">
+    <dgm:scene3d>
+      <a:camera prst="orthographicFront"/>
+      <a:lightRig rig="threePt" dir="t"/>
+    </dgm:scene3d>
+    <dgm:sp3d/>
+    <dgm:txPr/>
+    <dgm:style>
+      <a:lnRef idx="2">
+        <a:scrgbClr r="0" g="0" b="0"/>
+      </a:lnRef>
+      <a:fillRef idx="1">
+        <a:scrgbClr r="0" g="0" b="0"/>
+      </a:fillRef>
+      <a:effectRef idx="0">
+        <a:scrgbClr r="0" g="0" b="0"/>
+      </a:effectRef>
+      <a:fontRef idx="minor">
+        <a:schemeClr val="lt1"/>
+      </a:fontRef>
+    </dgm:style>
+  </dgm:styleLbl>
+  <dgm:styleLbl name="node3">
+    <dgm:scene3d>
+      <a:camera prst="orthographicFront"/>
+      <a:lightRig rig="threePt" dir="t"/>
+    </dgm:scene3d>
+    <dgm:sp3d/>
+    <dgm:txPr/>
+    <dgm:style>
+      <a:lnRef idx="2">
+        <a:scrgbClr r="0" g="0" b="0"/>
+      </a:lnRef>
+      <a:fillRef idx="1">
+        <a:scrgbClr r="0" g="0" b="0"/>
+      </a:fillRef>
+      <a:effectRef idx="0">
+        <a:scrgbClr r="0" g="0" b="0"/>
+      </a:effectRef>
+      <a:fontRef idx="minor">
+        <a:schemeClr val="lt1"/>
+      </a:fontRef>
+    </dgm:style>
+  </dgm:styleLbl>
+  <dgm:styleLbl name="node4">
+    <dgm:scene3d>
+      <a:camera prst="orthographicFront"/>
+      <a:lightRig rig="threePt" dir="t"/>
+    </dgm:scene3d>
+    <dgm:sp3d/>
+    <dgm:txPr/>
+    <dgm:style>
+      <a:lnRef idx="2">
+        <a:scrgbClr r="0" g="0" b="0"/>
+      </a:lnRef>
+      <a:fillRef idx="1">
+        <a:scrgbClr r="0" g="0" b="0"/>
+      </a:fillRef>
+      <a:effectRef idx="0">
+        <a:scrgbClr r="0" g="0" b="0"/>
+      </a:effectRef>
+      <a:fontRef idx="minor">
+        <a:schemeClr val="lt1"/>
+      </a:fontRef>
+    </dgm:style>
+  </dgm:styleLbl>
+  <dgm:styleLbl name="fgImgPlace1">
+    <dgm:scene3d>
+      <a:camera prst="orthographicFront"/>
+      <a:lightRig rig="threePt" dir="t"/>
+    </dgm:scene3d>
+    <dgm:sp3d/>
+    <dgm:txPr/>
+    <dgm:style>
+      <a:lnRef idx="2">
+        <a:scrgbClr r="0" g="0" b="0"/>
+      </a:lnRef>
+      <a:fillRef idx="1">
+        <a:scrgbClr r="0" g="0" b="0"/>
+      </a:fillRef>
+      <a:effectRef idx="0">
+        <a:scrgbClr r="0" g="0" b="0"/>
+      </a:effectRef>
+      <a:fontRef idx="minor"/>
+    </dgm:style>
+  </dgm:styleLbl>
+  <dgm:styleLbl name="alignImgPlace1">
+    <dgm:scene3d>
+      <a:camera prst="orthographicFront"/>
+      <a:lightRig rig="threePt" dir="t"/>
+    </dgm:scene3d>
+    <dgm:sp3d/>
+    <dgm:txPr/>
+    <dgm:style>
+      <a:lnRef idx="2">
+        <a:scrgbClr r="0" g="0" b="0"/>
+      </a:lnRef>
+      <a:fillRef idx="1">
+        <a:scrgbClr r="0" g="0" b="0"/>
+      </a:fillRef>
+      <a:effectRef idx="0">
+        <a:scrgbClr r="0" g="0" b="0"/>
+      </a:effectRef>
+      <a:fontRef idx="minor"/>
+    </dgm:style>
+  </dgm:styleLbl>
+  <dgm:styleLbl name="bgImgPlace1">
+    <dgm:scene3d>
+      <a:camera prst="orthographicFront"/>
+      <a:lightRig rig="threePt" dir="t"/>
+    </dgm:scene3d>
+    <dgm:sp3d/>
+    <dgm:txPr/>
+    <dgm:style>
+      <a:lnRef idx="2">
+        <a:scrgbClr r="0" g="0" b="0"/>
+      </a:lnRef>
+      <a:fillRef idx="1">
+        <a:scrgbClr r="0" g="0" b="0"/>
+      </a:fillRef>
+      <a:effectRef idx="0">
+        <a:scrgbClr r="0" g="0" b="0"/>
+      </a:effectRef>
+      <a:fontRef idx="minor"/>
+    </dgm:style>
+  </dgm:styleLbl>
+  <dgm:styleLbl name="sibTrans2D1">
+    <dgm:scene3d>
+      <a:camera prst="orthographicFront"/>
+      <a:lightRig rig="threePt" dir="t"/>
+    </dgm:scene3d>
+    <dgm:sp3d/>
+    <dgm:txPr/>
+    <dgm:style>
+      <a:lnRef idx="0">
+        <a:scrgbClr r="0" g="0" b="0"/>
+      </a:lnRef>
+      <a:fillRef idx="1">
+        <a:scrgbClr r="0" g="0" b="0"/>
+      </a:fillRef>
+      <a:effectRef idx="0">
+        <a:scrgbClr r="0" g="0" b="0"/>
+      </a:effectRef>
+      <a:fontRef idx="minor">
+        <a:schemeClr val="lt1"/>
+      </a:fontRef>
+    </dgm:style>
+  </dgm:styleLbl>
+  <dgm:styleLbl name="fgSibTrans2D1">
+    <dgm:scene3d>
+      <a:camera prst="orthographicFront"/>
+      <a:lightRig rig="threePt" dir="t"/>
+    </dgm:scene3d>
+    <dgm:sp3d/>
+    <dgm:txPr/>
+    <dgm:style>
+      <a:lnRef idx="0">
+        <a:scrgbClr r="0" g="0" b="0"/>
+      </a:lnRef>
+      <a:fillRef idx="1">
+        <a:scrgbClr r="0" g="0" b="0"/>
+      </a:fillRef>
+      <a:effectRef idx="0">
+        <a:scrgbClr r="0" g="0" b="0"/>
+      </a:effectRef>
+      <a:fontRef idx="minor">
+        <a:schemeClr val="lt1"/>
+      </a:fontRef>
+    </dgm:style>
+  </dgm:styleLbl>
+  <dgm:styleLbl name="bgSibTrans2D1">
+    <dgm:scene3d>
+      <a:camera prst="orthographicFront"/>
+      <a:lightRig rig="threePt" dir="t"/>
+    </dgm:scene3d>
+    <dgm:sp3d/>
+    <dgm:txPr/>
+    <dgm:style>
+      <a:lnRef idx="0">
+        <a:scrgbClr r="0" g="0" b="0"/>
+      </a:lnRef>
+      <a:fillRef idx="1">
+        <a:scrgbClr r="0" g="0" b="0"/>
+      </a:fillRef>
+      <a:effectRef idx="0">
+        <a:scrgbClr r="0" g="0" b="0"/>
+      </a:effectRef>
+      <a:fontRef idx="minor">
+        <a:schemeClr val="lt1"/>
+      </a:fontRef>
+    </dgm:style>
+  </dgm:styleLbl>
+  <dgm:styleLbl name="sibTrans1D1">
+    <dgm:scene3d>
+      <a:camera prst="orthographicFront"/>
+      <a:lightRig rig="threePt" dir="t"/>
+    </dgm:scene3d>
+    <dgm:sp3d/>
+    <dgm:txPr/>
+    <dgm:style>
+      <a:lnRef idx="1">
+        <a:scrgbClr r="0" g="0" b="0"/>
+      </a:lnRef>
+      <a:fillRef idx="0">
+        <a:scrgbClr r="0" g="0" b="0"/>
+      </a:fillRef>
+      <a:effectRef idx="0">
+        <a:scrgbClr r="0" g="0" b="0"/>
+      </a:effectRef>
+      <a:fontRef idx="minor"/>
+    </dgm:style>
+  </dgm:styleLbl>
+  <dgm:styleLbl name="callout">
+    <dgm:scene3d>
+      <a:camera prst="orthographicFront"/>
+      <a:lightRig rig="threePt" dir="t"/>
+    </dgm:scene3d>
+    <dgm:sp3d/>
+    <dgm:txPr/>
+    <dgm:style>
+      <a:lnRef idx="2">
+        <a:scrgbClr r="0" g="0" b="0"/>
+      </a:lnRef>
+      <a:fillRef idx="1">
+        <a:scrgbClr r="0" g="0" b="0"/>
+      </a:fillRef>
+      <a:effectRef idx="0">
+        <a:scrgbClr r="0" g="0" b="0"/>
+      </a:effectRef>
+      <a:fontRef idx="minor"/>
+    </dgm:style>
+  </dgm:styleLbl>
+  <dgm:styleLbl name="asst0">
+    <dgm:scene3d>
+      <a:camera prst="orthographicFront"/>
+      <a:lightRig rig="threePt" dir="t"/>
+    </dgm:scene3d>
+    <dgm:sp3d/>
+    <dgm:txPr/>
+    <dgm:style>
+      <a:lnRef idx="2">
+        <a:scrgbClr r="0" g="0" b="0"/>
+      </a:lnRef>
+      <a:fillRef idx="1">
+        <a:scrgbClr r="0" g="0" b="0"/>
+      </a:fillRef>
+      <a:effectRef idx="0">
+        <a:scrgbClr r="0" g="0" b="0"/>
+      </a:effectRef>
+      <a:fontRef idx="minor">
+        <a:schemeClr val="lt1"/>
+      </a:fontRef>
+    </dgm:style>
+  </dgm:styleLbl>
+  <dgm:styleLbl name="asst1">
+    <dgm:scene3d>
+      <a:camera prst="orthographicFront"/>
+      <a:lightRig rig="threePt" dir="t"/>
+    </dgm:scene3d>
+    <dgm:sp3d/>
+    <dgm:txPr/>
+    <dgm:style>
+      <a:lnRef idx="2">
+        <a:scrgbClr r="0" g="0" b="0"/>
+      </a:lnRef>
+      <a:fillRef idx="1">
+        <a:scrgbClr r="0" g="0" b="0"/>
+      </a:fillRef>
+      <a:effectRef idx="0">
+        <a:scrgbClr r="0" g="0" b="0"/>
+      </a:effectRef>
+      <a:fontRef idx="minor">
+        <a:schemeClr val="lt1"/>
+      </a:fontRef>
+    </dgm:style>
+  </dgm:styleLbl>
+  <dgm:styleLbl name="asst2">
+    <dgm:scene3d>
+      <a:camera prst="orthographicFront"/>
+      <a:lightRig rig="threePt" dir="t"/>
+    </dgm:scene3d>
+    <dgm:sp3d/>
+    <dgm:txPr/>
+    <dgm:style>
+      <a:lnRef idx="2">
+        <a:scrgbClr r="0" g="0" b="0"/>
+      </a:lnRef>
+      <a:fillRef idx="1">
+        <a:scrgbClr r="0" g="0" b="0"/>
+      </a:fillRef>
+      <a:effectRef idx="0">
+        <a:scrgbClr r="0" g="0" b="0"/>
+      </a:effectRef>
+      <a:fontRef idx="minor">
+        <a:schemeClr val="lt1"/>
+      </a:fontRef>
+    </dgm:style>
+  </dgm:styleLbl>
+  <dgm:styleLbl name="asst3">
+    <dgm:scene3d>
+      <a:camera prst="orthographicFront"/>
+      <a:lightRig rig="threePt" dir="t"/>
+    </dgm:scene3d>
+    <dgm:sp3d/>
+    <dgm:txPr/>
+    <dgm:style>
+      <a:lnRef idx="2">
+        <a:scrgbClr r="0" g="0" b="0"/>
+      </a:lnRef>
+      <a:fillRef idx="1">
+        <a:scrgbClr r="0" g="0" b="0"/>
+      </a:fillRef>
+      <a:effectRef idx="0">
+        <a:scrgbClr r="0" g="0" b="0"/>
+      </a:effectRef>
+      <a:fontRef idx="minor">
+        <a:schemeClr val="lt1"/>
+      </a:fontRef>
+    </dgm:style>
+  </dgm:styleLbl>
+  <dgm:styleLbl name="asst4">
+    <dgm:scene3d>
+      <a:camera prst="orthographicFront"/>
+      <a:lightRig rig="threePt" dir="t"/>
+    </dgm:scene3d>
+    <dgm:sp3d/>
+    <dgm:txPr/>
+    <dgm:style>
+      <a:lnRef idx="2">
+        <a:scrgbClr r="0" g="0" b="0"/>
+      </a:lnRef>
+      <a:fillRef idx="1">
+        <a:scrgbClr r="0" g="0" b="0"/>
+      </a:fillRef>
+      <a:effectRef idx="0">
+        <a:scrgbClr r="0" g="0" b="0"/>
+      </a:effectRef>
+      <a:fontRef idx="minor">
+        <a:schemeClr val="lt1"/>
+      </a:fontRef>
+    </dgm:style>
+  </dgm:styleLbl>
+  <dgm:styleLbl name="parChTrans2D1">
+    <dgm:scene3d>
+      <a:camera prst="orthographicFront"/>
+      <a:lightRig rig="threePt" dir="t"/>
+    </dgm:scene3d>
+    <dgm:sp3d/>
+    <dgm:txPr/>
+    <dgm:style>
+      <a:lnRef idx="2">
+        <a:scrgbClr r="0" g="0" b="0"/>
+      </a:lnRef>
+      <a:fillRef idx="1">
+        <a:scrgbClr r="0" g="0" b="0"/>
+      </a:fillRef>
+      <a:effectRef idx="0">
+        <a:scrgbClr r="0" g="0" b="0"/>
+      </a:effectRef>
+      <a:fontRef idx="minor">
+        <a:schemeClr val="lt1"/>
+      </a:fontRef>
+    </dgm:style>
+  </dgm:styleLbl>
+  <dgm:styleLbl name="parChTrans2D2">
+    <dgm:scene3d>
+      <a:camera prst="orthographicFront"/>
+      <a:lightRig rig="threePt" dir="t"/>
+    </dgm:scene3d>
+    <dgm:sp3d/>
+    <dgm:txPr/>
+    <dgm:style>
+      <a:lnRef idx="2">
+        <a:scrgbClr r="0" g="0" b="0"/>
+      </a:lnRef>
+      <a:fillRef idx="1">
+        <a:scrgbClr r="0" g="0" b="0"/>
+      </a:fillRef>
+      <a:effectRef idx="0">
+        <a:scrgbClr r="0" g="0" b="0"/>
+      </a:effectRef>
+      <a:fontRef idx="minor">
+        <a:schemeClr val="lt1"/>
+      </a:fontRef>
+    </dgm:style>
+  </dgm:styleLbl>
+  <dgm:styleLbl name="parChTrans2D3">
+    <dgm:scene3d>
+      <a:camera prst="orthographicFront"/>
+      <a:lightRig rig="threePt" dir="t"/>
+    </dgm:scene3d>
+    <dgm:sp3d/>
+    <dgm:txPr/>
+    <dgm:style>
+      <a:lnRef idx="2">
+        <a:scrgbClr r="0" g="0" b="0"/>
+      </a:lnRef>
+      <a:fillRef idx="1">
+        <a:scrgbClr r="0" g="0" b="0"/>
+      </a:fillRef>
+      <a:effectRef idx="0">
+        <a:scrgbClr r="0" g="0" b="0"/>
+      </a:effectRef>
+      <a:fontRef idx="minor">
+        <a:schemeClr val="lt1"/>
+      </a:fontRef>
+    </dgm:style>
+  </dgm:styleLbl>
+  <dgm:styleLbl name="parChTrans2D4">
+    <dgm:scene3d>
+      <a:camera prst="orthographicFront"/>
+      <a:lightRig rig="threePt" dir="t"/>
+    </dgm:scene3d>
+    <dgm:sp3d/>
+    <dgm:txPr/>
+    <dgm:style>
+      <a:lnRef idx="2">
+        <a:scrgbClr r="0" g="0" b="0"/>
+      </a:lnRef>
+      <a:fillRef idx="1">
+        <a:scrgbClr r="0" g="0" b="0"/>
+      </a:fillRef>
+      <a:effectRef idx="0">
+        <a:scrgbClr r="0" g="0" b="0"/>
+      </a:effectRef>
+      <a:fontRef idx="minor">
+        <a:schemeClr val="lt1"/>
+      </a:fontRef>
+    </dgm:style>
+  </dgm:styleLbl>
+  <dgm:styleLbl name="parChTrans1D1">
+    <dgm:scene3d>
+      <a:camera prst="orthographicFront"/>
+      <a:lightRig rig="threePt" dir="t"/>
+    </dgm:scene3d>
+    <dgm:sp3d/>
+    <dgm:txPr/>
+    <dgm:style>
+      <a:lnRef idx="2">
+        <a:scrgbClr r="0" g="0" b="0"/>
+      </a:lnRef>
+      <a:fillRef idx="0">
+        <a:scrgbClr r="0" g="0" b="0"/>
+      </a:fillRef>
+      <a:effectRef idx="0">
+        <a:scrgbClr r="0" g="0" b="0"/>
+      </a:effectRef>
+      <a:fontRef idx="minor"/>
+    </dgm:style>
+  </dgm:styleLbl>
+  <dgm:styleLbl name="parChTrans1D2">
+    <dgm:scene3d>
+      <a:camera prst="orthographicFront"/>
+      <a:lightRig rig="threePt" dir="t"/>
+    </dgm:scene3d>
+    <dgm:sp3d/>
+    <dgm:txPr/>
+    <dgm:style>
+      <a:lnRef idx="2">
+        <a:scrgbClr r="0" g="0" b="0"/>
+      </a:lnRef>
+      <a:fillRef idx="0">
+        <a:scrgbClr r="0" g="0" b="0"/>
+      </a:fillRef>
+      <a:effectRef idx="0">
+        <a:scrgbClr r="0" g="0" b="0"/>
+      </a:effectRef>
+      <a:fontRef idx="minor"/>
+    </dgm:style>
+  </dgm:styleLbl>
+  <dgm:styleLbl name="parChTrans1D3">
+    <dgm:scene3d>
+      <a:camera prst="orthographicFront"/>
+      <a:lightRig rig="threePt" dir="t"/>
+    </dgm:scene3d>
+    <dgm:sp3d/>
+    <dgm:txPr/>
+    <dgm:style>
+      <a:lnRef idx="2">
+        <a:scrgbClr r="0" g="0" b="0"/>
+      </a:lnRef>
+      <a:fillRef idx="0">
+        <a:scrgbClr r="0" g="0" b="0"/>
+      </a:fillRef>
+      <a:effectRef idx="0">
+        <a:scrgbClr r="0" g="0" b="0"/>
+      </a:effectRef>
+      <a:fontRef idx="minor"/>
+    </dgm:style>
+  </dgm:styleLbl>
+  <dgm:styleLbl name="parChTrans1D4">
+    <dgm:scene3d>
+      <a:camera prst="orthographicFront"/>
+      <a:lightRig rig="threePt" dir="t"/>
+    </dgm:scene3d>
+    <dgm:sp3d/>
+    <dgm:txPr/>
+    <dgm:style>
+      <a:lnRef idx="2">
+        <a:scrgbClr r="0" g="0" b="0"/>
+      </a:lnRef>
+      <a:fillRef idx="0">
+        <a:scrgbClr r="0" g="0" b="0"/>
+      </a:fillRef>
+      <a:effectRef idx="0">
+        <a:scrgbClr r="0" g="0" b="0"/>
+      </a:effectRef>
+      <a:fontRef idx="minor"/>
+    </dgm:style>
+  </dgm:styleLbl>
+  <dgm:styleLbl name="fgAcc1">
+    <dgm:scene3d>
+      <a:camera prst="orthographicFront"/>
+      <a:lightRig rig="threePt" dir="t"/>
+    </dgm:scene3d>
+    <dgm:sp3d/>
+    <dgm:txPr/>
+    <dgm:style>
+      <a:lnRef idx="2">
+        <a:scrgbClr r="0" g="0" b="0"/>
+      </a:lnRef>
+      <a:fillRef idx="1">
+        <a:scrgbClr r="0" g="0" b="0"/>
+      </a:fillRef>
+      <a:effectRef idx="0">
+        <a:scrgbClr r="0" g="0" b="0"/>
+      </a:effectRef>
+      <a:fontRef idx="minor"/>
+    </dgm:style>
+  </dgm:styleLbl>
+  <dgm:styleLbl name="conFgAcc1">
+    <dgm:scene3d>
+      <a:camera prst="orthographicFront"/>
+      <a:lightRig rig="threePt" dir="t"/>
+    </dgm:scene3d>
+    <dgm:sp3d/>
+    <dgm:txPr/>
+    <dgm:style>
+      <a:lnRef idx="2">
+        <a:scrgbClr r="0" g="0" b="0"/>
+      </a:lnRef>
+      <a:fillRef idx="1">
+        <a:scrgbClr r="0" g="0" b="0"/>
+      </a:fillRef>
+      <a:effectRef idx="0">
+        <a:scrgbClr r="0" g="0" b="0"/>
+      </a:effectRef>
+      <a:fontRef idx="minor"/>
+    </dgm:style>
+  </dgm:styleLbl>
+  <dgm:styleLbl name="alignAcc1">
+    <dgm:scene3d>
+      <a:camera prst="orthographicFront"/>
+      <a:lightRig rig="threePt" dir="t"/>
+    </dgm:scene3d>
+    <dgm:sp3d/>
+    <dgm:txPr/>
+    <dgm:style>
+      <a:lnRef idx="2">
+        <a:scrgbClr r="0" g="0" b="0"/>
+      </a:lnRef>
+      <a:fillRef idx="1">
+        <a:scrgbClr r="0" g="0" b="0"/>
+      </a:fillRef>
+      <a:effectRef idx="0">
+        <a:scrgbClr r="0" g="0" b="0"/>
+      </a:effectRef>
+      <a:fontRef idx="minor"/>
+    </dgm:style>
+  </dgm:styleLbl>
+  <dgm:styleLbl name="trAlignAcc1">
+    <dgm:scene3d>
+      <a:camera prst="orthographicFront"/>
+      <a:lightRig rig="threePt" dir="t"/>
+    </dgm:scene3d>
+    <dgm:sp3d/>
+    <dgm:txPr/>
+    <dgm:style>
+      <a:lnRef idx="1">
+        <a:scrgbClr r="0" g="0" b="0"/>
+      </a:lnRef>
+      <a:fillRef idx="1">
+        <a:scrgbClr r="0" g="0" b="0"/>
+      </a:fillRef>
+      <a:effectRef idx="0">
+        <a:scrgbClr r="0" g="0" b="0"/>
+      </a:effectRef>
+      <a:fontRef idx="minor"/>
+    </dgm:style>
+  </dgm:styleLbl>
+  <dgm:styleLbl name="bgAcc1">
+    <dgm:scene3d>
+      <a:camera prst="orthographicFront"/>
+      <a:lightRig rig="threePt" dir="t"/>
+    </dgm:scene3d>
+    <dgm:sp3d/>
+    <dgm:txPr/>
+    <dgm:style>
+      <a:lnRef idx="2">
+        <a:scrgbClr r="0" g="0" b="0"/>
+      </a:lnRef>
+      <a:fillRef idx="1">
+        <a:scrgbClr r="0" g="0" b="0"/>
+      </a:fillRef>
+      <a:effectRef idx="0">
+        <a:scrgbClr r="0" g="0" b="0"/>
+      </a:effectRef>
+      <a:fontRef idx="minor"/>
+    </dgm:style>
+  </dgm:styleLbl>
+  <dgm:styleLbl name="solidFgAcc1">
+    <dgm:scene3d>
+      <a:camera prst="orthographicFront"/>
+      <a:lightRig rig="threePt" dir="t"/>
+    </dgm:scene3d>
+    <dgm:sp3d/>
+    <dgm:txPr/>
+    <dgm:style>
+      <a:lnRef idx="2">
+        <a:scrgbClr r="0" g="0" b="0"/>
+      </a:lnRef>
+      <a:fillRef idx="1">
+        <a:scrgbClr r="0" g="0" b="0"/>
+      </a:fillRef>
+      <a:effectRef idx="0">
+        <a:scrgbClr r="0" g="0" b="0"/>
+      </a:effectRef>
+      <a:fontRef idx="minor"/>
+    </dgm:style>
+  </dgm:styleLbl>
+  <dgm:styleLbl name="solidAlignAcc1">
+    <dgm:scene3d>
+      <a:camera prst="orthographicFront"/>
+      <a:lightRig rig="threePt" dir="t"/>
+    </dgm:scene3d>
+    <dgm:sp3d/>
+    <dgm:txPr/>
+    <dgm:style>
+      <a:lnRef idx="2">
+        <a:scrgbClr r="0" g="0" b="0"/>
+      </a:lnRef>
+      <a:fillRef idx="1">
+        <a:scrgbClr r="0" g="0" b="0"/>
+      </a:fillRef>
+      <a:effectRef idx="0">
+        <a:scrgbClr r="0" g="0" b="0"/>
+      </a:effectRef>
+      <a:fontRef idx="minor"/>
+    </dgm:style>
+  </dgm:styleLbl>
+  <dgm:styleLbl name="solidBgAcc1">
+    <dgm:scene3d>
+      <a:camera prst="orthographicFront"/>
+      <a:lightRig rig="threePt" dir="t"/>
+    </dgm:scene3d>
+    <dgm:sp3d/>
+    <dgm:txPr/>
+    <dgm:style>
+      <a:lnRef idx="2">
+        <a:scrgbClr r="0" g="0" b="0"/>
+      </a:lnRef>
+      <a:fillRef idx="1">
+        <a:scrgbClr r="0" g="0" b="0"/>
+      </a:fillRef>
+      <a:effectRef idx="0">
+        <a:scrgbClr r="0" g="0" b="0"/>
+      </a:effectRef>
+      <a:fontRef idx="minor"/>
+    </dgm:style>
+  </dgm:styleLbl>
+  <dgm:styleLbl name="fgAccFollowNode1">
+    <dgm:scene3d>
+      <a:camera prst="orthographicFront"/>
+      <a:lightRig rig="threePt" dir="t"/>
+    </dgm:scene3d>
+    <dgm:sp3d/>
+    <dgm:txPr/>
+    <dgm:style>
+      <a:lnRef idx="2">
+        <a:scrgbClr r="0" g="0" b="0"/>
+      </a:lnRef>
+      <a:fillRef idx="1">
+        <a:scrgbClr r="0" g="0" b="0"/>
+      </a:fillRef>
+      <a:effectRef idx="0">
+        <a:scrgbClr r="0" g="0" b="0"/>
+      </a:effectRef>
+      <a:fontRef idx="minor"/>
+    </dgm:style>
+  </dgm:styleLbl>
+  <dgm:styleLbl name="alignAccFollowNode1">
+    <dgm:scene3d>
+      <a:camera prst="orthographicFront"/>
+      <a:lightRig rig="threePt" dir="t"/>
+    </dgm:scene3d>
+    <dgm:sp3d/>
+    <dgm:txPr/>
+    <dgm:style>
+      <a:lnRef idx="2">
+        <a:scrgbClr r="0" g="0" b="0"/>
+      </a:lnRef>
+      <a:fillRef idx="1">
+        <a:scrgbClr r="0" g="0" b="0"/>
+      </a:fillRef>
+      <a:effectRef idx="0">
+        <a:scrgbClr r="0" g="0" b="0"/>
+      </a:effectRef>
+      <a:fontRef idx="minor"/>
+    </dgm:style>
+  </dgm:styleLbl>
+  <dgm:styleLbl name="bgAccFollowNode1">
+    <dgm:scene3d>
+      <a:camera prst="orthographicFront"/>
+      <a:lightRig rig="threePt" dir="t"/>
+    </dgm:scene3d>
+    <dgm:sp3d/>
+    <dgm:txPr/>
+    <dgm:style>
+      <a:lnRef idx="2">
+        <a:scrgbClr r="0" g="0" b="0"/>
+      </a:lnRef>
+      <a:fillRef idx="1">
+        <a:scrgbClr r="0" g="0" b="0"/>
+      </a:fillRef>
+      <a:effectRef idx="0">
+        <a:scrgbClr r="0" g="0" b="0"/>
+      </a:effectRef>
+      <a:fontRef idx="minor"/>
+    </dgm:style>
+  </dgm:styleLbl>
+  <dgm:styleLbl name="fgAcc0">
+    <dgm:scene3d>
+      <a:camera prst="orthographicFront"/>
+      <a:lightRig rig="threePt" dir="t"/>
+    </dgm:scene3d>
+    <dgm:sp3d/>
+    <dgm:txPr/>
+    <dgm:style>
+      <a:lnRef idx="2">
+        <a:scrgbClr r="0" g="0" b="0"/>
+      </a:lnRef>
+      <a:fillRef idx="1">
+        <a:scrgbClr r="0" g="0" b="0"/>
+      </a:fillRef>
+      <a:effectRef idx="0">
+        <a:scrgbClr r="0" g="0" b="0"/>
+      </a:effectRef>
+      <a:fontRef idx="minor"/>
+    </dgm:style>
+  </dgm:styleLbl>
+  <dgm:styleLbl name="fgAcc2">
+    <dgm:scene3d>
+      <a:camera prst="orthographicFront"/>
+      <a:lightRig rig="threePt" dir="t"/>
+    </dgm:scene3d>
+    <dgm:sp3d/>
+    <dgm:txPr/>
+    <dgm:style>
+      <a:lnRef idx="2">
+        <a:scrgbClr r="0" g="0" b="0"/>
+      </a:lnRef>
+      <a:fillRef idx="1">
+        <a:scrgbClr r="0" g="0" b="0"/>
+      </a:fillRef>
+      <a:effectRef idx="0">
+        <a:scrgbClr r="0" g="0" b="0"/>
+      </a:effectRef>
+      <a:fontRef idx="minor"/>
+    </dgm:style>
+  </dgm:styleLbl>
+  <dgm:styleLbl name="fgAcc3">
+    <dgm:scene3d>
+      <a:camera prst="orthographicFront"/>
+      <a:lightRig rig="threePt" dir="t"/>
+    </dgm:scene3d>
+    <dgm:sp3d/>
+    <dgm:txPr/>
+    <dgm:style>
+      <a:lnRef idx="2">
+        <a:scrgbClr r="0" g="0" b="0"/>
+      </a:lnRef>
+      <a:fillRef idx="1">
+        <a:scrgbClr r="0" g="0" b="0"/>
+      </a:fillRef>
+      <a:effectRef idx="0">
+        <a:scrgbClr r="0" g="0" b="0"/>
+      </a:effectRef>
+      <a:fontRef idx="minor"/>
+    </dgm:style>
+  </dgm:styleLbl>
+  <dgm:styleLbl name="fgAcc4">
+    <dgm:scene3d>
+      <a:camera prst="orthographicFront"/>
+      <a:lightRig rig="threePt" dir="t"/>
+    </dgm:scene3d>
+    <dgm:sp3d/>
+    <dgm:txPr/>
+    <dgm:style>
+      <a:lnRef idx="2">
+        <a:scrgbClr r="0" g="0" b="0"/>
+      </a:lnRef>
+      <a:fillRef idx="1">
+        <a:scrgbClr r="0" g="0" b="0"/>
+      </a:fillRef>
+      <a:effectRef idx="0">
+        <a:scrgbClr r="0" g="0" b="0"/>
+      </a:effectRef>
+      <a:fontRef idx="minor"/>
+    </dgm:style>
+  </dgm:styleLbl>
+  <dgm:styleLbl name="bgShp">
+    <dgm:scene3d>
+      <a:camera prst="orthographicFront"/>
+      <a:lightRig rig="threePt" dir="t"/>
+    </dgm:scene3d>
+    <dgm:sp3d/>
+    <dgm:txPr/>
+    <dgm:style>
+      <a:lnRef idx="0">
+        <a:scrgbClr r="0" g="0" b="0"/>
+      </a:lnRef>
+      <a:fillRef idx="1">
+        <a:scrgbClr r="0" g="0" b="0"/>
+      </a:fillRef>
+      <a:effectRef idx="0">
+        <a:scrgbClr r="0" g="0" b="0"/>
+      </a:effectRef>
+      <a:fontRef idx="minor"/>
+    </dgm:style>
+  </dgm:styleLbl>
+  <dgm:styleLbl name="dkBgShp">
+    <dgm:scene3d>
+      <a:camera prst="orthographicFront"/>
+      <a:lightRig rig="threePt" dir="t"/>
+    </dgm:scene3d>
+    <dgm:sp3d/>
+    <dgm:txPr/>
+    <dgm:style>
+      <a:lnRef idx="0">
+        <a:scrgbClr r="0" g="0" b="0"/>
+      </a:lnRef>
+      <a:fillRef idx="1">
+        <a:scrgbClr r="0" g="0" b="0"/>
+      </a:fillRef>
+      <a:effectRef idx="0">
+        <a:scrgbClr r="0" g="0" b="0"/>
+      </a:effectRef>
+      <a:fontRef idx="minor"/>
+    </dgm:style>
+  </dgm:styleLbl>
+  <dgm:styleLbl name="trBgShp">
+    <dgm:scene3d>
+      <a:camera prst="orthographicFront"/>
+      <a:lightRig rig="threePt" dir="t"/>
+    </dgm:scene3d>
+    <dgm:sp3d/>
+    <dgm:txPr/>
+    <dgm:style>
+      <a:lnRef idx="0">
+        <a:scrgbClr r="0" g="0" b="0"/>
+      </a:lnRef>
+      <a:fillRef idx="1">
+        <a:scrgbClr r="0" g="0" b="0"/>
+      </a:fillRef>
+      <a:effectRef idx="0">
+        <a:scrgbClr r="0" g="0" b="0"/>
+      </a:effectRef>
+      <a:fontRef idx="minor"/>
+    </dgm:style>
+  </dgm:styleLbl>
+  <dgm:styleLbl name="fgShp">
+    <dgm:scene3d>
+      <a:camera prst="orthographicFront"/>
+      <a:lightRig rig="threePt" dir="t"/>
+    </dgm:scene3d>
+    <dgm:sp3d/>
+    <dgm:txPr/>
+    <dgm:style>
+      <a:lnRef idx="2">
+        <a:scrgbClr r="0" g="0" b="0"/>
+      </a:lnRef>
+      <a:fillRef idx="1">
+        <a:scrgbClr r="0" g="0" b="0"/>
+      </a:fillRef>
+      <a:effectRef idx="0">
+        <a:scrgbClr r="0" g="0" b="0"/>
+      </a:effectRef>
+      <a:fontRef idx="minor"/>
+    </dgm:style>
+  </dgm:styleLbl>
+  <dgm:styleLbl name="revTx">
+    <dgm:scene3d>
+      <a:camera prst="orthographicFront"/>
+      <a:lightRig rig="threePt" dir="t"/>
+    </dgm:scene3d>
+    <dgm:sp3d/>
+    <dgm:txPr/>
+    <dgm:style>
+      <a:lnRef idx="0">
+        <a:scrgbClr r="0" g="0" b="0"/>
+      </a:lnRef>
+      <a:fillRef idx="0">
+        <a:scrgbClr r="0" g="0" b="0"/>
+      </a:fillRef>
+      <a:effectRef idx="0">
+        <a:scrgbClr r="0" g="0" b="0"/>
+      </a:effectRef>
+      <a:fontRef idx="minor"/>
+    </dgm:style>
+  </dgm:styleLbl>
+</dgm:styleDef>
+</file>
+
 <file path=ppt/handoutMasters/handoutMaster1.xml><?xml version="1.0" encoding="utf-8"?>
 <p:handoutMaster xmlns:a="http://schemas.openxmlformats.org/drawingml/2006/main" xmlns:r="http://schemas.openxmlformats.org/officeDocument/2006/relationships" xmlns:p="http://schemas.openxmlformats.org/presentationml/2006/main">
   <p:cSld>
@@ -221,7 +6148,7 @@
           <a:p>
             <a:fld id="{7933C33B-3B2B-4721-A29A-0F380FF448EB}" type="datetimeFigureOut">
               <a:rPr lang="en-US" smtClean="0"/>
-              <a:t>10/18/2021</a:t>
+              <a:t>11/21/2021</a:t>
             </a:fld>
             <a:endParaRPr lang="en-US"/>
           </a:p>
@@ -386,7 +6313,7 @@
           <a:p>
             <a:fld id="{6C1C2D4C-D7B5-4A96-8CD9-3A56D798F167}" type="datetimeFigureOut">
               <a:rPr lang="en-US" smtClean="0"/>
-              <a:t>10/18/2021</a:t>
+              <a:t>11/21/2021</a:t>
             </a:fld>
             <a:endParaRPr lang="en-US" dirty="0"/>
           </a:p>
@@ -897,7 +6824,7 @@
                 <a:effectLst/>
                 <a:latin typeface="+mn-lt"/>
               </a:rPr>
-              <a:t>. As a side note, if you read other blog posts, this step is technically called the Binding phase. I personally call this step the Resolving phase to help spell the word PROCESS as a memorization tool and also to fit the steps on a single slide during presentations.  </a:t>
+              <a:t>. This is also where user permissions are checked and if any cached plans exist. As a side note, if you read other blog posts, this step is technically called the Binding phase. I personally call this step the Resolving phase to help spell the word PROCESS as a memorization tool and also to fit the steps on a single slide during presentations.  </a:t>
             </a:r>
           </a:p>
           <a:p>
@@ -1324,27 +7251,7 @@
                 <a:effectLst/>
                 <a:latin typeface="+mn-lt"/>
               </a:rPr>
-              <a:t>The </a:t>
-            </a:r>
-            <a:r>
-              <a:rPr lang="en-US" sz="1200" b="1" i="0" dirty="0">
-                <a:solidFill>
-                  <a:srgbClr val="000000"/>
-                </a:solidFill>
-                <a:effectLst/>
-                <a:latin typeface="+mn-lt"/>
-              </a:rPr>
-              <a:t>SQL Server Query Optimizer</a:t>
-            </a:r>
-            <a:r>
-              <a:rPr lang="en-US" sz="1200" b="0" i="0" dirty="0">
-                <a:solidFill>
-                  <a:srgbClr val="000000"/>
-                </a:solidFill>
-                <a:effectLst/>
-                <a:latin typeface="+mn-lt"/>
-              </a:rPr>
-              <a:t> uses cost-based optimization to create an execution plan with the least cost, but that also consumes the least amount of resources. The Query Optimizer will not evaluate all possible combinations of plans but will create a “Good Enough” plan based on available information such as statistics and the data distribution.</a:t>
+              <a:t>This post will describe how a SQL Server will PROCESS a query. The first time through running an Ad Hoc query or Stored Procedure, SQL Server will go through each of the following steps.</a:t>
             </a:r>
           </a:p>
           <a:p>
@@ -1360,24 +7267,34 @@
           <a:p>
             <a:pPr algn="l" fontAlgn="base"/>
             <a:r>
-              <a:rPr lang="en-US" sz="1200" b="1" i="0" dirty="0">
+              <a:rPr lang="en-US" sz="1200" b="0" i="0" dirty="0">
                 <a:solidFill>
                   <a:srgbClr val="000000"/>
                 </a:solidFill>
                 <a:effectLst/>
                 <a:latin typeface="+mn-lt"/>
               </a:rPr>
-              <a:t>Trivial Plan Optimization:</a:t>
-            </a:r>
-            <a:r>
-              <a:rPr lang="en-US" sz="1200" b="0" i="0" dirty="0">
+              <a:t>The first step is to </a:t>
+            </a:r>
+            <a:r>
+              <a:rPr lang="en-US" sz="1200" b="1" i="0" dirty="0">
                 <a:solidFill>
                   <a:srgbClr val="000000"/>
                 </a:solidFill>
                 <a:effectLst/>
                 <a:latin typeface="+mn-lt"/>
               </a:rPr>
-              <a:t> The Query Optimizer goes through several phases in the process of query optimization. First it must determine if the query has a trivial plan. Specially, a query that has only one plan to consider, such as, a SELECT statement where all the columns can be found in a single table or index. If a trivial plan is found, this saves the query optimizer from having to evaluate multiple plans, which reduces the workload of the optimizer. If a trivial plan is discovered then the optimization ends, and the query plan is created.</a:t>
+              <a:t>Parse</a:t>
+            </a:r>
+            <a:r>
+              <a:rPr lang="en-US" sz="1200" b="0" i="0" dirty="0">
+                <a:solidFill>
+                  <a:srgbClr val="000000"/>
+                </a:solidFill>
+                <a:effectLst/>
+                <a:latin typeface="+mn-lt"/>
+              </a:rPr>
+              <a:t> the statement into keywords, expressions, and operators. This is where the syntax of your query statement is checked for accuracy. Both the first and second steps are where you will find syntax errors. In most cases, these errors are caused by misspellings or putting commas in the wrong place.</a:t>
             </a:r>
           </a:p>
           <a:p>
@@ -1393,64 +7310,55 @@
           <a:p>
             <a:pPr algn="l" fontAlgn="base"/>
             <a:r>
-              <a:rPr lang="en-US" sz="1200" b="1" i="0" dirty="0">
+              <a:rPr lang="en-US" sz="1200" b="0" i="0" dirty="0">
                 <a:solidFill>
                   <a:srgbClr val="000000"/>
                 </a:solidFill>
                 <a:effectLst/>
                 <a:latin typeface="+mn-lt"/>
               </a:rPr>
-              <a:t>Non-Trivial Plan Optimization: </a:t>
-            </a:r>
-            <a:r>
-              <a:rPr lang="en-US" sz="1200" b="0" i="0" dirty="0">
+              <a:t>The second step is to </a:t>
+            </a:r>
+            <a:r>
+              <a:rPr lang="en-US" sz="1200" b="1" i="0" dirty="0">
                 <a:solidFill>
                   <a:srgbClr val="000000"/>
                 </a:solidFill>
                 <a:effectLst/>
                 <a:latin typeface="+mn-lt"/>
               </a:rPr>
-              <a:t>When a trivial plan is unable to be generated, the query optimizer performs a </a:t>
-            </a:r>
-            <a:r>
-              <a:rPr lang="en-US" sz="1200" b="1" i="0" dirty="0">
+              <a:t>Resolve</a:t>
+            </a:r>
+            <a:r>
+              <a:rPr lang="en-US" sz="1200" b="0" i="0" dirty="0">
                 <a:solidFill>
                   <a:srgbClr val="000000"/>
                 </a:solidFill>
                 <a:effectLst/>
                 <a:latin typeface="+mn-lt"/>
               </a:rPr>
-              <a:t>simplification</a:t>
-            </a:r>
-            <a:r>
-              <a:rPr lang="en-US" sz="1200" b="0" i="0" dirty="0">
-                <a:solidFill>
-                  <a:srgbClr val="000000"/>
+              <a:t> object names (Tables, Views, Columns, etc.) to see if they exist. This step also resolves aliases of columns and tables, as well as, resolves data types and performs </a:t>
+            </a:r>
+            <a:r>
+              <a:rPr lang="en-US" sz="1200" b="1" i="0" u="none" strike="noStrike" dirty="0">
+                <a:solidFill>
+                  <a:srgbClr val="005A8C"/>
                 </a:solidFill>
                 <a:effectLst/>
                 <a:latin typeface="+mn-lt"/>
-              </a:rPr>
-              <a:t> process to try to discover if unnecessary joins can be removed, operations can be rearranged, or commutative properties folded (Instead of 5 + 6, use 11 as a value). Additionally, before moving on to the next step, </a:t>
-            </a:r>
-            <a:r>
-              <a:rPr lang="en-US" sz="1200" b="1" i="0" dirty="0">
+                <a:hlinkClick r:id="rId3"/>
+              </a:rPr>
+              <a:t>implicit data type conversions</a:t>
+            </a:r>
+            <a:r>
+              <a:rPr lang="en-US" sz="1200" b="0" i="0" dirty="0">
                 <a:solidFill>
                   <a:srgbClr val="000000"/>
                 </a:solidFill>
                 <a:effectLst/>
                 <a:latin typeface="+mn-lt"/>
               </a:rPr>
-              <a:t>statistics</a:t>
-            </a:r>
-            <a:r>
-              <a:rPr lang="en-US" sz="1200" b="0" i="0" dirty="0">
-                <a:solidFill>
-                  <a:srgbClr val="000000"/>
-                </a:solidFill>
-                <a:effectLst/>
-                <a:latin typeface="+mn-lt"/>
-              </a:rPr>
-              <a:t>, data distribution, and index metadata are added to the query tree.</a:t>
+              <a:t>. This is also where user permissions are checked and if any cached plans exist. As a side note, if you read other blog posts, this step is technically called the Binding phase. I personally call this step the Resolving phase to help spell the word PROCESS as a memorization tool and also to fit the steps on a single slide during presentations.  </a:t>
             </a:r>
           </a:p>
           <a:p>
@@ -1466,24 +7374,55 @@
           <a:p>
             <a:pPr algn="l" fontAlgn="base"/>
             <a:r>
-              <a:rPr lang="en-US" sz="1200" b="1" i="0" dirty="0">
+              <a:rPr lang="en-US" sz="1200" b="0" i="0" dirty="0">
                 <a:solidFill>
                   <a:srgbClr val="000000"/>
                 </a:solidFill>
                 <a:effectLst/>
                 <a:latin typeface="+mn-lt"/>
               </a:rPr>
-              <a:t>Cost-based optimization: </a:t>
-            </a:r>
-            <a:r>
-              <a:rPr lang="en-US" sz="1200" b="0" i="0" dirty="0">
+              <a:t>The third step is to </a:t>
+            </a:r>
+            <a:r>
+              <a:rPr lang="en-US" sz="1200" b="1" i="0" dirty="0">
                 <a:solidFill>
                   <a:srgbClr val="000000"/>
                 </a:solidFill>
                 <a:effectLst/>
                 <a:latin typeface="+mn-lt"/>
               </a:rPr>
-              <a:t>Now the query optimizer will evaluate the query across three search phases to quickly identify the plan with the least cost.</a:t>
+              <a:t>Optimize</a:t>
+            </a:r>
+            <a:r>
+              <a:rPr lang="en-US" sz="1200" b="0" i="0" dirty="0">
+                <a:solidFill>
+                  <a:srgbClr val="000000"/>
+                </a:solidFill>
+                <a:effectLst/>
+                <a:latin typeface="+mn-lt"/>
+              </a:rPr>
+              <a:t> the query. This is where the query optimizer will find different ways of locating data from your tables based on available indexes and/or statistics. Once it figures a good enough plan to retrieve your result set using the least amount of resources, it will create an </a:t>
+            </a:r>
+            <a:r>
+              <a:rPr lang="en-US" sz="1200" b="1" i="0" u="none" strike="noStrike" dirty="0">
+                <a:solidFill>
+                  <a:srgbClr val="005A8C"/>
+                </a:solidFill>
+                <a:effectLst/>
+                <a:latin typeface="+mn-lt"/>
+                <a:hlinkClick r:id="rId4"/>
+              </a:rPr>
+              <a:t>Execution Plan</a:t>
+            </a:r>
+            <a:r>
+              <a:rPr lang="en-US" sz="1200" b="0" i="0" dirty="0">
+                <a:solidFill>
+                  <a:srgbClr val="000000"/>
+                </a:solidFill>
+                <a:effectLst/>
+                <a:latin typeface="+mn-lt"/>
+              </a:rPr>
+              <a:t>. Errors would only occur during this stage if there is a lack of hardware resources. Most compile errors happen at the next step. </a:t>
             </a:r>
           </a:p>
           <a:p>
@@ -1497,36 +7436,154 @@
             </a:endParaRPr>
           </a:p>
           <a:p>
-            <a:pPr marL="457200" indent="-457200" algn="l" fontAlgn="base">
-              <a:buFont typeface="Arial" panose="020B0604020202020204" pitchFamily="34" charset="0"/>
-              <a:buChar char="•"/>
-            </a:pPr>
-            <a:r>
-              <a:rPr lang="en-US" sz="1200" b="1" i="0" dirty="0">
+            <a:pPr algn="l" fontAlgn="base"/>
+            <a:r>
+              <a:rPr lang="en-US" sz="1200" b="0" i="0" dirty="0">
                 <a:solidFill>
                   <a:srgbClr val="000000"/>
                 </a:solidFill>
                 <a:effectLst/>
                 <a:latin typeface="+mn-lt"/>
               </a:rPr>
-              <a:t>Phase 0 – Transactional Processing Phase: </a:t>
-            </a:r>
-            <a:r>
-              <a:rPr lang="en-US" sz="1200" b="0" i="0" dirty="0">
+              <a:t>The fourth step is to </a:t>
+            </a:r>
+            <a:r>
+              <a:rPr lang="en-US" sz="1200" b="1" i="0" dirty="0">
                 <a:solidFill>
                   <a:srgbClr val="000000"/>
                 </a:solidFill>
                 <a:effectLst/>
                 <a:latin typeface="+mn-lt"/>
               </a:rPr>
-              <a:t>When online transaction processing (OTLP) queries are evaluated and there are three tables or less, the optimizer evaluates a limited number of join operators (merge, hash match, or loop) for potential plan candidates. If the estimated cost is less than 0.2 then the optimization ends, and the query plan is created.</a:t>
-            </a:r>
-          </a:p>
-          <a:p>
-            <a:pPr marL="457200" indent="-457200" algn="l" fontAlgn="base">
-              <a:buFont typeface="Arial" panose="020B0604020202020204" pitchFamily="34" charset="0"/>
-              <a:buChar char="•"/>
-            </a:pPr>
+              <a:t>Compile</a:t>
+            </a:r>
+            <a:r>
+              <a:rPr lang="en-US" sz="1200" b="0" i="0" dirty="0">
+                <a:solidFill>
+                  <a:srgbClr val="000000"/>
+                </a:solidFill>
+                <a:effectLst/>
+                <a:latin typeface="+mn-lt"/>
+              </a:rPr>
+              <a:t> the Execution Plan and store it in the Procedure Cache for future use. </a:t>
+            </a:r>
+          </a:p>
+          <a:p>
+            <a:pPr algn="l" fontAlgn="base"/>
+            <a:r>
+              <a:rPr lang="en-US" sz="1200" b="0" i="0" dirty="0">
+                <a:solidFill>
+                  <a:srgbClr val="000000"/>
+                </a:solidFill>
+                <a:effectLst/>
+                <a:latin typeface="+mn-lt"/>
+              </a:rPr>
+              <a:t>Finally, the Execution Plan is passed to the Storage Engine to </a:t>
+            </a:r>
+            <a:r>
+              <a:rPr lang="en-US" sz="1200" b="1" i="0" dirty="0">
+                <a:solidFill>
+                  <a:srgbClr val="000000"/>
+                </a:solidFill>
+                <a:effectLst/>
+                <a:latin typeface="+mn-lt"/>
+              </a:rPr>
+              <a:t>Execute </a:t>
+            </a:r>
+            <a:r>
+              <a:rPr lang="en-US" sz="1200" b="0" i="0" dirty="0">
+                <a:solidFill>
+                  <a:srgbClr val="000000"/>
+                </a:solidFill>
+                <a:effectLst/>
+                <a:latin typeface="+mn-lt"/>
+              </a:rPr>
+              <a:t>the query and hopefully return the desired </a:t>
+            </a:r>
+            <a:r>
+              <a:rPr lang="en-US" sz="1200" b="1" i="0" dirty="0">
+                <a:solidFill>
+                  <a:srgbClr val="000000"/>
+                </a:solidFill>
+                <a:effectLst/>
+                <a:latin typeface="+mn-lt"/>
+              </a:rPr>
+              <a:t>SQL Sets. </a:t>
+            </a:r>
+            <a:r>
+              <a:rPr lang="en-US" sz="1200" b="0" i="0" dirty="0">
+                <a:solidFill>
+                  <a:srgbClr val="000000"/>
+                </a:solidFill>
+                <a:effectLst/>
+                <a:latin typeface="+mn-lt"/>
+              </a:rPr>
+              <a:t>This is where Run-Time errors will occur that need to be managed by using</a:t>
+            </a:r>
+            <a:r>
+              <a:rPr lang="en-US" sz="1200" b="1" i="0" u="none" strike="noStrike" dirty="0">
+                <a:solidFill>
+                  <a:srgbClr val="005A8C"/>
+                </a:solidFill>
+                <a:effectLst/>
+                <a:latin typeface="+mn-lt"/>
+                <a:hlinkClick r:id="rId5"/>
+              </a:rPr>
+              <a:t> Exception Handling</a:t>
+            </a:r>
+            <a:r>
+              <a:rPr lang="en-US" sz="1200" b="0" i="0" dirty="0">
+                <a:solidFill>
+                  <a:srgbClr val="000000"/>
+                </a:solidFill>
+                <a:effectLst/>
+                <a:latin typeface="+mn-lt"/>
+              </a:rPr>
+              <a:t>. (SQL Sets are normally called </a:t>
+            </a:r>
+            <a:r>
+              <a:rPr lang="en-US" sz="1200" b="0" i="0" dirty="0" err="1">
+                <a:solidFill>
+                  <a:srgbClr val="000000"/>
+                </a:solidFill>
+                <a:effectLst/>
+                <a:latin typeface="+mn-lt"/>
+              </a:rPr>
+              <a:t>recordsets</a:t>
+            </a:r>
+            <a:r>
+              <a:rPr lang="en-US" sz="1200" b="0" i="0" dirty="0">
+                <a:solidFill>
+                  <a:srgbClr val="000000"/>
+                </a:solidFill>
+                <a:effectLst/>
+                <a:latin typeface="+mn-lt"/>
+              </a:rPr>
+              <a:t> or </a:t>
+            </a:r>
+            <a:r>
+              <a:rPr lang="en-US" sz="1200" b="0" i="0" dirty="0" err="1">
+                <a:solidFill>
+                  <a:srgbClr val="000000"/>
+                </a:solidFill>
+                <a:effectLst/>
+                <a:latin typeface="+mn-lt"/>
+              </a:rPr>
+              <a:t>rowsets</a:t>
+            </a:r>
+            <a:r>
+              <a:rPr lang="en-US" sz="1200" b="0" i="0" dirty="0">
+                <a:solidFill>
+                  <a:srgbClr val="000000"/>
+                </a:solidFill>
+                <a:effectLst/>
+                <a:latin typeface="+mn-lt"/>
+              </a:rPr>
+              <a:t>, but I’m making a blog post on the PROCESS of queries not the PBOCERS of queries).</a:t>
+            </a:r>
+          </a:p>
+          <a:p>
+            <a:pPr algn="l" fontAlgn="base"/>
             <a:endParaRPr lang="en-US" sz="1200" b="0" i="0" dirty="0">
               <a:solidFill>
                 <a:srgbClr val="000000"/>
@@ -1536,36 +7593,20 @@
             </a:endParaRPr>
           </a:p>
           <a:p>
-            <a:pPr marL="457200" indent="-457200" algn="l" fontAlgn="base">
-              <a:buFont typeface="Arial" panose="020B0604020202020204" pitchFamily="34" charset="0"/>
-              <a:buChar char="•"/>
-            </a:pPr>
-            <a:r>
-              <a:rPr lang="en-US" sz="1200" b="1" i="0" dirty="0">
+            <a:pPr algn="l" fontAlgn="base"/>
+            <a:r>
+              <a:rPr lang="en-US" sz="1200" b="0" i="0" dirty="0">
                 <a:solidFill>
                   <a:srgbClr val="000000"/>
                 </a:solidFill>
                 <a:effectLst/>
                 <a:latin typeface="+mn-lt"/>
               </a:rPr>
-              <a:t>Phase 1a – Quick Serial Plan Optimization: </a:t>
-            </a:r>
-            <a:r>
-              <a:rPr lang="en-US" sz="1200" b="0" i="0" dirty="0">
-                <a:solidFill>
-                  <a:srgbClr val="000000"/>
-                </a:solidFill>
-                <a:effectLst/>
-                <a:latin typeface="+mn-lt"/>
-              </a:rPr>
-              <a:t>Additional join orders and transformation rules are evaluated to create a cost-effective serial plan. If the plan cost is less than 1.0 then the optimization ends, and the query plan is created.</a:t>
-            </a:r>
-          </a:p>
-          <a:p>
-            <a:pPr marL="457200" indent="-457200" algn="l" fontAlgn="base">
-              <a:buFont typeface="Arial" panose="020B0604020202020204" pitchFamily="34" charset="0"/>
-              <a:buChar char="•"/>
-            </a:pPr>
+              <a:t>Additional submissions of the query from a Stored Procedure, will check the Procedure Cache for existing or similar Execution Plans that could be re-used for the query. If this is the case, the existing Execution Plan will be used to retrieve the SQL Sets using the Execution Context of the Stored Procedure.</a:t>
+            </a:r>
+          </a:p>
+          <a:p>
+            <a:pPr algn="l" fontAlgn="base"/>
             <a:endParaRPr lang="en-US" sz="1200" b="0" i="0" dirty="0">
               <a:solidFill>
                 <a:srgbClr val="000000"/>
@@ -1575,36 +7616,60 @@
             </a:endParaRPr>
           </a:p>
           <a:p>
-            <a:pPr marL="457200" indent="-457200" algn="l" fontAlgn="base">
-              <a:buFont typeface="Arial" panose="020B0604020202020204" pitchFamily="34" charset="0"/>
-              <a:buChar char="•"/>
-            </a:pPr>
-            <a:r>
-              <a:rPr lang="en-US" sz="1200" b="1" i="0" dirty="0">
+            <a:pPr algn="l" fontAlgn="base"/>
+            <a:r>
+              <a:rPr lang="en-US" sz="1200" b="0" i="0" dirty="0">
                 <a:solidFill>
                   <a:srgbClr val="000000"/>
                 </a:solidFill>
                 <a:effectLst/>
                 <a:latin typeface="+mn-lt"/>
               </a:rPr>
-              <a:t>Phase 1b – Quick Parallel Plan Optimization: </a:t>
-            </a:r>
-            <a:r>
-              <a:rPr lang="en-US" sz="1200" b="0" i="0" dirty="0">
+              <a:t>It is possible for an Ad Hoc query to also re-use an existing plan from the procedure cache if the only thing that has changed in the query is the parameter value. Example: If a query had been written WHERE </a:t>
+            </a:r>
+            <a:r>
+              <a:rPr lang="en-US" sz="1200" b="0" i="0" dirty="0" err="1">
                 <a:solidFill>
                   <a:srgbClr val="000000"/>
                 </a:solidFill>
                 <a:effectLst/>
                 <a:latin typeface="+mn-lt"/>
               </a:rPr>
-              <a:t>At this point, if the cost of the plan is greater than 1.0, MAXDOP is set to a value greater than 1, and the plan cost is greater than the Cost Threshold for Parallelism; then the query optimizer repeats Phase 1 until it finds the most efficient parallel plan.</a:t>
-            </a:r>
-          </a:p>
-          <a:p>
-            <a:pPr marL="457200" indent="-457200" algn="l" fontAlgn="base">
-              <a:buFont typeface="Arial" panose="020B0604020202020204" pitchFamily="34" charset="0"/>
-              <a:buChar char="•"/>
-            </a:pPr>
+              <a:t>ProductID</a:t>
+            </a:r>
+            <a:r>
+              <a:rPr lang="en-US" sz="1200" b="0" i="0" dirty="0">
+                <a:solidFill>
+                  <a:srgbClr val="000000"/>
+                </a:solidFill>
+                <a:effectLst/>
+                <a:latin typeface="+mn-lt"/>
+              </a:rPr>
+              <a:t> = 732 and was re-written WHERE </a:t>
+            </a:r>
+            <a:r>
+              <a:rPr lang="en-US" sz="1200" b="0" i="0" dirty="0" err="1">
+                <a:solidFill>
+                  <a:srgbClr val="000000"/>
+                </a:solidFill>
+                <a:effectLst/>
+                <a:latin typeface="+mn-lt"/>
+              </a:rPr>
+              <a:t>ProductID</a:t>
+            </a:r>
+            <a:r>
+              <a:rPr lang="en-US" sz="1200" b="0" i="0" dirty="0">
+                <a:solidFill>
+                  <a:srgbClr val="000000"/>
+                </a:solidFill>
+                <a:effectLst/>
+                <a:latin typeface="+mn-lt"/>
+              </a:rPr>
+              <a:t> = 738 the execution plan could be re-used, but if anything else changed, even by adding a space, the optimizer would compile a new execution plan.</a:t>
+            </a:r>
+          </a:p>
+          <a:p>
+            <a:pPr algn="l" fontAlgn="base"/>
             <a:endParaRPr lang="en-US" sz="1200" b="0" i="0" dirty="0">
               <a:solidFill>
                 <a:srgbClr val="000000"/>
@@ -1614,45 +7679,19 @@
             </a:endParaRPr>
           </a:p>
           <a:p>
-            <a:pPr marL="457200" indent="-457200" algn="l" fontAlgn="base">
-              <a:buFont typeface="Arial" panose="020B0604020202020204" pitchFamily="34" charset="0"/>
-              <a:buChar char="•"/>
-            </a:pPr>
-            <a:r>
-              <a:rPr lang="en-US" sz="1200" b="1" i="0" dirty="0">
+            <a:pPr algn="l" fontAlgn="base"/>
+            <a:r>
+              <a:rPr lang="en-US" sz="1200" b="0" i="0" dirty="0">
                 <a:solidFill>
                   <a:srgbClr val="000000"/>
                 </a:solidFill>
                 <a:effectLst/>
                 <a:latin typeface="+mn-lt"/>
               </a:rPr>
-              <a:t>Phase 2 – Compare Plans and Full Plan Optimization: </a:t>
-            </a:r>
-            <a:r>
-              <a:rPr lang="en-US" sz="1200" b="0" i="0" dirty="0">
-                <a:solidFill>
-                  <a:srgbClr val="000000"/>
-                </a:solidFill>
-                <a:effectLst/>
-                <a:latin typeface="+mn-lt"/>
-              </a:rPr>
-              <a:t>At this point the serial plan that had a cost greater than 1.0 but less than the Cost Threshold for Parallelism is compared with the most efficient parallel plan. The optimizer will then take the cheaper of the two plans and consider if there are any additional ways of optimizing the ·execution plan. At this point, the optimization ends, and the query plan is created.</a:t>
-            </a:r>
-          </a:p>
-          <a:p>
-            <a:pPr marL="342900" marR="0" lvl="0" indent="-342900">
-              <a:lnSpc>
-                <a:spcPct val="107000"/>
-              </a:lnSpc>
-              <a:spcBef>
-                <a:spcPts val="0"/>
-              </a:spcBef>
-              <a:spcAft>
-                <a:spcPts val="0"/>
-              </a:spcAft>
-              <a:buFont typeface="Symbol" panose="05050102010706020507" pitchFamily="18" charset="2"/>
-              <a:buChar char=""/>
-            </a:pPr>
+              <a:t>One final thing. You will notice that you can have both an Estimated Execution Plan and an Actual Execution Plan. The difference is the first will show you what the plan would look like before the plan is compiled and the second will additionally add the values of actually running the plan that was placed in the procedure cache and executed.</a:t>
+            </a:r>
+          </a:p>
+          <a:p>
             <a:endParaRPr lang="en-US" dirty="0"/>
           </a:p>
         </p:txBody>
@@ -1683,7 +7722,851 @@
     </p:spTree>
     <p:extLst>
       <p:ext uri="{BB962C8B-B14F-4D97-AF65-F5344CB8AC3E}">
+        <p14:creationId xmlns:p14="http://schemas.microsoft.com/office/powerpoint/2010/main" val="3708365680"/>
+      </p:ext>
+    </p:extLst>
+  </p:cSld>
+  <p:clrMapOvr>
+    <a:masterClrMapping/>
+  </p:clrMapOvr>
+</p:notes>
+</file>
+
+<file path=ppt/notesSlides/notesSlide4.xml><?xml version="1.0" encoding="utf-8"?>
+<p:notes xmlns:a="http://schemas.openxmlformats.org/drawingml/2006/main" xmlns:r="http://schemas.openxmlformats.org/officeDocument/2006/relationships" xmlns:p="http://schemas.openxmlformats.org/presentationml/2006/main">
+  <p:cSld>
+    <p:spTree>
+      <p:nvGrpSpPr>
+        <p:cNvPr id="1" name=""/>
+        <p:cNvGrpSpPr/>
+        <p:nvPr/>
+      </p:nvGrpSpPr>
+      <p:grpSpPr>
+        <a:xfrm>
+          <a:off x="0" y="0"/>
+          <a:ext cx="0" cy="0"/>
+          <a:chOff x="0" y="0"/>
+          <a:chExt cx="0" cy="0"/>
+        </a:xfrm>
+      </p:grpSpPr>
+      <p:sp>
+        <p:nvSpPr>
+          <p:cNvPr id="2" name="Slide Image Placeholder 1"/>
+          <p:cNvSpPr>
+            <a:spLocks noGrp="1" noRot="1" noChangeAspect="1"/>
+          </p:cNvSpPr>
+          <p:nvPr>
+            <p:ph type="sldImg"/>
+          </p:nvPr>
+        </p:nvSpPr>
+        <p:spPr/>
+      </p:sp>
+      <p:sp>
+        <p:nvSpPr>
+          <p:cNvPr id="3" name="Notes Placeholder 2"/>
+          <p:cNvSpPr>
+            <a:spLocks noGrp="1"/>
+          </p:cNvSpPr>
+          <p:nvPr>
+            <p:ph type="body" idx="1"/>
+          </p:nvPr>
+        </p:nvSpPr>
+        <p:spPr/>
+        <p:txBody>
+          <a:bodyPr/>
+          <a:lstStyle/>
+          <a:p>
+            <a:pPr algn="l" fontAlgn="base"/>
+            <a:r>
+              <a:rPr lang="en-US" sz="1200" b="0" i="0" dirty="0">
+                <a:solidFill>
+                  <a:srgbClr val="000000"/>
+                </a:solidFill>
+                <a:effectLst/>
+                <a:latin typeface="+mn-lt"/>
+              </a:rPr>
+              <a:t>The </a:t>
+            </a:r>
+            <a:r>
+              <a:rPr lang="en-US" sz="1200" b="1" i="0" dirty="0">
+                <a:solidFill>
+                  <a:srgbClr val="000000"/>
+                </a:solidFill>
+                <a:effectLst/>
+                <a:latin typeface="+mn-lt"/>
+              </a:rPr>
+              <a:t>SQL Server Query Optimizer</a:t>
+            </a:r>
+            <a:r>
+              <a:rPr lang="en-US" sz="1200" b="0" i="0" dirty="0">
+                <a:solidFill>
+                  <a:srgbClr val="000000"/>
+                </a:solidFill>
+                <a:effectLst/>
+                <a:latin typeface="+mn-lt"/>
+              </a:rPr>
+              <a:t> uses cost-based optimization to create an execution plan with the least cost, but that also consumes the least amount of resources. The Query Optimizer will not evaluate all possible combinations of plans but will create a “Good Enough” plan based on available information such as statistics and the data distribution.</a:t>
+            </a:r>
+          </a:p>
+          <a:p>
+            <a:pPr algn="l" fontAlgn="base"/>
+            <a:endParaRPr lang="en-US" sz="1200" b="0" i="0" dirty="0">
+              <a:solidFill>
+                <a:srgbClr val="000000"/>
+              </a:solidFill>
+              <a:effectLst/>
+              <a:latin typeface="+mn-lt"/>
+            </a:endParaRPr>
+          </a:p>
+          <a:p>
+            <a:pPr algn="l" fontAlgn="base"/>
+            <a:r>
+              <a:rPr lang="en-US" sz="1200" b="1" i="0" dirty="0">
+                <a:solidFill>
+                  <a:srgbClr val="000000"/>
+                </a:solidFill>
+                <a:effectLst/>
+                <a:latin typeface="+mn-lt"/>
+              </a:rPr>
+              <a:t>Trivial Plan Optimization:</a:t>
+            </a:r>
+            <a:r>
+              <a:rPr lang="en-US" sz="1200" b="0" i="0" dirty="0">
+                <a:solidFill>
+                  <a:srgbClr val="000000"/>
+                </a:solidFill>
+                <a:effectLst/>
+                <a:latin typeface="+mn-lt"/>
+              </a:rPr>
+              <a:t> The Query Optimizer goes through several phases in the process of query optimization. First it must determine if the query has a trivial plan. Specially, a query that has only one plan to consider, such as, a SELECT statement where all the columns can be found in a single table or index. If a trivial plan is found, this saves the query optimizer from having to evaluate multiple plans, which reduces the workload of the optimizer. If a trivial plan is discovered then the optimization ends, and the query plan is created.</a:t>
+            </a:r>
+          </a:p>
+          <a:p>
+            <a:pPr algn="l" fontAlgn="base"/>
+            <a:endParaRPr lang="en-US" sz="1200" b="0" i="0" dirty="0">
+              <a:solidFill>
+                <a:srgbClr val="000000"/>
+              </a:solidFill>
+              <a:effectLst/>
+              <a:latin typeface="+mn-lt"/>
+            </a:endParaRPr>
+          </a:p>
+          <a:p>
+            <a:pPr algn="l" fontAlgn="base"/>
+            <a:r>
+              <a:rPr lang="en-US" sz="1200" b="1" i="0" dirty="0">
+                <a:solidFill>
+                  <a:srgbClr val="000000"/>
+                </a:solidFill>
+                <a:effectLst/>
+                <a:latin typeface="+mn-lt"/>
+              </a:rPr>
+              <a:t>Non-Trivial Plan Optimization: </a:t>
+            </a:r>
+            <a:r>
+              <a:rPr lang="en-US" sz="1200" b="0" i="0" dirty="0">
+                <a:solidFill>
+                  <a:srgbClr val="000000"/>
+                </a:solidFill>
+                <a:effectLst/>
+                <a:latin typeface="+mn-lt"/>
+              </a:rPr>
+              <a:t>When a trivial plan is unable to be generated, the query optimizer performs a </a:t>
+            </a:r>
+            <a:r>
+              <a:rPr lang="en-US" sz="1200" b="1" i="0" dirty="0">
+                <a:solidFill>
+                  <a:srgbClr val="000000"/>
+                </a:solidFill>
+                <a:effectLst/>
+                <a:latin typeface="+mn-lt"/>
+              </a:rPr>
+              <a:t>simplification</a:t>
+            </a:r>
+            <a:r>
+              <a:rPr lang="en-US" sz="1200" b="0" i="0" dirty="0">
+                <a:solidFill>
+                  <a:srgbClr val="000000"/>
+                </a:solidFill>
+                <a:effectLst/>
+                <a:latin typeface="+mn-lt"/>
+              </a:rPr>
+              <a:t> process to try to discover if unnecessary joins can be removed, operations can be rearranged, or commutative properties folded (Instead of 5 + 6, use 11 as a value). Additionally, before moving on to the next step, </a:t>
+            </a:r>
+            <a:r>
+              <a:rPr lang="en-US" sz="1200" b="1" i="0" dirty="0">
+                <a:solidFill>
+                  <a:srgbClr val="000000"/>
+                </a:solidFill>
+                <a:effectLst/>
+                <a:latin typeface="+mn-lt"/>
+              </a:rPr>
+              <a:t>statistics</a:t>
+            </a:r>
+            <a:r>
+              <a:rPr lang="en-US" sz="1200" b="0" i="0" dirty="0">
+                <a:solidFill>
+                  <a:srgbClr val="000000"/>
+                </a:solidFill>
+                <a:effectLst/>
+                <a:latin typeface="+mn-lt"/>
+              </a:rPr>
+              <a:t>, data distribution, and index metadata are added to the query tree.</a:t>
+            </a:r>
+          </a:p>
+          <a:p>
+            <a:pPr algn="l" fontAlgn="base"/>
+            <a:endParaRPr lang="en-US" sz="1200" b="0" i="0" dirty="0">
+              <a:solidFill>
+                <a:srgbClr val="000000"/>
+              </a:solidFill>
+              <a:effectLst/>
+              <a:latin typeface="+mn-lt"/>
+            </a:endParaRPr>
+          </a:p>
+          <a:p>
+            <a:pPr algn="l" fontAlgn="base"/>
+            <a:r>
+              <a:rPr lang="en-US" sz="1200" b="1" i="0" dirty="0">
+                <a:solidFill>
+                  <a:srgbClr val="000000"/>
+                </a:solidFill>
+                <a:effectLst/>
+                <a:latin typeface="+mn-lt"/>
+              </a:rPr>
+              <a:t>Cost-based optimization: </a:t>
+            </a:r>
+            <a:r>
+              <a:rPr lang="en-US" sz="1200" b="0" i="0" dirty="0">
+                <a:solidFill>
+                  <a:srgbClr val="000000"/>
+                </a:solidFill>
+                <a:effectLst/>
+                <a:latin typeface="+mn-lt"/>
+              </a:rPr>
+              <a:t>Now the query optimizer will evaluate the query across three search phases to quickly identify the plan with the least cost.</a:t>
+            </a:r>
+          </a:p>
+          <a:p>
+            <a:pPr algn="l" fontAlgn="base"/>
+            <a:endParaRPr lang="en-US" sz="1200" b="0" i="0" dirty="0">
+              <a:solidFill>
+                <a:srgbClr val="000000"/>
+              </a:solidFill>
+              <a:effectLst/>
+              <a:latin typeface="+mn-lt"/>
+            </a:endParaRPr>
+          </a:p>
+          <a:p>
+            <a:pPr marL="457200" indent="-457200" algn="l" fontAlgn="base">
+              <a:buFont typeface="Arial" panose="020B0604020202020204" pitchFamily="34" charset="0"/>
+              <a:buChar char="•"/>
+            </a:pPr>
+            <a:r>
+              <a:rPr lang="en-US" sz="1200" b="1" i="0" dirty="0">
+                <a:solidFill>
+                  <a:srgbClr val="000000"/>
+                </a:solidFill>
+                <a:effectLst/>
+                <a:latin typeface="+mn-lt"/>
+              </a:rPr>
+              <a:t>Phase 0 – Transactional Processing Phase: </a:t>
+            </a:r>
+            <a:r>
+              <a:rPr lang="en-US" sz="1200" b="0" i="0" dirty="0">
+                <a:solidFill>
+                  <a:srgbClr val="000000"/>
+                </a:solidFill>
+                <a:effectLst/>
+                <a:latin typeface="+mn-lt"/>
+              </a:rPr>
+              <a:t>When online transaction processing (OTLP) queries are evaluated and there are three tables or less, the optimizer evaluates a limited number of join operators (merge, hash match, or loop) for potential plan candidates. If the estimated cost is less than 0.2 then the optimization ends, and the query plan is created.</a:t>
+            </a:r>
+          </a:p>
+          <a:p>
+            <a:pPr marL="457200" indent="-457200" algn="l" fontAlgn="base">
+              <a:buFont typeface="Arial" panose="020B0604020202020204" pitchFamily="34" charset="0"/>
+              <a:buChar char="•"/>
+            </a:pPr>
+            <a:endParaRPr lang="en-US" sz="1200" b="0" i="0" dirty="0">
+              <a:solidFill>
+                <a:srgbClr val="000000"/>
+              </a:solidFill>
+              <a:effectLst/>
+              <a:latin typeface="+mn-lt"/>
+            </a:endParaRPr>
+          </a:p>
+          <a:p>
+            <a:pPr marL="457200" indent="-457200" algn="l" fontAlgn="base">
+              <a:buFont typeface="Arial" panose="020B0604020202020204" pitchFamily="34" charset="0"/>
+              <a:buChar char="•"/>
+            </a:pPr>
+            <a:r>
+              <a:rPr lang="en-US" sz="1200" b="1" i="0" dirty="0">
+                <a:solidFill>
+                  <a:srgbClr val="000000"/>
+                </a:solidFill>
+                <a:effectLst/>
+                <a:latin typeface="+mn-lt"/>
+              </a:rPr>
+              <a:t>Phase 1a – Quick Serial Plan Optimization: </a:t>
+            </a:r>
+            <a:r>
+              <a:rPr lang="en-US" sz="1200" b="0" i="0" dirty="0">
+                <a:solidFill>
+                  <a:srgbClr val="000000"/>
+                </a:solidFill>
+                <a:effectLst/>
+                <a:latin typeface="+mn-lt"/>
+              </a:rPr>
+              <a:t>Additional join orders and transformation rules are evaluated to create a cost-effective serial plan. If the plan cost is less than 1.0 then the optimization ends, and the query plan is created.</a:t>
+            </a:r>
+          </a:p>
+          <a:p>
+            <a:pPr marL="457200" indent="-457200" algn="l" fontAlgn="base">
+              <a:buFont typeface="Arial" panose="020B0604020202020204" pitchFamily="34" charset="0"/>
+              <a:buChar char="•"/>
+            </a:pPr>
+            <a:endParaRPr lang="en-US" sz="1200" b="0" i="0" dirty="0">
+              <a:solidFill>
+                <a:srgbClr val="000000"/>
+              </a:solidFill>
+              <a:effectLst/>
+              <a:latin typeface="+mn-lt"/>
+            </a:endParaRPr>
+          </a:p>
+          <a:p>
+            <a:pPr marL="457200" indent="-457200" algn="l" fontAlgn="base">
+              <a:buFont typeface="Arial" panose="020B0604020202020204" pitchFamily="34" charset="0"/>
+              <a:buChar char="•"/>
+            </a:pPr>
+            <a:r>
+              <a:rPr lang="en-US" sz="1200" b="1" i="0" dirty="0">
+                <a:solidFill>
+                  <a:srgbClr val="000000"/>
+                </a:solidFill>
+                <a:effectLst/>
+                <a:latin typeface="+mn-lt"/>
+              </a:rPr>
+              <a:t>Phase 1b – Quick Parallel Plan Optimization: </a:t>
+            </a:r>
+            <a:r>
+              <a:rPr lang="en-US" sz="1200" b="0" i="0" dirty="0">
+                <a:solidFill>
+                  <a:srgbClr val="000000"/>
+                </a:solidFill>
+                <a:effectLst/>
+                <a:latin typeface="+mn-lt"/>
+              </a:rPr>
+              <a:t>At this point, if the cost of the plan is greater than 1.0, MAXDOP is set to a value greater than 1, and the plan cost is greater than the Cost Threshold for Parallelism; then the query optimizer repeats Phase 1 until it finds the most efficient parallel plan.</a:t>
+            </a:r>
+          </a:p>
+          <a:p>
+            <a:pPr marL="457200" indent="-457200" algn="l" fontAlgn="base">
+              <a:buFont typeface="Arial" panose="020B0604020202020204" pitchFamily="34" charset="0"/>
+              <a:buChar char="•"/>
+            </a:pPr>
+            <a:endParaRPr lang="en-US" sz="1200" b="0" i="0" dirty="0">
+              <a:solidFill>
+                <a:srgbClr val="000000"/>
+              </a:solidFill>
+              <a:effectLst/>
+              <a:latin typeface="+mn-lt"/>
+            </a:endParaRPr>
+          </a:p>
+          <a:p>
+            <a:pPr marL="457200" indent="-457200" algn="l" fontAlgn="base">
+              <a:buFont typeface="Arial" panose="020B0604020202020204" pitchFamily="34" charset="0"/>
+              <a:buChar char="•"/>
+            </a:pPr>
+            <a:r>
+              <a:rPr lang="en-US" sz="1200" b="1" i="0" dirty="0">
+                <a:solidFill>
+                  <a:srgbClr val="000000"/>
+                </a:solidFill>
+                <a:effectLst/>
+                <a:latin typeface="+mn-lt"/>
+              </a:rPr>
+              <a:t>Phase 2 – Compare Plans and Full Plan Optimization: </a:t>
+            </a:r>
+            <a:r>
+              <a:rPr lang="en-US" sz="1200" b="0" i="0" dirty="0">
+                <a:solidFill>
+                  <a:srgbClr val="000000"/>
+                </a:solidFill>
+                <a:effectLst/>
+                <a:latin typeface="+mn-lt"/>
+              </a:rPr>
+              <a:t>At this point the serial plan that had a cost greater than 1.0 but less than the Cost Threshold for Parallelism is compared with the most efficient parallel plan. The optimizer will then take the cheaper of the two plans and consider if there are any additional ways of optimizing the ·execution plan. At this point, the optimization ends, and the query plan is created.</a:t>
+            </a:r>
+          </a:p>
+          <a:p>
+            <a:pPr marL="342900" marR="0" lvl="0" indent="-342900">
+              <a:lnSpc>
+                <a:spcPct val="107000"/>
+              </a:lnSpc>
+              <a:spcBef>
+                <a:spcPts val="0"/>
+              </a:spcBef>
+              <a:spcAft>
+                <a:spcPts val="0"/>
+              </a:spcAft>
+              <a:buFont typeface="Symbol" panose="05050102010706020507" pitchFamily="18" charset="2"/>
+              <a:buChar char=""/>
+            </a:pPr>
+            <a:endParaRPr lang="en-US" dirty="0"/>
+          </a:p>
+        </p:txBody>
+      </p:sp>
+      <p:sp>
+        <p:nvSpPr>
+          <p:cNvPr id="4" name="Slide Number Placeholder 3"/>
+          <p:cNvSpPr>
+            <a:spLocks noGrp="1"/>
+          </p:cNvSpPr>
+          <p:nvPr>
+            <p:ph type="sldNum" sz="quarter" idx="5"/>
+          </p:nvPr>
+        </p:nvSpPr>
+        <p:spPr/>
+        <p:txBody>
+          <a:bodyPr/>
+          <a:lstStyle/>
+          <a:p>
+            <a:fld id="{A21EA191-6936-4106-86B0-744F7F9163D6}" type="slidenum">
+              <a:rPr lang="en-US" smtClean="0"/>
+              <a:t>4</a:t>
+            </a:fld>
+            <a:endParaRPr lang="en-US" dirty="0"/>
+          </a:p>
+        </p:txBody>
+      </p:sp>
+    </p:spTree>
+    <p:extLst>
+      <p:ext uri="{BB962C8B-B14F-4D97-AF65-F5344CB8AC3E}">
         <p14:creationId xmlns:p14="http://schemas.microsoft.com/office/powerpoint/2010/main" val="1905814721"/>
+      </p:ext>
+    </p:extLst>
+  </p:cSld>
+  <p:clrMapOvr>
+    <a:masterClrMapping/>
+  </p:clrMapOvr>
+</p:notes>
+</file>
+
+<file path=ppt/notesSlides/notesSlide5.xml><?xml version="1.0" encoding="utf-8"?>
+<p:notes xmlns:a="http://schemas.openxmlformats.org/drawingml/2006/main" xmlns:r="http://schemas.openxmlformats.org/officeDocument/2006/relationships" xmlns:p="http://schemas.openxmlformats.org/presentationml/2006/main">
+  <p:cSld>
+    <p:spTree>
+      <p:nvGrpSpPr>
+        <p:cNvPr id="1" name=""/>
+        <p:cNvGrpSpPr/>
+        <p:nvPr/>
+      </p:nvGrpSpPr>
+      <p:grpSpPr>
+        <a:xfrm>
+          <a:off x="0" y="0"/>
+          <a:ext cx="0" cy="0"/>
+          <a:chOff x="0" y="0"/>
+          <a:chExt cx="0" cy="0"/>
+        </a:xfrm>
+      </p:grpSpPr>
+      <p:sp>
+        <p:nvSpPr>
+          <p:cNvPr id="2" name="Slide Image Placeholder 1"/>
+          <p:cNvSpPr>
+            <a:spLocks noGrp="1" noRot="1" noChangeAspect="1"/>
+          </p:cNvSpPr>
+          <p:nvPr>
+            <p:ph type="sldImg"/>
+          </p:nvPr>
+        </p:nvSpPr>
+        <p:spPr/>
+      </p:sp>
+      <p:sp>
+        <p:nvSpPr>
+          <p:cNvPr id="3" name="Notes Placeholder 2"/>
+          <p:cNvSpPr>
+            <a:spLocks noGrp="1"/>
+          </p:cNvSpPr>
+          <p:nvPr>
+            <p:ph type="body" idx="1"/>
+          </p:nvPr>
+        </p:nvSpPr>
+        <p:spPr/>
+        <p:txBody>
+          <a:bodyPr/>
+          <a:lstStyle/>
+          <a:p>
+            <a:pPr algn="l" fontAlgn="base"/>
+            <a:r>
+              <a:rPr lang="en-US" sz="1200" b="0" i="0" dirty="0">
+                <a:solidFill>
+                  <a:srgbClr val="000000"/>
+                </a:solidFill>
+                <a:effectLst/>
+                <a:latin typeface="+mn-lt"/>
+              </a:rPr>
+              <a:t>The </a:t>
+            </a:r>
+            <a:r>
+              <a:rPr lang="en-US" sz="1200" b="1" i="0" dirty="0">
+                <a:solidFill>
+                  <a:srgbClr val="000000"/>
+                </a:solidFill>
+                <a:effectLst/>
+                <a:latin typeface="+mn-lt"/>
+              </a:rPr>
+              <a:t>SQL Server Query Optimizer</a:t>
+            </a:r>
+            <a:r>
+              <a:rPr lang="en-US" sz="1200" b="0" i="0" dirty="0">
+                <a:solidFill>
+                  <a:srgbClr val="000000"/>
+                </a:solidFill>
+                <a:effectLst/>
+                <a:latin typeface="+mn-lt"/>
+              </a:rPr>
+              <a:t> uses cost-based optimization to create an execution plan with the least cost, but that also consumes the least amount of resources. The Query Optimizer will not evaluate all possible combinations of plans but will create a “Good Enough” plan based on available information such as statistics and the data distribution.</a:t>
+            </a:r>
+          </a:p>
+          <a:p>
+            <a:pPr algn="l" fontAlgn="base"/>
+            <a:endParaRPr lang="en-US" sz="1200" b="0" i="0" dirty="0">
+              <a:solidFill>
+                <a:srgbClr val="000000"/>
+              </a:solidFill>
+              <a:effectLst/>
+              <a:latin typeface="+mn-lt"/>
+            </a:endParaRPr>
+          </a:p>
+          <a:p>
+            <a:pPr algn="l" fontAlgn="base"/>
+            <a:r>
+              <a:rPr lang="en-US" sz="1200" b="1" i="0" dirty="0">
+                <a:solidFill>
+                  <a:srgbClr val="000000"/>
+                </a:solidFill>
+                <a:effectLst/>
+                <a:latin typeface="+mn-lt"/>
+              </a:rPr>
+              <a:t>Trivial Plan Optimization:</a:t>
+            </a:r>
+            <a:r>
+              <a:rPr lang="en-US" sz="1200" b="0" i="0" dirty="0">
+                <a:solidFill>
+                  <a:srgbClr val="000000"/>
+                </a:solidFill>
+                <a:effectLst/>
+                <a:latin typeface="+mn-lt"/>
+              </a:rPr>
+              <a:t> The Query Optimizer goes through several phases in the process of query optimization. First it must determine if the query has a trivial plan. Specially, a query that has only one plan to consider, such as, a SELECT statement where all the columns can be found in a single table or index. If a trivial plan is found, this saves the query optimizer from having to evaluate multiple plans, which reduces the workload of the optimizer. If a trivial plan is discovered then the optimization ends, and the query plan is created.</a:t>
+            </a:r>
+          </a:p>
+          <a:p>
+            <a:pPr algn="l" fontAlgn="base"/>
+            <a:endParaRPr lang="en-US" sz="1200" b="0" i="0" dirty="0">
+              <a:solidFill>
+                <a:srgbClr val="000000"/>
+              </a:solidFill>
+              <a:effectLst/>
+              <a:latin typeface="+mn-lt"/>
+            </a:endParaRPr>
+          </a:p>
+          <a:p>
+            <a:pPr algn="l" fontAlgn="base"/>
+            <a:r>
+              <a:rPr lang="en-US" sz="1200" b="1" i="0" dirty="0">
+                <a:solidFill>
+                  <a:srgbClr val="000000"/>
+                </a:solidFill>
+                <a:effectLst/>
+                <a:latin typeface="+mn-lt"/>
+              </a:rPr>
+              <a:t>Non-Trivial Plan Optimization: </a:t>
+            </a:r>
+            <a:r>
+              <a:rPr lang="en-US" sz="1200" b="0" i="0" dirty="0">
+                <a:solidFill>
+                  <a:srgbClr val="000000"/>
+                </a:solidFill>
+                <a:effectLst/>
+                <a:latin typeface="+mn-lt"/>
+              </a:rPr>
+              <a:t>When a trivial plan is unable to be generated, the query optimizer performs a </a:t>
+            </a:r>
+            <a:r>
+              <a:rPr lang="en-US" sz="1200" b="1" i="0" dirty="0">
+                <a:solidFill>
+                  <a:srgbClr val="000000"/>
+                </a:solidFill>
+                <a:effectLst/>
+                <a:latin typeface="+mn-lt"/>
+              </a:rPr>
+              <a:t>simplification</a:t>
+            </a:r>
+            <a:r>
+              <a:rPr lang="en-US" sz="1200" b="0" i="0" dirty="0">
+                <a:solidFill>
+                  <a:srgbClr val="000000"/>
+                </a:solidFill>
+                <a:effectLst/>
+                <a:latin typeface="+mn-lt"/>
+              </a:rPr>
+              <a:t> process to try to discover if unnecessary joins can be removed, operations can be rearranged, or commutative properties folded (Instead of 5 + 6, use 11 as a value). Additionally, before moving on to the next step, </a:t>
+            </a:r>
+            <a:r>
+              <a:rPr lang="en-US" sz="1200" b="1" i="0" dirty="0">
+                <a:solidFill>
+                  <a:srgbClr val="000000"/>
+                </a:solidFill>
+                <a:effectLst/>
+                <a:latin typeface="+mn-lt"/>
+              </a:rPr>
+              <a:t>statistics</a:t>
+            </a:r>
+            <a:r>
+              <a:rPr lang="en-US" sz="1200" b="0" i="0" dirty="0">
+                <a:solidFill>
+                  <a:srgbClr val="000000"/>
+                </a:solidFill>
+                <a:effectLst/>
+                <a:latin typeface="+mn-lt"/>
+              </a:rPr>
+              <a:t>, data distribution, and index metadata are added to the query tree.</a:t>
+            </a:r>
+          </a:p>
+          <a:p>
+            <a:pPr algn="l" fontAlgn="base"/>
+            <a:endParaRPr lang="en-US" sz="1200" b="0" i="0" dirty="0">
+              <a:solidFill>
+                <a:srgbClr val="000000"/>
+              </a:solidFill>
+              <a:effectLst/>
+              <a:latin typeface="+mn-lt"/>
+            </a:endParaRPr>
+          </a:p>
+          <a:p>
+            <a:pPr algn="l" fontAlgn="base"/>
+            <a:r>
+              <a:rPr lang="en-US" sz="1200" b="1" i="0" dirty="0">
+                <a:solidFill>
+                  <a:srgbClr val="000000"/>
+                </a:solidFill>
+                <a:effectLst/>
+                <a:latin typeface="+mn-lt"/>
+              </a:rPr>
+              <a:t>Cost-based optimization: </a:t>
+            </a:r>
+            <a:r>
+              <a:rPr lang="en-US" sz="1200" b="0" i="0" dirty="0">
+                <a:solidFill>
+                  <a:srgbClr val="000000"/>
+                </a:solidFill>
+                <a:effectLst/>
+                <a:latin typeface="+mn-lt"/>
+              </a:rPr>
+              <a:t>Now the query optimizer will evaluate the query across three search phases to quickly identify the plan with the least cost.</a:t>
+            </a:r>
+          </a:p>
+          <a:p>
+            <a:pPr algn="l" fontAlgn="base"/>
+            <a:endParaRPr lang="en-US" sz="1200" b="0" i="0" dirty="0">
+              <a:solidFill>
+                <a:srgbClr val="000000"/>
+              </a:solidFill>
+              <a:effectLst/>
+              <a:latin typeface="+mn-lt"/>
+            </a:endParaRPr>
+          </a:p>
+          <a:p>
+            <a:pPr marL="457200" indent="-457200" algn="l" fontAlgn="base">
+              <a:buFont typeface="Arial" panose="020B0604020202020204" pitchFamily="34" charset="0"/>
+              <a:buChar char="•"/>
+            </a:pPr>
+            <a:r>
+              <a:rPr lang="en-US" sz="1200" b="1" i="0" dirty="0">
+                <a:solidFill>
+                  <a:srgbClr val="000000"/>
+                </a:solidFill>
+                <a:effectLst/>
+                <a:latin typeface="+mn-lt"/>
+              </a:rPr>
+              <a:t>Phase 0 – Transactional Processing Phase: </a:t>
+            </a:r>
+            <a:r>
+              <a:rPr lang="en-US" sz="1200" b="0" i="0" dirty="0">
+                <a:solidFill>
+                  <a:srgbClr val="000000"/>
+                </a:solidFill>
+                <a:effectLst/>
+                <a:latin typeface="+mn-lt"/>
+              </a:rPr>
+              <a:t>When online transaction processing (OTLP) queries are evaluated and there are three tables or less, the optimizer evaluates a limited number of join operators (merge, hash match, or loop) for potential plan candidates. If the estimated cost is less than 0.2 then the optimization ends, and the query plan is created.</a:t>
+            </a:r>
+          </a:p>
+          <a:p>
+            <a:pPr marL="457200" indent="-457200" algn="l" fontAlgn="base">
+              <a:buFont typeface="Arial" panose="020B0604020202020204" pitchFamily="34" charset="0"/>
+              <a:buChar char="•"/>
+            </a:pPr>
+            <a:endParaRPr lang="en-US" sz="1200" b="0" i="0" dirty="0">
+              <a:solidFill>
+                <a:srgbClr val="000000"/>
+              </a:solidFill>
+              <a:effectLst/>
+              <a:latin typeface="+mn-lt"/>
+            </a:endParaRPr>
+          </a:p>
+          <a:p>
+            <a:pPr marL="457200" indent="-457200" algn="l" fontAlgn="base">
+              <a:buFont typeface="Arial" panose="020B0604020202020204" pitchFamily="34" charset="0"/>
+              <a:buChar char="•"/>
+            </a:pPr>
+            <a:r>
+              <a:rPr lang="en-US" sz="1200" b="1" i="0" dirty="0">
+                <a:solidFill>
+                  <a:srgbClr val="000000"/>
+                </a:solidFill>
+                <a:effectLst/>
+                <a:latin typeface="+mn-lt"/>
+              </a:rPr>
+              <a:t>Phase 1a – Quick Serial Plan Optimization: </a:t>
+            </a:r>
+            <a:r>
+              <a:rPr lang="en-US" sz="1200" b="0" i="0" dirty="0">
+                <a:solidFill>
+                  <a:srgbClr val="000000"/>
+                </a:solidFill>
+                <a:effectLst/>
+                <a:latin typeface="+mn-lt"/>
+              </a:rPr>
+              <a:t>Additional join orders and transformation rules are evaluated to create a cost-effective serial plan. If the plan cost is less than 1.0 then the optimization ends, and the query plan is created.</a:t>
+            </a:r>
+          </a:p>
+          <a:p>
+            <a:pPr marL="457200" indent="-457200" algn="l" fontAlgn="base">
+              <a:buFont typeface="Arial" panose="020B0604020202020204" pitchFamily="34" charset="0"/>
+              <a:buChar char="•"/>
+            </a:pPr>
+            <a:endParaRPr lang="en-US" sz="1200" b="0" i="0" dirty="0">
+              <a:solidFill>
+                <a:srgbClr val="000000"/>
+              </a:solidFill>
+              <a:effectLst/>
+              <a:latin typeface="+mn-lt"/>
+            </a:endParaRPr>
+          </a:p>
+          <a:p>
+            <a:pPr marL="457200" indent="-457200" algn="l" fontAlgn="base">
+              <a:buFont typeface="Arial" panose="020B0604020202020204" pitchFamily="34" charset="0"/>
+              <a:buChar char="•"/>
+            </a:pPr>
+            <a:r>
+              <a:rPr lang="en-US" sz="1200" b="1" i="0" dirty="0">
+                <a:solidFill>
+                  <a:srgbClr val="000000"/>
+                </a:solidFill>
+                <a:effectLst/>
+                <a:latin typeface="+mn-lt"/>
+              </a:rPr>
+              <a:t>Phase 1b – Quick Parallel Plan Optimization: </a:t>
+            </a:r>
+            <a:r>
+              <a:rPr lang="en-US" sz="1200" b="0" i="0" dirty="0">
+                <a:solidFill>
+                  <a:srgbClr val="000000"/>
+                </a:solidFill>
+                <a:effectLst/>
+                <a:latin typeface="+mn-lt"/>
+              </a:rPr>
+              <a:t>At this point, if the cost of the plan is greater than 1.0, MAXDOP is set to a value greater than 1, and the plan cost is greater than the Cost Threshold for Parallelism; then the query optimizer repeats Phase 1 until it finds the most efficient parallel plan.</a:t>
+            </a:r>
+          </a:p>
+          <a:p>
+            <a:pPr marL="457200" indent="-457200" algn="l" fontAlgn="base">
+              <a:buFont typeface="Arial" panose="020B0604020202020204" pitchFamily="34" charset="0"/>
+              <a:buChar char="•"/>
+            </a:pPr>
+            <a:endParaRPr lang="en-US" sz="1200" b="0" i="0" dirty="0">
+              <a:solidFill>
+                <a:srgbClr val="000000"/>
+              </a:solidFill>
+              <a:effectLst/>
+              <a:latin typeface="+mn-lt"/>
+            </a:endParaRPr>
+          </a:p>
+          <a:p>
+            <a:pPr marL="457200" indent="-457200" algn="l" fontAlgn="base">
+              <a:buFont typeface="Arial" panose="020B0604020202020204" pitchFamily="34" charset="0"/>
+              <a:buChar char="•"/>
+            </a:pPr>
+            <a:r>
+              <a:rPr lang="en-US" sz="1200" b="1" i="0" dirty="0">
+                <a:solidFill>
+                  <a:srgbClr val="000000"/>
+                </a:solidFill>
+                <a:effectLst/>
+                <a:latin typeface="+mn-lt"/>
+              </a:rPr>
+              <a:t>Phase 2 – Compare Plans and Full Plan Optimization: </a:t>
+            </a:r>
+            <a:r>
+              <a:rPr lang="en-US" sz="1200" b="0" i="0" dirty="0">
+                <a:solidFill>
+                  <a:srgbClr val="000000"/>
+                </a:solidFill>
+                <a:effectLst/>
+                <a:latin typeface="+mn-lt"/>
+              </a:rPr>
+              <a:t>At this point the serial plan that had a cost greater than 1.0 but less than the Cost Threshold for Parallelism is compared with the most efficient parallel plan. The optimizer will then take the cheaper of the two plans and consider if there are any additional ways of optimizing the ·execution plan. At this point, the optimization ends, and the query plan is created.</a:t>
+            </a:r>
+          </a:p>
+          <a:p>
+            <a:pPr marL="342900" marR="0" lvl="0" indent="-342900">
+              <a:lnSpc>
+                <a:spcPct val="107000"/>
+              </a:lnSpc>
+              <a:spcBef>
+                <a:spcPts val="0"/>
+              </a:spcBef>
+              <a:spcAft>
+                <a:spcPts val="0"/>
+              </a:spcAft>
+              <a:buFont typeface="Symbol" panose="05050102010706020507" pitchFamily="18" charset="2"/>
+              <a:buChar char=""/>
+            </a:pPr>
+            <a:endParaRPr lang="en-US" dirty="0"/>
+          </a:p>
+        </p:txBody>
+      </p:sp>
+      <p:sp>
+        <p:nvSpPr>
+          <p:cNvPr id="4" name="Slide Number Placeholder 3"/>
+          <p:cNvSpPr>
+            <a:spLocks noGrp="1"/>
+          </p:cNvSpPr>
+          <p:nvPr>
+            <p:ph type="sldNum" sz="quarter" idx="5"/>
+          </p:nvPr>
+        </p:nvSpPr>
+        <p:spPr/>
+        <p:txBody>
+          <a:bodyPr/>
+          <a:lstStyle/>
+          <a:p>
+            <a:fld id="{A21EA191-6936-4106-86B0-744F7F9163D6}" type="slidenum">
+              <a:rPr lang="en-US" smtClean="0"/>
+              <a:t>5</a:t>
+            </a:fld>
+            <a:endParaRPr lang="en-US" dirty="0"/>
+          </a:p>
+        </p:txBody>
+      </p:sp>
+    </p:spTree>
+    <p:extLst>
+      <p:ext uri="{BB962C8B-B14F-4D97-AF65-F5344CB8AC3E}">
+        <p14:creationId xmlns:p14="http://schemas.microsoft.com/office/powerpoint/2010/main" val="2380731722"/>
       </p:ext>
     </p:extLst>
   </p:cSld>
@@ -2740,7 +9623,7 @@
         </p:nvSpPr>
         <p:spPr>
           <a:xfrm>
-            <a:off x="729502" y="3967248"/>
+            <a:off x="341575" y="3865648"/>
             <a:ext cx="6276531" cy="1793104"/>
           </a:xfrm>
         </p:spPr>
@@ -4949,18 +11832,165 @@
   <p:clrMapOvr>
     <a:masterClrMapping/>
   </p:clrMapOvr>
-  <mc:AlternateContent xmlns:mc="http://schemas.openxmlformats.org/markup-compatibility/2006" xmlns:p14="http://schemas.microsoft.com/office/powerpoint/2010/main">
-    <mc:Choice Requires="p14">
-      <p:transition p14:dur="0"/>
+  <mc:AlternateContent xmlns:mc="http://schemas.openxmlformats.org/markup-compatibility/2006">
+    <mc:Choice xmlns:p159="http://schemas.microsoft.com/office/powerpoint/2015/09/main" Requires="p159">
+      <p:transition xmlns:p14="http://schemas.microsoft.com/office/powerpoint/2010/main" spd="slow" p14:dur="2000">
+        <p159:morph option="byObject"/>
+      </p:transition>
     </mc:Choice>
-    <mc:Fallback xmlns="">
-      <p:transition/>
+    <mc:Fallback>
+      <p:transition spd="slow">
+        <p:fade/>
+      </p:transition>
     </mc:Fallback>
   </mc:AlternateContent>
 </p:sld>
 </file>
 
 <file path=ppt/slides/slide3.xml><?xml version="1.0" encoding="utf-8"?>
+<p:sld xmlns:a="http://schemas.openxmlformats.org/drawingml/2006/main" xmlns:r="http://schemas.openxmlformats.org/officeDocument/2006/relationships" xmlns:p="http://schemas.openxmlformats.org/presentationml/2006/main">
+  <p:cSld>
+    <p:spTree>
+      <p:nvGrpSpPr>
+        <p:cNvPr id="1" name=""/>
+        <p:cNvGrpSpPr/>
+        <p:nvPr/>
+      </p:nvGrpSpPr>
+      <p:grpSpPr>
+        <a:xfrm>
+          <a:off x="0" y="0"/>
+          <a:ext cx="0" cy="0"/>
+          <a:chOff x="0" y="0"/>
+          <a:chExt cx="0" cy="0"/>
+        </a:xfrm>
+      </p:grpSpPr>
+      <p:graphicFrame>
+        <p:nvGraphicFramePr>
+          <p:cNvPr id="6" name="Diagram 5">
+            <a:extLst>
+              <a:ext uri="{FF2B5EF4-FFF2-40B4-BE49-F238E27FC236}">
+                <a16:creationId xmlns:a16="http://schemas.microsoft.com/office/drawing/2014/main" id="{2FC788ED-AD1E-4868-807F-59862E5F7939}"/>
+              </a:ext>
+            </a:extLst>
+          </p:cNvPr>
+          <p:cNvGraphicFramePr/>
+          <p:nvPr>
+            <p:extLst>
+              <p:ext uri="{D42A27DB-BD31-4B8C-83A1-F6EECF244321}">
+                <p14:modId xmlns:p14="http://schemas.microsoft.com/office/powerpoint/2010/main" val="2097373241"/>
+              </p:ext>
+            </p:extLst>
+          </p:nvPr>
+        </p:nvGraphicFramePr>
+        <p:xfrm>
+          <a:off x="915413" y="1105376"/>
+          <a:ext cx="10361174" cy="4864092"/>
+        </p:xfrm>
+        <a:graphic>
+          <a:graphicData uri="http://schemas.openxmlformats.org/drawingml/2006/diagram">
+            <dgm:relIds xmlns:dgm="http://schemas.openxmlformats.org/drawingml/2006/diagram" xmlns:r="http://schemas.openxmlformats.org/officeDocument/2006/relationships" r:dm="rId3" r:lo="rId4" r:qs="rId5" r:cs="rId6"/>
+          </a:graphicData>
+        </a:graphic>
+      </p:graphicFrame>
+      <p:sp>
+        <p:nvSpPr>
+          <p:cNvPr id="7" name="Title 1">
+            <a:extLst>
+              <a:ext uri="{FF2B5EF4-FFF2-40B4-BE49-F238E27FC236}">
+                <a16:creationId xmlns:a16="http://schemas.microsoft.com/office/drawing/2014/main" id="{DA279F63-2637-42E4-B26C-29027ABA2302}"/>
+              </a:ext>
+            </a:extLst>
+          </p:cNvPr>
+          <p:cNvSpPr txBox="1">
+            <a:spLocks/>
+          </p:cNvSpPr>
+          <p:nvPr/>
+        </p:nvSpPr>
+        <p:spPr>
+          <a:xfrm>
+            <a:off x="370838" y="241156"/>
+            <a:ext cx="10972800" cy="1143000"/>
+          </a:xfrm>
+          <a:prstGeom prst="rect">
+            <a:avLst/>
+          </a:prstGeom>
+        </p:spPr>
+        <p:txBody>
+          <a:bodyPr vert="horz" lIns="91440" tIns="45720" rIns="91440" bIns="45720" rtlCol="0" anchor="t">
+            <a:noAutofit/>
+          </a:bodyPr>
+          <a:lstStyle>
+            <a:lvl1pPr marL="0" marR="0" indent="0" algn="l" defTabSz="457112" rtl="0" eaLnBrk="1" fontAlgn="auto" latinLnBrk="0" hangingPunct="1">
+              <a:lnSpc>
+                <a:spcPts val="3500"/>
+              </a:lnSpc>
+              <a:spcBef>
+                <a:spcPct val="0"/>
+              </a:spcBef>
+              <a:spcAft>
+                <a:spcPts val="0"/>
+              </a:spcAft>
+              <a:buClrTx/>
+              <a:buSzTx/>
+              <a:buFontTx/>
+              <a:buNone/>
+              <a:tabLst/>
+              <a:defRPr kumimoji="0" lang="en-US" sz="3600" b="0" i="0" u="none" strike="noStrike" kern="1200" cap="none" spc="0" normalizeH="0" baseline="0">
+                <a:ln>
+                  <a:noFill/>
+                </a:ln>
+                <a:solidFill>
+                  <a:srgbClr val="424CA0"/>
+                </a:solidFill>
+                <a:effectLst/>
+                <a:uLnTx/>
+                <a:uFillTx/>
+                <a:latin typeface="+mj-lt"/>
+                <a:ea typeface="+mj-ea"/>
+                <a:cs typeface="Segoe UI Light"/>
+              </a:defRPr>
+            </a:lvl1pPr>
+          </a:lstStyle>
+          <a:p>
+            <a:r>
+              <a:rPr lang="en-US" altLang="en-US" sz="4400" dirty="0">
+                <a:solidFill>
+                  <a:schemeClr val="accent4">
+                    <a:lumMod val="75000"/>
+                  </a:schemeClr>
+                </a:solidFill>
+              </a:rPr>
+              <a:t>What does the binding step resolve?</a:t>
+            </a:r>
+          </a:p>
+        </p:txBody>
+      </p:sp>
+    </p:spTree>
+    <p:extLst>
+      <p:ext uri="{BB962C8B-B14F-4D97-AF65-F5344CB8AC3E}">
+        <p14:creationId xmlns:p14="http://schemas.microsoft.com/office/powerpoint/2010/main" val="3823254748"/>
+      </p:ext>
+    </p:extLst>
+  </p:cSld>
+  <p:clrMapOvr>
+    <a:masterClrMapping/>
+  </p:clrMapOvr>
+  <mc:AlternateContent xmlns:mc="http://schemas.openxmlformats.org/markup-compatibility/2006">
+    <mc:Choice xmlns:p159="http://schemas.microsoft.com/office/powerpoint/2015/09/main" Requires="p159">
+      <p:transition xmlns:p14="http://schemas.microsoft.com/office/powerpoint/2010/main" spd="slow" p14:dur="2000">
+        <p159:morph option="byObject"/>
+      </p:transition>
+    </mc:Choice>
+    <mc:Fallback>
+      <p:transition spd="slow">
+        <p:fade/>
+      </p:transition>
+    </mc:Fallback>
+  </mc:AlternateContent>
+</p:sld>
+</file>
+
+<file path=ppt/slides/slide4.xml><?xml version="1.0" encoding="utf-8"?>
 <p:sld xmlns:a="http://schemas.openxmlformats.org/drawingml/2006/main" xmlns:r="http://schemas.openxmlformats.org/officeDocument/2006/relationships" xmlns:p="http://schemas.openxmlformats.org/presentationml/2006/main">
   <p:cSld>
     <p:spTree>
@@ -5006,52 +12036,6 @@
               <a:srgbClr val="104C6A"/>
             </a:solidFill>
             <a:prstDash val="solid"/>
-            <a:tailEnd type="triangle"/>
-          </a:ln>
-        </p:spPr>
-        <p:style>
-          <a:lnRef idx="1">
-            <a:schemeClr val="accent1"/>
-          </a:lnRef>
-          <a:fillRef idx="0">
-            <a:schemeClr val="accent1"/>
-          </a:fillRef>
-          <a:effectRef idx="0">
-            <a:schemeClr val="accent1"/>
-          </a:effectRef>
-          <a:fontRef idx="minor">
-            <a:schemeClr val="tx1"/>
-          </a:fontRef>
-        </p:style>
-      </p:cxnSp>
-      <p:cxnSp>
-        <p:nvCxnSpPr>
-          <p:cNvPr id="254" name="Connector: Elbow 253">
-            <a:extLst>
-              <a:ext uri="{FF2B5EF4-FFF2-40B4-BE49-F238E27FC236}">
-                <a16:creationId xmlns:a16="http://schemas.microsoft.com/office/drawing/2014/main" id="{1030E608-FC28-4BA5-BEA7-973F6FEC2C5E}"/>
-              </a:ext>
-            </a:extLst>
-          </p:cNvPr>
-          <p:cNvCxnSpPr>
-            <a:cxnSpLocks/>
-          </p:cNvCxnSpPr>
-          <p:nvPr/>
-        </p:nvCxnSpPr>
-        <p:spPr>
-          <a:xfrm rot="10800000" flipV="1">
-            <a:off x="6185342" y="875863"/>
-            <a:ext cx="809531" cy="314"/>
-          </a:xfrm>
-          <a:prstGeom prst="bentConnector3">
-            <a:avLst>
-              <a:gd name="adj1" fmla="val 50000"/>
-            </a:avLst>
-          </a:prstGeom>
-          <a:ln w="76200">
-            <a:solidFill>
-              <a:srgbClr val="104C6A"/>
-            </a:solidFill>
             <a:tailEnd type="triangle"/>
           </a:ln>
         </p:spPr>
@@ -5224,10 +12208,7 @@
             <a:avLst/>
           </a:prstGeom>
           <a:solidFill>
-            <a:schemeClr val="accent4">
-              <a:lumMod val="20000"/>
-              <a:lumOff val="80000"/>
-            </a:schemeClr>
+            <a:schemeClr val="bg2"/>
           </a:solidFill>
           <a:ln w="28575">
             <a:solidFill>
@@ -5318,7 +12299,7 @@
         </p:nvSpPr>
         <p:spPr>
           <a:xfrm>
-            <a:off x="882094" y="2669605"/>
+            <a:off x="881758" y="2314632"/>
             <a:ext cx="1573750" cy="523220"/>
           </a:xfrm>
           <a:prstGeom prst="rect">
@@ -5376,7 +12357,7 @@
                 </a:effectLst>
                 <a:latin typeface="Arial Black" pitchFamily="34" charset="0"/>
               </a:rPr>
-              <a:t>Simplification and Statistics</a:t>
+              <a:t>Query Simplification </a:t>
             </a:r>
           </a:p>
         </p:txBody>
@@ -5524,7 +12505,7 @@
         </p:nvSpPr>
         <p:spPr>
           <a:xfrm rot="5400000" flipH="1">
-            <a:off x="1454210" y="1569314"/>
+            <a:off x="1454208" y="1385428"/>
             <a:ext cx="369332" cy="1036619"/>
           </a:xfrm>
           <a:prstGeom prst="rect">
@@ -6531,105 +13512,6 @@
               </a:effectLst>
               <a:latin typeface="Arial Black" pitchFamily="34" charset="0"/>
             </a:endParaRPr>
-          </a:p>
-        </p:txBody>
-      </p:sp>
-      <p:sp>
-        <p:nvSpPr>
-          <p:cNvPr id="212" name="Rectangle 211">
-            <a:extLst>
-              <a:ext uri="{FF2B5EF4-FFF2-40B4-BE49-F238E27FC236}">
-                <a16:creationId xmlns:a16="http://schemas.microsoft.com/office/drawing/2014/main" id="{04664B1E-4EE7-44F8-9E29-B21950A1FD4C}"/>
-              </a:ext>
-            </a:extLst>
-          </p:cNvPr>
-          <p:cNvSpPr/>
-          <p:nvPr/>
-        </p:nvSpPr>
-        <p:spPr>
-          <a:xfrm>
-            <a:off x="6811222" y="569980"/>
-            <a:ext cx="2412301" cy="738664"/>
-          </a:xfrm>
-          <a:prstGeom prst="rect">
-            <a:avLst/>
-          </a:prstGeom>
-          <a:solidFill>
-            <a:schemeClr val="accent4">
-              <a:lumMod val="20000"/>
-              <a:lumOff val="80000"/>
-            </a:schemeClr>
-          </a:solidFill>
-          <a:ln w="28575">
-            <a:solidFill>
-              <a:schemeClr val="accent4">
-                <a:lumMod val="50000"/>
-              </a:schemeClr>
-            </a:solidFill>
-          </a:ln>
-        </p:spPr>
-        <p:style>
-          <a:lnRef idx="1">
-            <a:schemeClr val="accent1"/>
-          </a:lnRef>
-          <a:fillRef idx="2">
-            <a:schemeClr val="accent1"/>
-          </a:fillRef>
-          <a:effectRef idx="1">
-            <a:schemeClr val="accent1"/>
-          </a:effectRef>
-          <a:fontRef idx="minor">
-            <a:schemeClr val="dk1"/>
-          </a:fontRef>
-        </p:style>
-        <p:txBody>
-          <a:bodyPr wrap="square" lIns="91440" tIns="45720" rIns="91440" bIns="45720">
-            <a:spAutoFit/>
-          </a:bodyPr>
-          <a:lstStyle/>
-          <a:p>
-            <a:pPr algn="ctr"/>
-            <a:r>
-              <a:rPr lang="en-US" sz="1400" b="1" dirty="0">
-                <a:ln w="1905"/>
-                <a:solidFill>
-                  <a:srgbClr val="1F497D">
-                    <a:lumMod val="75000"/>
-                  </a:srgbClr>
-                </a:solidFill>
-                <a:effectLst>
-                  <a:innerShdw blurRad="69850" dist="43180" dir="5400000">
-                    <a:srgbClr val="000000">
-                      <a:alpha val="65000"/>
-                    </a:srgbClr>
-                  </a:innerShdw>
-                </a:effectLst>
-                <a:latin typeface="Arial Black" pitchFamily="34" charset="0"/>
-              </a:rPr>
-              <a:t>Phase 2 </a:t>
-            </a:r>
-          </a:p>
-          <a:p>
-            <a:pPr algn="ctr"/>
-            <a:r>
-              <a:rPr lang="en-US" sz="1400" b="1" dirty="0">
-                <a:ln w="1905"/>
-                <a:solidFill>
-                  <a:srgbClr val="1F497D">
-                    <a:lumMod val="75000"/>
-                  </a:srgbClr>
-                </a:solidFill>
-                <a:effectLst>
-                  <a:innerShdw blurRad="69850" dist="43180" dir="5400000">
-                    <a:srgbClr val="000000">
-                      <a:alpha val="65000"/>
-                    </a:srgbClr>
-                  </a:innerShdw>
-                </a:effectLst>
-                <a:latin typeface="Arial Black" pitchFamily="34" charset="0"/>
-              </a:rPr>
-              <a:t>Compare Plans and Full Optimization</a:t>
-            </a:r>
           </a:p>
         </p:txBody>
       </p:sp>
@@ -6839,7 +13721,7 @@
         </p:nvSpPr>
         <p:spPr>
           <a:xfrm rot="5400000" flipH="1">
-            <a:off x="8339017" y="3354343"/>
+            <a:off x="8366725" y="3354343"/>
             <a:ext cx="369332" cy="1036619"/>
           </a:xfrm>
           <a:prstGeom prst="rect">
@@ -7511,6 +14393,229 @@
           </a:prstGeom>
         </p:spPr>
       </p:pic>
+      <p:cxnSp>
+        <p:nvCxnSpPr>
+          <p:cNvPr id="254" name="Connector: Elbow 253">
+            <a:extLst>
+              <a:ext uri="{FF2B5EF4-FFF2-40B4-BE49-F238E27FC236}">
+                <a16:creationId xmlns:a16="http://schemas.microsoft.com/office/drawing/2014/main" id="{1030E608-FC28-4BA5-BEA7-973F6FEC2C5E}"/>
+              </a:ext>
+            </a:extLst>
+          </p:cNvPr>
+          <p:cNvCxnSpPr>
+            <a:cxnSpLocks/>
+            <a:endCxn id="33" idx="3"/>
+          </p:cNvCxnSpPr>
+          <p:nvPr/>
+        </p:nvCxnSpPr>
+        <p:spPr>
+          <a:xfrm rot="10800000" flipV="1">
+            <a:off x="6407006" y="875863"/>
+            <a:ext cx="587871" cy="314"/>
+          </a:xfrm>
+          <a:prstGeom prst="bentConnector3">
+            <a:avLst>
+              <a:gd name="adj1" fmla="val 50000"/>
+            </a:avLst>
+          </a:prstGeom>
+          <a:ln w="76200">
+            <a:solidFill>
+              <a:srgbClr val="104C6A"/>
+            </a:solidFill>
+            <a:tailEnd type="triangle"/>
+          </a:ln>
+        </p:spPr>
+        <p:style>
+          <a:lnRef idx="1">
+            <a:schemeClr val="accent1"/>
+          </a:lnRef>
+          <a:fillRef idx="0">
+            <a:schemeClr val="accent1"/>
+          </a:fillRef>
+          <a:effectRef idx="0">
+            <a:schemeClr val="accent1"/>
+          </a:effectRef>
+          <a:fontRef idx="minor">
+            <a:schemeClr val="tx1"/>
+          </a:fontRef>
+        </p:style>
+      </p:cxnSp>
+      <p:sp>
+        <p:nvSpPr>
+          <p:cNvPr id="212" name="Rectangle 211">
+            <a:extLst>
+              <a:ext uri="{FF2B5EF4-FFF2-40B4-BE49-F238E27FC236}">
+                <a16:creationId xmlns:a16="http://schemas.microsoft.com/office/drawing/2014/main" id="{04664B1E-4EE7-44F8-9E29-B21950A1FD4C}"/>
+              </a:ext>
+            </a:extLst>
+          </p:cNvPr>
+          <p:cNvSpPr/>
+          <p:nvPr/>
+        </p:nvSpPr>
+        <p:spPr>
+          <a:xfrm>
+            <a:off x="6811222" y="569980"/>
+            <a:ext cx="2412301" cy="738664"/>
+          </a:xfrm>
+          <a:prstGeom prst="rect">
+            <a:avLst/>
+          </a:prstGeom>
+          <a:solidFill>
+            <a:schemeClr val="accent4">
+              <a:lumMod val="20000"/>
+              <a:lumOff val="80000"/>
+            </a:schemeClr>
+          </a:solidFill>
+          <a:ln w="28575">
+            <a:solidFill>
+              <a:schemeClr val="accent4">
+                <a:lumMod val="50000"/>
+              </a:schemeClr>
+            </a:solidFill>
+          </a:ln>
+        </p:spPr>
+        <p:style>
+          <a:lnRef idx="1">
+            <a:schemeClr val="accent1"/>
+          </a:lnRef>
+          <a:fillRef idx="2">
+            <a:schemeClr val="accent1"/>
+          </a:fillRef>
+          <a:effectRef idx="1">
+            <a:schemeClr val="accent1"/>
+          </a:effectRef>
+          <a:fontRef idx="minor">
+            <a:schemeClr val="dk1"/>
+          </a:fontRef>
+        </p:style>
+        <p:txBody>
+          <a:bodyPr wrap="square" lIns="91440" tIns="45720" rIns="91440" bIns="45720">
+            <a:spAutoFit/>
+          </a:bodyPr>
+          <a:lstStyle/>
+          <a:p>
+            <a:pPr algn="ctr"/>
+            <a:r>
+              <a:rPr lang="en-US" sz="1400" b="1" dirty="0">
+                <a:ln w="1905"/>
+                <a:solidFill>
+                  <a:srgbClr val="1F497D">
+                    <a:lumMod val="75000"/>
+                  </a:srgbClr>
+                </a:solidFill>
+                <a:effectLst>
+                  <a:innerShdw blurRad="69850" dist="43180" dir="5400000">
+                    <a:srgbClr val="000000">
+                      <a:alpha val="65000"/>
+                    </a:srgbClr>
+                  </a:innerShdw>
+                </a:effectLst>
+                <a:latin typeface="Arial Black" pitchFamily="34" charset="0"/>
+              </a:rPr>
+              <a:t>Phase 2 </a:t>
+            </a:r>
+          </a:p>
+          <a:p>
+            <a:pPr algn="ctr"/>
+            <a:r>
+              <a:rPr lang="en-US" sz="1400" b="1" dirty="0">
+                <a:ln w="1905"/>
+                <a:solidFill>
+                  <a:srgbClr val="1F497D">
+                    <a:lumMod val="75000"/>
+                  </a:srgbClr>
+                </a:solidFill>
+                <a:effectLst>
+                  <a:innerShdw blurRad="69850" dist="43180" dir="5400000">
+                    <a:srgbClr val="000000">
+                      <a:alpha val="65000"/>
+                    </a:srgbClr>
+                  </a:innerShdw>
+                </a:effectLst>
+                <a:latin typeface="Arial Black" pitchFamily="34" charset="0"/>
+              </a:rPr>
+              <a:t>Compare Plans and Full Optimization</a:t>
+            </a:r>
+          </a:p>
+        </p:txBody>
+      </p:sp>
+      <p:sp>
+        <p:nvSpPr>
+          <p:cNvPr id="5" name="Rectangle 4">
+            <a:extLst>
+              <a:ext uri="{FF2B5EF4-FFF2-40B4-BE49-F238E27FC236}">
+                <a16:creationId xmlns:a16="http://schemas.microsoft.com/office/drawing/2014/main" id="{DF111E63-4753-4E4C-AD8B-EA3AA24F197D}"/>
+              </a:ext>
+            </a:extLst>
+          </p:cNvPr>
+          <p:cNvSpPr/>
+          <p:nvPr/>
+        </p:nvSpPr>
+        <p:spPr>
+          <a:xfrm>
+            <a:off x="873563" y="2950233"/>
+            <a:ext cx="1573750" cy="523220"/>
+          </a:xfrm>
+          <a:prstGeom prst="rect">
+            <a:avLst/>
+          </a:prstGeom>
+          <a:solidFill>
+            <a:schemeClr val="accent4">
+              <a:lumMod val="20000"/>
+              <a:lumOff val="80000"/>
+            </a:schemeClr>
+          </a:solidFill>
+          <a:ln w="28575">
+            <a:solidFill>
+              <a:schemeClr val="accent4">
+                <a:lumMod val="50000"/>
+              </a:schemeClr>
+            </a:solidFill>
+          </a:ln>
+        </p:spPr>
+        <p:style>
+          <a:lnRef idx="1">
+            <a:schemeClr val="accent1"/>
+          </a:lnRef>
+          <a:fillRef idx="2">
+            <a:schemeClr val="accent1"/>
+          </a:fillRef>
+          <a:effectRef idx="1">
+            <a:schemeClr val="accent1"/>
+          </a:effectRef>
+          <a:fontRef idx="minor">
+            <a:schemeClr val="dk1"/>
+          </a:fontRef>
+        </p:style>
+        <p:txBody>
+          <a:bodyPr wrap="square" lIns="91440" tIns="45720" rIns="91440" bIns="45720">
+            <a:spAutoFit/>
+          </a:bodyPr>
+          <a:lstStyle/>
+          <a:p>
+            <a:pPr algn="ctr"/>
+            <a:r>
+              <a:rPr lang="en-US" sz="1400" b="1" dirty="0">
+                <a:ln w="1905"/>
+                <a:solidFill>
+                  <a:srgbClr val="1F497D">
+                    <a:lumMod val="75000"/>
+                  </a:srgbClr>
+                </a:solidFill>
+                <a:effectLst>
+                  <a:innerShdw blurRad="69850" dist="43180" dir="5400000">
+                    <a:srgbClr val="000000">
+                      <a:alpha val="65000"/>
+                    </a:srgbClr>
+                  </a:innerShdw>
+                </a:effectLst>
+                <a:latin typeface="Arial Black" pitchFamily="34" charset="0"/>
+              </a:rPr>
+              <a:t>Statistics Loaded </a:t>
+            </a:r>
+          </a:p>
+        </p:txBody>
+      </p:sp>
     </p:spTree>
     <p:extLst>
       <p:ext uri="{BB962C8B-B14F-4D97-AF65-F5344CB8AC3E}">
@@ -7521,12 +14626,159 @@
   <p:clrMapOvr>
     <a:masterClrMapping/>
   </p:clrMapOvr>
-  <mc:AlternateContent xmlns:mc="http://schemas.openxmlformats.org/markup-compatibility/2006" xmlns:p14="http://schemas.microsoft.com/office/powerpoint/2010/main">
-    <mc:Choice Requires="p14">
-      <p:transition p14:dur="0"/>
+  <mc:AlternateContent xmlns:mc="http://schemas.openxmlformats.org/markup-compatibility/2006">
+    <mc:Choice xmlns:p14="http://schemas.microsoft.com/office/powerpoint/2010/main" Requires="p14">
+      <p:transition spd="med" p14:dur="700">
+        <p:fade/>
+      </p:transition>
     </mc:Choice>
-    <mc:Fallback xmlns="">
-      <p:transition/>
+    <mc:Fallback>
+      <p:transition spd="med">
+        <p:fade/>
+      </p:transition>
+    </mc:Fallback>
+  </mc:AlternateContent>
+</p:sld>
+</file>
+
+<file path=ppt/slides/slide5.xml><?xml version="1.0" encoding="utf-8"?>
+<p:sld xmlns:a="http://schemas.openxmlformats.org/drawingml/2006/main" xmlns:r="http://schemas.openxmlformats.org/officeDocument/2006/relationships" xmlns:p="http://schemas.openxmlformats.org/presentationml/2006/main">
+  <p:cSld>
+    <p:spTree>
+      <p:nvGrpSpPr>
+        <p:cNvPr id="1" name=""/>
+        <p:cNvGrpSpPr/>
+        <p:nvPr/>
+      </p:nvGrpSpPr>
+      <p:grpSpPr>
+        <a:xfrm>
+          <a:off x="0" y="0"/>
+          <a:ext cx="0" cy="0"/>
+          <a:chOff x="0" y="0"/>
+          <a:chExt cx="0" cy="0"/>
+        </a:xfrm>
+      </p:grpSpPr>
+      <p:graphicFrame>
+        <p:nvGraphicFramePr>
+          <p:cNvPr id="5" name="Diagram 4">
+            <a:extLst>
+              <a:ext uri="{FF2B5EF4-FFF2-40B4-BE49-F238E27FC236}">
+                <a16:creationId xmlns:a16="http://schemas.microsoft.com/office/drawing/2014/main" id="{2829D1EC-E3E0-4457-9E80-A49963D51023}"/>
+              </a:ext>
+            </a:extLst>
+          </p:cNvPr>
+          <p:cNvGraphicFramePr/>
+          <p:nvPr>
+            <p:extLst>
+              <p:ext uri="{D42A27DB-BD31-4B8C-83A1-F6EECF244321}">
+                <p14:modId xmlns:p14="http://schemas.microsoft.com/office/powerpoint/2010/main" val="3064687322"/>
+              </p:ext>
+            </p:extLst>
+          </p:nvPr>
+        </p:nvGraphicFramePr>
+        <p:xfrm>
+          <a:off x="1616927" y="857260"/>
+          <a:ext cx="9500839" cy="5384405"/>
+        </p:xfrm>
+        <a:graphic>
+          <a:graphicData uri="http://schemas.openxmlformats.org/drawingml/2006/diagram">
+            <dgm:relIds xmlns:dgm="http://schemas.openxmlformats.org/drawingml/2006/diagram" xmlns:r="http://schemas.openxmlformats.org/officeDocument/2006/relationships" r:dm="rId3" r:lo="rId4" r:qs="rId5" r:cs="rId6"/>
+          </a:graphicData>
+        </a:graphic>
+      </p:graphicFrame>
+      <p:sp>
+        <p:nvSpPr>
+          <p:cNvPr id="6" name="Title 1">
+            <a:extLst>
+              <a:ext uri="{FF2B5EF4-FFF2-40B4-BE49-F238E27FC236}">
+                <a16:creationId xmlns:a16="http://schemas.microsoft.com/office/drawing/2014/main" id="{67EA4E03-4FFD-4170-A431-6404A9119734}"/>
+              </a:ext>
+            </a:extLst>
+          </p:cNvPr>
+          <p:cNvSpPr txBox="1">
+            <a:spLocks/>
+          </p:cNvSpPr>
+          <p:nvPr/>
+        </p:nvSpPr>
+        <p:spPr>
+          <a:xfrm>
+            <a:off x="370838" y="241156"/>
+            <a:ext cx="10972800" cy="1143000"/>
+          </a:xfrm>
+          <a:prstGeom prst="rect">
+            <a:avLst/>
+          </a:prstGeom>
+        </p:spPr>
+        <p:txBody>
+          <a:bodyPr vert="horz" lIns="91440" tIns="45720" rIns="91440" bIns="45720" rtlCol="0" anchor="t">
+            <a:noAutofit/>
+          </a:bodyPr>
+          <a:lstStyle>
+            <a:lvl1pPr marL="0" marR="0" indent="0" algn="l" defTabSz="457112" rtl="0" eaLnBrk="1" fontAlgn="auto" latinLnBrk="0" hangingPunct="1">
+              <a:lnSpc>
+                <a:spcPts val="3500"/>
+              </a:lnSpc>
+              <a:spcBef>
+                <a:spcPct val="0"/>
+              </a:spcBef>
+              <a:spcAft>
+                <a:spcPts val="0"/>
+              </a:spcAft>
+              <a:buClrTx/>
+              <a:buSzTx/>
+              <a:buFontTx/>
+              <a:buNone/>
+              <a:tabLst/>
+              <a:defRPr kumimoji="0" lang="en-US" sz="3600" b="0" i="0" u="none" strike="noStrike" kern="1200" cap="none" spc="0" normalizeH="0" baseline="0">
+                <a:ln>
+                  <a:noFill/>
+                </a:ln>
+                <a:solidFill>
+                  <a:srgbClr val="424CA0"/>
+                </a:solidFill>
+                <a:effectLst/>
+                <a:uLnTx/>
+                <a:uFillTx/>
+                <a:latin typeface="+mj-lt"/>
+                <a:ea typeface="+mj-ea"/>
+                <a:cs typeface="Segoe UI Light"/>
+              </a:defRPr>
+            </a:lvl1pPr>
+          </a:lstStyle>
+          <a:p>
+            <a:r>
+              <a:rPr lang="en-US" altLang="en-US" sz="4400" dirty="0">
+                <a:solidFill>
+                  <a:schemeClr val="accent4">
+                    <a:lumMod val="75000"/>
+                  </a:schemeClr>
+                </a:solidFill>
+              </a:rPr>
+              <a:t>Query Simplification phases</a:t>
+            </a:r>
+          </a:p>
+        </p:txBody>
+      </p:sp>
+    </p:spTree>
+    <p:extLst>
+      <p:ext uri="{BB962C8B-B14F-4D97-AF65-F5344CB8AC3E}">
+        <p14:creationId xmlns:p14="http://schemas.microsoft.com/office/powerpoint/2010/main" val="542595443"/>
+      </p:ext>
+    </p:extLst>
+  </p:cSld>
+  <p:clrMapOvr>
+    <a:masterClrMapping/>
+  </p:clrMapOvr>
+  <mc:AlternateContent xmlns:mc="http://schemas.openxmlformats.org/markup-compatibility/2006">
+    <mc:Choice xmlns:p159="http://schemas.microsoft.com/office/powerpoint/2015/09/main" Requires="p159">
+      <p:transition xmlns:p14="http://schemas.microsoft.com/office/powerpoint/2010/main" spd="slow" p14:dur="2000">
+        <p159:morph option="byObject"/>
+      </p:transition>
+    </mc:Choice>
+    <mc:Fallback>
+      <p:transition spd="slow">
+        <p:fade/>
+      </p:transition>
     </mc:Fallback>
   </mc:AlternateContent>
 </p:sld>
